--- a/発表資料/プレゼンテーション資料.pptx
+++ b/発表資料/プレゼンテーション資料.pptx
@@ -4,16 +4,20 @@
   <p:sldMasterIdLst>
     <p:sldMasterId id="2147483660" r:id="rId1"/>
   </p:sldMasterIdLst>
+  <p:notesMasterIdLst>
+    <p:notesMasterId r:id="rId12"/>
+  </p:notesMasterIdLst>
   <p:sldIdLst>
     <p:sldId id="256" r:id="rId2"/>
-    <p:sldId id="257" r:id="rId3"/>
-    <p:sldId id="258" r:id="rId4"/>
-    <p:sldId id="259" r:id="rId5"/>
-    <p:sldId id="260" r:id="rId6"/>
-    <p:sldId id="261" r:id="rId7"/>
-    <p:sldId id="262" r:id="rId8"/>
-    <p:sldId id="264" r:id="rId9"/>
-    <p:sldId id="265" r:id="rId10"/>
+    <p:sldId id="266" r:id="rId3"/>
+    <p:sldId id="257" r:id="rId4"/>
+    <p:sldId id="258" r:id="rId5"/>
+    <p:sldId id="259" r:id="rId6"/>
+    <p:sldId id="260" r:id="rId7"/>
+    <p:sldId id="261" r:id="rId8"/>
+    <p:sldId id="262" r:id="rId9"/>
+    <p:sldId id="264" r:id="rId10"/>
+    <p:sldId id="265" r:id="rId11"/>
   </p:sldIdLst>
   <p:sldSz cx="9144000" cy="5143500" type="screen16x9"/>
   <p:notesSz cx="6858000" cy="9144000"/>
@@ -263,8 +267,8 @@
         <c:manualLayout>
           <c:xMode val="edge"/>
           <c:yMode val="edge"/>
-          <c:x val="0.6967910955575"/>
-          <c:y val="0.254945751051465"/>
+          <c:x val="0.673642947409352"/>
+          <c:y val="0.187593085008434"/>
           <c:w val="0.272344706911636"/>
           <c:h val="0.445206425903965"/>
         </c:manualLayout>
@@ -344,59 +348,557 @@
       </cdr:txBody>
     </cdr:sp>
   </cdr:relSizeAnchor>
-  <cdr:relSizeAnchor xmlns:cdr="http://schemas.openxmlformats.org/drawingml/2006/chartDrawing">
-    <cdr:from>
-      <cdr:x>0.82775</cdr:x>
-      <cdr:y>0.88843</cdr:y>
-    </cdr:from>
-    <cdr:to>
-      <cdr:x>0.95732</cdr:x>
-      <cdr:y>1</cdr:y>
-    </cdr:to>
-    <cdr:sp macro="" textlink="">
-      <cdr:nvSpPr>
-        <cdr:cNvPr id="3" name="テキスト ボックス 2"/>
-        <cdr:cNvSpPr txBox="1"/>
-      </cdr:nvSpPr>
-      <cdr:spPr>
-        <a:xfrm xmlns:a="http://schemas.openxmlformats.org/drawingml/2006/main">
-          <a:off x="6812019" y="3015385"/>
-          <a:ext cx="1066307" cy="378689"/>
+</c:userShapes>
+</file>
+
+<file path=ppt/notesMasters/notesMaster1.xml><?xml version="1.0" encoding="utf-8"?>
+<p:notesMaster xmlns:a="http://schemas.openxmlformats.org/drawingml/2006/main" xmlns:r="http://schemas.openxmlformats.org/officeDocument/2006/relationships" xmlns:p="http://schemas.openxmlformats.org/presentationml/2006/main">
+  <p:cSld>
+    <p:bg>
+      <p:bgRef idx="1001">
+        <a:schemeClr val="bg1"/>
+      </p:bgRef>
+    </p:bg>
+    <p:spTree>
+      <p:nvGrpSpPr>
+        <p:cNvPr id="1" name=""/>
+        <p:cNvGrpSpPr/>
+        <p:nvPr/>
+      </p:nvGrpSpPr>
+      <p:grpSpPr>
+        <a:xfrm>
+          <a:off x="0" y="0"/>
+          <a:ext cx="0" cy="0"/>
+          <a:chOff x="0" y="0"/>
+          <a:chExt cx="0" cy="0"/>
         </a:xfrm>
-        <a:prstGeom xmlns:a="http://schemas.openxmlformats.org/drawingml/2006/main" prst="rect">
-          <a:avLst/>
-        </a:prstGeom>
-      </cdr:spPr>
-      <cdr:txBody>
-        <a:bodyPr xmlns:a="http://schemas.openxmlformats.org/drawingml/2006/main" vertOverflow="clip" wrap="none" rtlCol="0"/>
-        <a:lstStyle xmlns:a="http://schemas.openxmlformats.org/drawingml/2006/main"/>
-        <a:p xmlns:a="http://schemas.openxmlformats.org/drawingml/2006/main">
-          <a:r>
-            <a:rPr lang="en-US" altLang="ja-JP" sz="1100" dirty="0" smtClean="0">
-              <a:solidFill>
-                <a:schemeClr val="tx1"/>
-              </a:solidFill>
-            </a:rPr>
-            <a:t>※</a:t>
-          </a:r>
-          <a:r>
-            <a:rPr lang="ja-JP" altLang="en-US" sz="1100" dirty="0" smtClean="0">
-              <a:solidFill>
-                <a:schemeClr val="tx1"/>
-              </a:solidFill>
-            </a:rPr>
-            <a:t>当社調べ</a:t>
-          </a:r>
-          <a:endParaRPr lang="ja-JP" altLang="en-US" sz="1100" dirty="0">
+      </p:grpSpPr>
+      <p:sp>
+        <p:nvSpPr>
+          <p:cNvPr id="2" name="ヘッダー プレースホルダー 1"/>
+          <p:cNvSpPr>
+            <a:spLocks noGrp="1"/>
+          </p:cNvSpPr>
+          <p:nvPr>
+            <p:ph type="hdr" sz="quarter"/>
+          </p:nvPr>
+        </p:nvSpPr>
+        <p:spPr>
+          <a:xfrm>
+            <a:off x="0" y="0"/>
+            <a:ext cx="2971800" cy="457200"/>
+          </a:xfrm>
+          <a:prstGeom prst="rect">
+            <a:avLst/>
+          </a:prstGeom>
+        </p:spPr>
+        <p:txBody>
+          <a:bodyPr vert="horz" lIns="91440" tIns="45720" rIns="91440" bIns="45720" rtlCol="0"/>
+          <a:lstStyle>
+            <a:lvl1pPr algn="l">
+              <a:defRPr sz="1200"/>
+            </a:lvl1pPr>
+          </a:lstStyle>
+          <a:p>
+            <a:endParaRPr kumimoji="1" lang="ja-JP" altLang="en-US"/>
+          </a:p>
+        </p:txBody>
+      </p:sp>
+      <p:sp>
+        <p:nvSpPr>
+          <p:cNvPr id="3" name="日付プレースホルダー 2"/>
+          <p:cNvSpPr>
+            <a:spLocks noGrp="1"/>
+          </p:cNvSpPr>
+          <p:nvPr>
+            <p:ph type="dt" idx="1"/>
+          </p:nvPr>
+        </p:nvSpPr>
+        <p:spPr>
+          <a:xfrm>
+            <a:off x="3884613" y="0"/>
+            <a:ext cx="2971800" cy="457200"/>
+          </a:xfrm>
+          <a:prstGeom prst="rect">
+            <a:avLst/>
+          </a:prstGeom>
+        </p:spPr>
+        <p:txBody>
+          <a:bodyPr vert="horz" lIns="91440" tIns="45720" rIns="91440" bIns="45720" rtlCol="0"/>
+          <a:lstStyle>
+            <a:lvl1pPr algn="r">
+              <a:defRPr sz="1200"/>
+            </a:lvl1pPr>
+          </a:lstStyle>
+          <a:p>
+            <a:fld id="{21D47EDA-1B2D-4A4B-9C7B-E030AE7DFBF8}" type="datetimeFigureOut">
+              <a:rPr kumimoji="1" lang="ja-JP" altLang="en-US" smtClean="0"/>
+              <a:t>19/10/01</a:t>
+            </a:fld>
+            <a:endParaRPr kumimoji="1" lang="ja-JP" altLang="en-US"/>
+          </a:p>
+        </p:txBody>
+      </p:sp>
+      <p:sp>
+        <p:nvSpPr>
+          <p:cNvPr id="4" name="スライド イメージ プレースホルダー 3"/>
+          <p:cNvSpPr>
+            <a:spLocks noGrp="1" noRot="1" noChangeAspect="1"/>
+          </p:cNvSpPr>
+          <p:nvPr>
+            <p:ph type="sldImg" idx="2"/>
+          </p:nvPr>
+        </p:nvSpPr>
+        <p:spPr>
+          <a:xfrm>
+            <a:off x="381000" y="685800"/>
+            <a:ext cx="6096000" cy="3429000"/>
+          </a:xfrm>
+          <a:prstGeom prst="rect">
+            <a:avLst/>
+          </a:prstGeom>
+          <a:noFill/>
+          <a:ln w="12700">
             <a:solidFill>
-              <a:schemeClr val="tx1"/>
+              <a:prstClr val="black"/>
             </a:solidFill>
-          </a:endParaRPr>
-        </a:p>
-      </cdr:txBody>
-    </cdr:sp>
-  </cdr:relSizeAnchor>
-</c:userShapes>
+          </a:ln>
+        </p:spPr>
+        <p:txBody>
+          <a:bodyPr vert="horz" lIns="91440" tIns="45720" rIns="91440" bIns="45720" rtlCol="0" anchor="ctr"/>
+          <a:lstStyle/>
+          <a:p>
+            <a:endParaRPr lang="ja-JP" altLang="en-US"/>
+          </a:p>
+        </p:txBody>
+      </p:sp>
+      <p:sp>
+        <p:nvSpPr>
+          <p:cNvPr id="5" name="ノート プレースホルダー 4"/>
+          <p:cNvSpPr>
+            <a:spLocks noGrp="1"/>
+          </p:cNvSpPr>
+          <p:nvPr>
+            <p:ph type="body" sz="quarter" idx="3"/>
+          </p:nvPr>
+        </p:nvSpPr>
+        <p:spPr>
+          <a:xfrm>
+            <a:off x="685800" y="4343400"/>
+            <a:ext cx="5486400" cy="4114800"/>
+          </a:xfrm>
+          <a:prstGeom prst="rect">
+            <a:avLst/>
+          </a:prstGeom>
+        </p:spPr>
+        <p:txBody>
+          <a:bodyPr vert="horz" lIns="91440" tIns="45720" rIns="91440" bIns="45720" rtlCol="0"/>
+          <a:lstStyle/>
+          <a:p>
+            <a:pPr lvl="0"/>
+            <a:r>
+              <a:rPr kumimoji="1" lang="ja-JP" altLang="en-US" smtClean="0"/>
+              <a:t>マスター テキストの書式設定</a:t>
+            </a:r>
+          </a:p>
+          <a:p>
+            <a:pPr lvl="1"/>
+            <a:r>
+              <a:rPr kumimoji="1" lang="ja-JP" altLang="en-US" smtClean="0"/>
+              <a:t>第 </a:t>
+            </a:r>
+            <a:r>
+              <a:rPr kumimoji="1" lang="en-US" altLang="ja-JP" smtClean="0"/>
+              <a:t>2 </a:t>
+            </a:r>
+            <a:r>
+              <a:rPr kumimoji="1" lang="ja-JP" altLang="en-US" smtClean="0"/>
+              <a:t>レベル</a:t>
+            </a:r>
+          </a:p>
+          <a:p>
+            <a:pPr lvl="2"/>
+            <a:r>
+              <a:rPr kumimoji="1" lang="ja-JP" altLang="en-US" smtClean="0"/>
+              <a:t>第 </a:t>
+            </a:r>
+            <a:r>
+              <a:rPr kumimoji="1" lang="en-US" altLang="ja-JP" smtClean="0"/>
+              <a:t>3 </a:t>
+            </a:r>
+            <a:r>
+              <a:rPr kumimoji="1" lang="ja-JP" altLang="en-US" smtClean="0"/>
+              <a:t>レベル</a:t>
+            </a:r>
+          </a:p>
+          <a:p>
+            <a:pPr lvl="3"/>
+            <a:r>
+              <a:rPr kumimoji="1" lang="ja-JP" altLang="en-US" smtClean="0"/>
+              <a:t>第 </a:t>
+            </a:r>
+            <a:r>
+              <a:rPr kumimoji="1" lang="en-US" altLang="ja-JP" smtClean="0"/>
+              <a:t>4 </a:t>
+            </a:r>
+            <a:r>
+              <a:rPr kumimoji="1" lang="ja-JP" altLang="en-US" smtClean="0"/>
+              <a:t>レベル</a:t>
+            </a:r>
+          </a:p>
+          <a:p>
+            <a:pPr lvl="4"/>
+            <a:r>
+              <a:rPr kumimoji="1" lang="ja-JP" altLang="en-US" smtClean="0"/>
+              <a:t>第 </a:t>
+            </a:r>
+            <a:r>
+              <a:rPr kumimoji="1" lang="en-US" altLang="ja-JP" smtClean="0"/>
+              <a:t>5 </a:t>
+            </a:r>
+            <a:r>
+              <a:rPr kumimoji="1" lang="ja-JP" altLang="en-US" smtClean="0"/>
+              <a:t>レベル</a:t>
+            </a:r>
+            <a:endParaRPr kumimoji="1" lang="ja-JP" altLang="en-US"/>
+          </a:p>
+        </p:txBody>
+      </p:sp>
+      <p:sp>
+        <p:nvSpPr>
+          <p:cNvPr id="6" name="フッター プレースホルダー 5"/>
+          <p:cNvSpPr>
+            <a:spLocks noGrp="1"/>
+          </p:cNvSpPr>
+          <p:nvPr>
+            <p:ph type="ftr" sz="quarter" idx="4"/>
+          </p:nvPr>
+        </p:nvSpPr>
+        <p:spPr>
+          <a:xfrm>
+            <a:off x="0" y="8685213"/>
+            <a:ext cx="2971800" cy="457200"/>
+          </a:xfrm>
+          <a:prstGeom prst="rect">
+            <a:avLst/>
+          </a:prstGeom>
+        </p:spPr>
+        <p:txBody>
+          <a:bodyPr vert="horz" lIns="91440" tIns="45720" rIns="91440" bIns="45720" rtlCol="0" anchor="b"/>
+          <a:lstStyle>
+            <a:lvl1pPr algn="l">
+              <a:defRPr sz="1200"/>
+            </a:lvl1pPr>
+          </a:lstStyle>
+          <a:p>
+            <a:endParaRPr kumimoji="1" lang="ja-JP" altLang="en-US"/>
+          </a:p>
+        </p:txBody>
+      </p:sp>
+      <p:sp>
+        <p:nvSpPr>
+          <p:cNvPr id="7" name="スライド番号プレースホルダー 6"/>
+          <p:cNvSpPr>
+            <a:spLocks noGrp="1"/>
+          </p:cNvSpPr>
+          <p:nvPr>
+            <p:ph type="sldNum" sz="quarter" idx="5"/>
+          </p:nvPr>
+        </p:nvSpPr>
+        <p:spPr>
+          <a:xfrm>
+            <a:off x="3884613" y="8685213"/>
+            <a:ext cx="2971800" cy="457200"/>
+          </a:xfrm>
+          <a:prstGeom prst="rect">
+            <a:avLst/>
+          </a:prstGeom>
+        </p:spPr>
+        <p:txBody>
+          <a:bodyPr vert="horz" lIns="91440" tIns="45720" rIns="91440" bIns="45720" rtlCol="0" anchor="b"/>
+          <a:lstStyle>
+            <a:lvl1pPr algn="r">
+              <a:defRPr sz="1200"/>
+            </a:lvl1pPr>
+          </a:lstStyle>
+          <a:p>
+            <a:fld id="{0903B010-35B6-A345-BE7C-3F781CD61F11}" type="slidenum">
+              <a:rPr kumimoji="1" lang="ja-JP" altLang="en-US" smtClean="0"/>
+              <a:t>‹#›</a:t>
+            </a:fld>
+            <a:endParaRPr kumimoji="1" lang="ja-JP" altLang="en-US"/>
+          </a:p>
+        </p:txBody>
+      </p:sp>
+    </p:spTree>
+    <p:extLst>
+      <p:ext uri="{BB962C8B-B14F-4D97-AF65-F5344CB8AC3E}">
+        <p14:creationId xmlns:p14="http://schemas.microsoft.com/office/powerpoint/2010/main" val="481923044"/>
+      </p:ext>
+    </p:extLst>
+  </p:cSld>
+  <p:clrMap bg1="lt1" tx1="dk1" bg2="lt2" tx2="dk2" accent1="accent1" accent2="accent2" accent3="accent3" accent4="accent4" accent5="accent5" accent6="accent6" hlink="hlink" folHlink="folHlink"/>
+  <p:notesStyle>
+    <a:lvl1pPr marL="0" algn="l" defTabSz="457200" rtl="0" eaLnBrk="1" latinLnBrk="0" hangingPunct="1">
+      <a:defRPr kumimoji="1" sz="1200" kern="1200">
+        <a:solidFill>
+          <a:schemeClr val="tx1"/>
+        </a:solidFill>
+        <a:latin typeface="+mn-lt"/>
+        <a:ea typeface="+mn-ea"/>
+        <a:cs typeface="+mn-cs"/>
+      </a:defRPr>
+    </a:lvl1pPr>
+    <a:lvl2pPr marL="457200" algn="l" defTabSz="457200" rtl="0" eaLnBrk="1" latinLnBrk="0" hangingPunct="1">
+      <a:defRPr kumimoji="1" sz="1200" kern="1200">
+        <a:solidFill>
+          <a:schemeClr val="tx1"/>
+        </a:solidFill>
+        <a:latin typeface="+mn-lt"/>
+        <a:ea typeface="+mn-ea"/>
+        <a:cs typeface="+mn-cs"/>
+      </a:defRPr>
+    </a:lvl2pPr>
+    <a:lvl3pPr marL="914400" algn="l" defTabSz="457200" rtl="0" eaLnBrk="1" latinLnBrk="0" hangingPunct="1">
+      <a:defRPr kumimoji="1" sz="1200" kern="1200">
+        <a:solidFill>
+          <a:schemeClr val="tx1"/>
+        </a:solidFill>
+        <a:latin typeface="+mn-lt"/>
+        <a:ea typeface="+mn-ea"/>
+        <a:cs typeface="+mn-cs"/>
+      </a:defRPr>
+    </a:lvl3pPr>
+    <a:lvl4pPr marL="1371600" algn="l" defTabSz="457200" rtl="0" eaLnBrk="1" latinLnBrk="0" hangingPunct="1">
+      <a:defRPr kumimoji="1" sz="1200" kern="1200">
+        <a:solidFill>
+          <a:schemeClr val="tx1"/>
+        </a:solidFill>
+        <a:latin typeface="+mn-lt"/>
+        <a:ea typeface="+mn-ea"/>
+        <a:cs typeface="+mn-cs"/>
+      </a:defRPr>
+    </a:lvl4pPr>
+    <a:lvl5pPr marL="1828800" algn="l" defTabSz="457200" rtl="0" eaLnBrk="1" latinLnBrk="0" hangingPunct="1">
+      <a:defRPr kumimoji="1" sz="1200" kern="1200">
+        <a:solidFill>
+          <a:schemeClr val="tx1"/>
+        </a:solidFill>
+        <a:latin typeface="+mn-lt"/>
+        <a:ea typeface="+mn-ea"/>
+        <a:cs typeface="+mn-cs"/>
+      </a:defRPr>
+    </a:lvl5pPr>
+    <a:lvl6pPr marL="2286000" algn="l" defTabSz="457200" rtl="0" eaLnBrk="1" latinLnBrk="0" hangingPunct="1">
+      <a:defRPr kumimoji="1" sz="1200" kern="1200">
+        <a:solidFill>
+          <a:schemeClr val="tx1"/>
+        </a:solidFill>
+        <a:latin typeface="+mn-lt"/>
+        <a:ea typeface="+mn-ea"/>
+        <a:cs typeface="+mn-cs"/>
+      </a:defRPr>
+    </a:lvl6pPr>
+    <a:lvl7pPr marL="2743200" algn="l" defTabSz="457200" rtl="0" eaLnBrk="1" latinLnBrk="0" hangingPunct="1">
+      <a:defRPr kumimoji="1" sz="1200" kern="1200">
+        <a:solidFill>
+          <a:schemeClr val="tx1"/>
+        </a:solidFill>
+        <a:latin typeface="+mn-lt"/>
+        <a:ea typeface="+mn-ea"/>
+        <a:cs typeface="+mn-cs"/>
+      </a:defRPr>
+    </a:lvl7pPr>
+    <a:lvl8pPr marL="3200400" algn="l" defTabSz="457200" rtl="0" eaLnBrk="1" latinLnBrk="0" hangingPunct="1">
+      <a:defRPr kumimoji="1" sz="1200" kern="1200">
+        <a:solidFill>
+          <a:schemeClr val="tx1"/>
+        </a:solidFill>
+        <a:latin typeface="+mn-lt"/>
+        <a:ea typeface="+mn-ea"/>
+        <a:cs typeface="+mn-cs"/>
+      </a:defRPr>
+    </a:lvl8pPr>
+    <a:lvl9pPr marL="3657600" algn="l" defTabSz="457200" rtl="0" eaLnBrk="1" latinLnBrk="0" hangingPunct="1">
+      <a:defRPr kumimoji="1" sz="1200" kern="1200">
+        <a:solidFill>
+          <a:schemeClr val="tx1"/>
+        </a:solidFill>
+        <a:latin typeface="+mn-lt"/>
+        <a:ea typeface="+mn-ea"/>
+        <a:cs typeface="+mn-cs"/>
+      </a:defRPr>
+    </a:lvl9pPr>
+  </p:notesStyle>
+</p:notesMaster>
+</file>
+
+<file path=ppt/notesSlides/notesSlide1.xml><?xml version="1.0" encoding="utf-8"?>
+<p:notes xmlns:a="http://schemas.openxmlformats.org/drawingml/2006/main" xmlns:r="http://schemas.openxmlformats.org/officeDocument/2006/relationships" xmlns:p="http://schemas.openxmlformats.org/presentationml/2006/main">
+  <p:cSld>
+    <p:spTree>
+      <p:nvGrpSpPr>
+        <p:cNvPr id="1" name=""/>
+        <p:cNvGrpSpPr/>
+        <p:nvPr/>
+      </p:nvGrpSpPr>
+      <p:grpSpPr>
+        <a:xfrm>
+          <a:off x="0" y="0"/>
+          <a:ext cx="0" cy="0"/>
+          <a:chOff x="0" y="0"/>
+          <a:chExt cx="0" cy="0"/>
+        </a:xfrm>
+      </p:grpSpPr>
+      <p:sp>
+        <p:nvSpPr>
+          <p:cNvPr id="2" name="スライド イメージ プレースホルダー 1"/>
+          <p:cNvSpPr>
+            <a:spLocks noGrp="1" noRot="1" noChangeAspect="1"/>
+          </p:cNvSpPr>
+          <p:nvPr>
+            <p:ph type="sldImg"/>
+          </p:nvPr>
+        </p:nvSpPr>
+        <p:spPr/>
+      </p:sp>
+      <p:sp>
+        <p:nvSpPr>
+          <p:cNvPr id="3" name="ノート プレースホルダー 2"/>
+          <p:cNvSpPr>
+            <a:spLocks noGrp="1"/>
+          </p:cNvSpPr>
+          <p:nvPr>
+            <p:ph type="body" idx="1"/>
+          </p:nvPr>
+        </p:nvSpPr>
+        <p:spPr/>
+        <p:txBody>
+          <a:bodyPr/>
+          <a:lstStyle/>
+          <a:p>
+            <a:endParaRPr kumimoji="1" lang="ja-JP" altLang="en-US" dirty="0"/>
+          </a:p>
+        </p:txBody>
+      </p:sp>
+      <p:sp>
+        <p:nvSpPr>
+          <p:cNvPr id="4" name="スライド番号プレースホルダー 3"/>
+          <p:cNvSpPr>
+            <a:spLocks noGrp="1"/>
+          </p:cNvSpPr>
+          <p:nvPr>
+            <p:ph type="sldNum" sz="quarter" idx="10"/>
+          </p:nvPr>
+        </p:nvSpPr>
+        <p:spPr/>
+        <p:txBody>
+          <a:bodyPr/>
+          <a:lstStyle/>
+          <a:p>
+            <a:fld id="{0903B010-35B6-A345-BE7C-3F781CD61F11}" type="slidenum">
+              <a:rPr kumimoji="1" lang="ja-JP" altLang="en-US" smtClean="0"/>
+              <a:t>4</a:t>
+            </a:fld>
+            <a:endParaRPr kumimoji="1" lang="ja-JP" altLang="en-US"/>
+          </a:p>
+        </p:txBody>
+      </p:sp>
+    </p:spTree>
+    <p:extLst>
+      <p:ext uri="{BB962C8B-B14F-4D97-AF65-F5344CB8AC3E}">
+        <p14:creationId xmlns:p14="http://schemas.microsoft.com/office/powerpoint/2010/main" val="613034866"/>
+      </p:ext>
+    </p:extLst>
+  </p:cSld>
+  <p:clrMapOvr>
+    <a:masterClrMapping/>
+  </p:clrMapOvr>
+</p:notes>
+</file>
+
+<file path=ppt/notesSlides/notesSlide2.xml><?xml version="1.0" encoding="utf-8"?>
+<p:notes xmlns:a="http://schemas.openxmlformats.org/drawingml/2006/main" xmlns:r="http://schemas.openxmlformats.org/officeDocument/2006/relationships" xmlns:p="http://schemas.openxmlformats.org/presentationml/2006/main">
+  <p:cSld>
+    <p:spTree>
+      <p:nvGrpSpPr>
+        <p:cNvPr id="1" name=""/>
+        <p:cNvGrpSpPr/>
+        <p:nvPr/>
+      </p:nvGrpSpPr>
+      <p:grpSpPr>
+        <a:xfrm>
+          <a:off x="0" y="0"/>
+          <a:ext cx="0" cy="0"/>
+          <a:chOff x="0" y="0"/>
+          <a:chExt cx="0" cy="0"/>
+        </a:xfrm>
+      </p:grpSpPr>
+      <p:sp>
+        <p:nvSpPr>
+          <p:cNvPr id="2" name="スライド イメージ プレースホルダー 1"/>
+          <p:cNvSpPr>
+            <a:spLocks noGrp="1" noRot="1" noChangeAspect="1"/>
+          </p:cNvSpPr>
+          <p:nvPr>
+            <p:ph type="sldImg"/>
+          </p:nvPr>
+        </p:nvSpPr>
+        <p:spPr/>
+      </p:sp>
+      <p:sp>
+        <p:nvSpPr>
+          <p:cNvPr id="3" name="ノート プレースホルダー 2"/>
+          <p:cNvSpPr>
+            <a:spLocks noGrp="1"/>
+          </p:cNvSpPr>
+          <p:nvPr>
+            <p:ph type="body" idx="1"/>
+          </p:nvPr>
+        </p:nvSpPr>
+        <p:spPr/>
+        <p:txBody>
+          <a:bodyPr/>
+          <a:lstStyle/>
+          <a:p>
+            <a:endParaRPr kumimoji="1" lang="ja-JP" altLang="en-US" dirty="0"/>
+          </a:p>
+        </p:txBody>
+      </p:sp>
+      <p:sp>
+        <p:nvSpPr>
+          <p:cNvPr id="4" name="スライド番号プレースホルダー 3"/>
+          <p:cNvSpPr>
+            <a:spLocks noGrp="1"/>
+          </p:cNvSpPr>
+          <p:nvPr>
+            <p:ph type="sldNum" sz="quarter" idx="10"/>
+          </p:nvPr>
+        </p:nvSpPr>
+        <p:spPr/>
+        <p:txBody>
+          <a:bodyPr/>
+          <a:lstStyle/>
+          <a:p>
+            <a:fld id="{0903B010-35B6-A345-BE7C-3F781CD61F11}" type="slidenum">
+              <a:rPr kumimoji="1" lang="ja-JP" altLang="en-US" smtClean="0"/>
+              <a:t>7</a:t>
+            </a:fld>
+            <a:endParaRPr kumimoji="1" lang="ja-JP" altLang="en-US"/>
+          </a:p>
+        </p:txBody>
+      </p:sp>
+    </p:spTree>
+    <p:extLst>
+      <p:ext uri="{BB962C8B-B14F-4D97-AF65-F5344CB8AC3E}">
+        <p14:creationId xmlns:p14="http://schemas.microsoft.com/office/powerpoint/2010/main" val="4256064707"/>
+      </p:ext>
+    </p:extLst>
+  </p:cSld>
+  <p:clrMapOvr>
+    <a:masterClrMapping/>
+  </p:clrMapOvr>
+</p:notes>
 </file>
 
 <file path=ppt/slideLayouts/slideLayout1.xml><?xml version="1.0" encoding="utf-8"?>
@@ -3908,7 +4410,638 @@
 </p:sld>
 </file>
 
+<file path=ppt/slides/slide10.xml><?xml version="1.0" encoding="utf-8"?>
+<p:sld xmlns:a="http://schemas.openxmlformats.org/drawingml/2006/main" xmlns:r="http://schemas.openxmlformats.org/officeDocument/2006/relationships" xmlns:p="http://schemas.openxmlformats.org/presentationml/2006/main">
+  <p:cSld>
+    <p:spTree>
+      <p:nvGrpSpPr>
+        <p:cNvPr id="1" name=""/>
+        <p:cNvGrpSpPr/>
+        <p:nvPr/>
+      </p:nvGrpSpPr>
+      <p:grpSpPr>
+        <a:xfrm>
+          <a:off x="0" y="0"/>
+          <a:ext cx="0" cy="0"/>
+          <a:chOff x="0" y="0"/>
+          <a:chExt cx="0" cy="0"/>
+        </a:xfrm>
+      </p:grpSpPr>
+      <p:sp>
+        <p:nvSpPr>
+          <p:cNvPr id="2" name="タイトル 1"/>
+          <p:cNvSpPr>
+            <a:spLocks noGrp="1"/>
+          </p:cNvSpPr>
+          <p:nvPr>
+            <p:ph type="title"/>
+          </p:nvPr>
+        </p:nvSpPr>
+        <p:spPr>
+          <a:xfrm flipH="1" flipV="1">
+            <a:off x="8686799" y="1200150"/>
+            <a:ext cx="279302" cy="376570"/>
+          </a:xfrm>
+        </p:spPr>
+        <p:txBody>
+          <a:bodyPr>
+            <a:normAutofit fontScale="90000"/>
+          </a:bodyPr>
+          <a:lstStyle/>
+          <a:p>
+            <a:r>
+              <a:rPr kumimoji="1" lang="en-US" altLang="ja-JP" dirty="0"/>
+              <a:t/>
+            </a:r>
+            <a:br>
+              <a:rPr kumimoji="1" lang="en-US" altLang="ja-JP" dirty="0"/>
+            </a:br>
+            <a:r>
+              <a:rPr kumimoji="1" lang="ja-JP" altLang="ja-JP" dirty="0"/>
+              <a:t>　</a:t>
+            </a:r>
+            <a:endParaRPr kumimoji="1" lang="ja-JP" altLang="en-US" dirty="0"/>
+          </a:p>
+        </p:txBody>
+      </p:sp>
+      <p:sp>
+        <p:nvSpPr>
+          <p:cNvPr id="3" name="コンテンツ プレースホルダー 2"/>
+          <p:cNvSpPr>
+            <a:spLocks noGrp="1"/>
+          </p:cNvSpPr>
+          <p:nvPr>
+            <p:ph idx="1"/>
+          </p:nvPr>
+        </p:nvSpPr>
+        <p:spPr>
+          <a:xfrm>
+            <a:off x="424356" y="1035916"/>
+            <a:ext cx="8229600" cy="3394472"/>
+          </a:xfrm>
+        </p:spPr>
+        <p:txBody>
+          <a:bodyPr>
+            <a:normAutofit/>
+          </a:bodyPr>
+          <a:lstStyle/>
+          <a:p>
+            <a:pPr marL="0" indent="0" algn="ctr">
+              <a:buNone/>
+            </a:pPr>
+            <a:r>
+              <a:rPr kumimoji="1" lang="ja-JP" altLang="en-US" sz="4500" dirty="0" smtClean="0">
+                <a:latin typeface="ヒラギノ角ゴ Std W8"/>
+                <a:ea typeface="ヒラギノ角ゴ Std W8"/>
+                <a:cs typeface="ヒラギノ角ゴ Std W8"/>
+              </a:rPr>
+              <a:t>ご静聴ありがとうございました。</a:t>
+            </a:r>
+            <a:endParaRPr kumimoji="1" lang="ja-JP" altLang="en-US" sz="4500" dirty="0">
+              <a:latin typeface="ヒラギノ角ゴ Std W8"/>
+              <a:ea typeface="ヒラギノ角ゴ Std W8"/>
+              <a:cs typeface="ヒラギノ角ゴ Std W8"/>
+            </a:endParaRPr>
+          </a:p>
+        </p:txBody>
+      </p:sp>
+    </p:spTree>
+    <p:extLst>
+      <p:ext uri="{BB962C8B-B14F-4D97-AF65-F5344CB8AC3E}">
+        <p14:creationId xmlns:p14="http://schemas.microsoft.com/office/powerpoint/2010/main" val="3082166736"/>
+      </p:ext>
+    </p:extLst>
+  </p:cSld>
+  <p:clrMapOvr>
+    <a:masterClrMapping/>
+  </p:clrMapOvr>
+  <p:timing>
+    <p:tnLst>
+      <p:par>
+        <p:cTn xmlns:p14="http://schemas.microsoft.com/office/powerpoint/2010/main" id="1" dur="indefinite" restart="never" nodeType="tmRoot">
+          <p:childTnLst>
+            <p:seq concurrent="1" nextAc="seek">
+              <p:cTn id="2" dur="indefinite" nodeType="mainSeq">
+                <p:childTnLst>
+                  <p:par>
+                    <p:cTn id="3" fill="hold">
+                      <p:stCondLst>
+                        <p:cond delay="indefinite"/>
+                      </p:stCondLst>
+                      <p:childTnLst>
+                        <p:par>
+                          <p:cTn id="4" fill="hold">
+                            <p:stCondLst>
+                              <p:cond delay="0"/>
+                            </p:stCondLst>
+                            <p:childTnLst>
+                              <p:par>
+                                <p:cTn id="5" presetID="6" presetClass="entr" presetSubtype="16" fill="hold" grpId="0" nodeType="clickEffect">
+                                  <p:stCondLst>
+                                    <p:cond delay="0"/>
+                                  </p:stCondLst>
+                                  <p:iterate type="lt">
+                                    <p:tmPct val="0"/>
+                                  </p:iterate>
+                                  <p:childTnLst>
+                                    <p:set>
+                                      <p:cBhvr>
+                                        <p:cTn id="6" dur="1" fill="hold">
+                                          <p:stCondLst>
+                                            <p:cond delay="0"/>
+                                          </p:stCondLst>
+                                        </p:cTn>
+                                        <p:tgtEl>
+                                          <p:spTgt spid="3">
+                                            <p:txEl>
+                                              <p:pRg st="0" end="0"/>
+                                            </p:txEl>
+                                          </p:spTgt>
+                                        </p:tgtEl>
+                                        <p:attrNameLst>
+                                          <p:attrName>style.visibility</p:attrName>
+                                        </p:attrNameLst>
+                                      </p:cBhvr>
+                                      <p:to>
+                                        <p:strVal val="visible"/>
+                                      </p:to>
+                                    </p:set>
+                                    <p:animEffect transition="in" filter="circle(in)">
+                                      <p:cBhvr>
+                                        <p:cTn id="7" dur="2000"/>
+                                        <p:tgtEl>
+                                          <p:spTgt spid="3">
+                                            <p:txEl>
+                                              <p:pRg st="0" end="0"/>
+                                            </p:txEl>
+                                          </p:spTgt>
+                                        </p:tgtEl>
+                                      </p:cBhvr>
+                                    </p:animEffect>
+                                  </p:childTnLst>
+                                </p:cTn>
+                              </p:par>
+                            </p:childTnLst>
+                          </p:cTn>
+                        </p:par>
+                      </p:childTnLst>
+                    </p:cTn>
+                  </p:par>
+                  <p:par>
+                    <p:cTn id="8" fill="hold">
+                      <p:stCondLst>
+                        <p:cond delay="indefinite"/>
+                      </p:stCondLst>
+                      <p:childTnLst>
+                        <p:par>
+                          <p:cTn id="9" fill="hold">
+                            <p:stCondLst>
+                              <p:cond delay="0"/>
+                            </p:stCondLst>
+                            <p:childTnLst>
+                              <p:par>
+                                <p:cTn id="10" presetID="56" presetClass="exit" presetSubtype="0" fill="hold" nodeType="clickEffect">
+                                  <p:stCondLst>
+                                    <p:cond delay="0"/>
+                                  </p:stCondLst>
+                                  <p:iterate type="lt">
+                                    <p:tmPct val="10000"/>
+                                  </p:iterate>
+                                  <p:childTnLst>
+                                    <p:anim from="(ppt_w)" to="(-ppt_w*2)" calcmode="lin" valueType="num">
+                                      <p:cBhvr rctx="PPT">
+                                        <p:cTn id="11" dur="500" autoRev="1">
+                                          <p:stCondLst>
+                                            <p:cond delay="0"/>
+                                          </p:stCondLst>
+                                        </p:cTn>
+                                        <p:tgtEl>
+                                          <p:spTgt spid="3">
+                                            <p:txEl>
+                                              <p:pRg st="0" end="0"/>
+                                            </p:txEl>
+                                          </p:spTgt>
+                                        </p:tgtEl>
+                                        <p:attrNameLst>
+                                          <p:attrName>ppt_w</p:attrName>
+                                        </p:attrNameLst>
+                                      </p:cBhvr>
+                                    </p:anim>
+                                    <p:anim by="(ppt_w*0.50)" calcmode="lin" valueType="num">
+                                      <p:cBhvr>
+                                        <p:cTn id="12" dur="500" decel="50000" autoRev="1">
+                                          <p:stCondLst>
+                                            <p:cond delay="0"/>
+                                          </p:stCondLst>
+                                        </p:cTn>
+                                        <p:tgtEl>
+                                          <p:spTgt spid="3">
+                                            <p:txEl>
+                                              <p:pRg st="0" end="0"/>
+                                            </p:txEl>
+                                          </p:spTgt>
+                                        </p:tgtEl>
+                                        <p:attrNameLst>
+                                          <p:attrName>ppt_x</p:attrName>
+                                        </p:attrNameLst>
+                                      </p:cBhvr>
+                                    </p:anim>
+                                    <p:anim from="(ppt_y)" to="(1+ppt_h/2)" calcmode="lin" valueType="num">
+                                      <p:cBhvr>
+                                        <p:cTn id="13" dur="1000">
+                                          <p:stCondLst>
+                                            <p:cond delay="0"/>
+                                          </p:stCondLst>
+                                        </p:cTn>
+                                        <p:tgtEl>
+                                          <p:spTgt spid="3">
+                                            <p:txEl>
+                                              <p:pRg st="0" end="0"/>
+                                            </p:txEl>
+                                          </p:spTgt>
+                                        </p:tgtEl>
+                                        <p:attrNameLst>
+                                          <p:attrName>ppt_y</p:attrName>
+                                        </p:attrNameLst>
+                                      </p:cBhvr>
+                                    </p:anim>
+                                    <p:animRot by="21600000">
+                                      <p:cBhvr>
+                                        <p:cTn id="14" dur="1000">
+                                          <p:stCondLst>
+                                            <p:cond delay="0"/>
+                                          </p:stCondLst>
+                                        </p:cTn>
+                                        <p:tgtEl>
+                                          <p:spTgt spid="3">
+                                            <p:txEl>
+                                              <p:pRg st="0" end="0"/>
+                                            </p:txEl>
+                                          </p:spTgt>
+                                        </p:tgtEl>
+                                        <p:attrNameLst>
+                                          <p:attrName>r</p:attrName>
+                                        </p:attrNameLst>
+                                      </p:cBhvr>
+                                    </p:animRot>
+                                    <p:set>
+                                      <p:cBhvr>
+                                        <p:cTn id="15" dur="1" fill="hold">
+                                          <p:stCondLst>
+                                            <p:cond delay="999"/>
+                                          </p:stCondLst>
+                                        </p:cTn>
+                                        <p:tgtEl>
+                                          <p:spTgt spid="3">
+                                            <p:txEl>
+                                              <p:pRg st="0" end="0"/>
+                                            </p:txEl>
+                                          </p:spTgt>
+                                        </p:tgtEl>
+                                        <p:attrNameLst>
+                                          <p:attrName>style.visibility</p:attrName>
+                                        </p:attrNameLst>
+                                      </p:cBhvr>
+                                      <p:to>
+                                        <p:strVal val="hidden"/>
+                                      </p:to>
+                                    </p:set>
+                                  </p:childTnLst>
+                                </p:cTn>
+                              </p:par>
+                            </p:childTnLst>
+                          </p:cTn>
+                        </p:par>
+                      </p:childTnLst>
+                    </p:cTn>
+                  </p:par>
+                  <p:par>
+                    <p:cTn id="16" fill="hold">
+                      <p:stCondLst>
+                        <p:cond delay="indefinite"/>
+                      </p:stCondLst>
+                      <p:childTnLst>
+                        <p:par>
+                          <p:cTn id="17" fill="hold">
+                            <p:stCondLst>
+                              <p:cond delay="0"/>
+                            </p:stCondLst>
+                            <p:childTnLst>
+                              <p:par>
+                                <p:cTn id="18" presetID="56" presetClass="exit" presetSubtype="0" fill="hold" grpId="1" nodeType="clickEffect">
+                                  <p:stCondLst>
+                                    <p:cond delay="0"/>
+                                  </p:stCondLst>
+                                  <p:iterate type="lt">
+                                    <p:tmPct val="10000"/>
+                                  </p:iterate>
+                                  <p:childTnLst>
+                                    <p:anim from="(ppt_w)" to="(-ppt_w*2)" calcmode="lin" valueType="num">
+                                      <p:cBhvr rctx="PPT">
+                                        <p:cTn id="19" dur="500" autoRev="1">
+                                          <p:stCondLst>
+                                            <p:cond delay="0"/>
+                                          </p:stCondLst>
+                                        </p:cTn>
+                                        <p:tgtEl>
+                                          <p:spTgt spid="3">
+                                            <p:txEl>
+                                              <p:pRg st="0" end="0"/>
+                                            </p:txEl>
+                                          </p:spTgt>
+                                        </p:tgtEl>
+                                        <p:attrNameLst>
+                                          <p:attrName>ppt_w</p:attrName>
+                                        </p:attrNameLst>
+                                      </p:cBhvr>
+                                    </p:anim>
+                                    <p:anim by="(ppt_w*0.50)" calcmode="lin" valueType="num">
+                                      <p:cBhvr>
+                                        <p:cTn id="20" dur="500" decel="50000" autoRev="1">
+                                          <p:stCondLst>
+                                            <p:cond delay="0"/>
+                                          </p:stCondLst>
+                                        </p:cTn>
+                                        <p:tgtEl>
+                                          <p:spTgt spid="3">
+                                            <p:txEl>
+                                              <p:pRg st="0" end="0"/>
+                                            </p:txEl>
+                                          </p:spTgt>
+                                        </p:tgtEl>
+                                        <p:attrNameLst>
+                                          <p:attrName>ppt_x</p:attrName>
+                                        </p:attrNameLst>
+                                      </p:cBhvr>
+                                    </p:anim>
+                                    <p:anim from="(ppt_y)" to="(1+ppt_h/2)" calcmode="lin" valueType="num">
+                                      <p:cBhvr>
+                                        <p:cTn id="21" dur="1000">
+                                          <p:stCondLst>
+                                            <p:cond delay="0"/>
+                                          </p:stCondLst>
+                                        </p:cTn>
+                                        <p:tgtEl>
+                                          <p:spTgt spid="3">
+                                            <p:txEl>
+                                              <p:pRg st="0" end="0"/>
+                                            </p:txEl>
+                                          </p:spTgt>
+                                        </p:tgtEl>
+                                        <p:attrNameLst>
+                                          <p:attrName>ppt_y</p:attrName>
+                                        </p:attrNameLst>
+                                      </p:cBhvr>
+                                    </p:anim>
+                                    <p:animRot by="21600000">
+                                      <p:cBhvr>
+                                        <p:cTn id="22" dur="1000">
+                                          <p:stCondLst>
+                                            <p:cond delay="0"/>
+                                          </p:stCondLst>
+                                        </p:cTn>
+                                        <p:tgtEl>
+                                          <p:spTgt spid="3">
+                                            <p:txEl>
+                                              <p:pRg st="0" end="0"/>
+                                            </p:txEl>
+                                          </p:spTgt>
+                                        </p:tgtEl>
+                                        <p:attrNameLst>
+                                          <p:attrName>r</p:attrName>
+                                        </p:attrNameLst>
+                                      </p:cBhvr>
+                                    </p:animRot>
+                                    <p:set>
+                                      <p:cBhvr>
+                                        <p:cTn id="23" dur="1" fill="hold">
+                                          <p:stCondLst>
+                                            <p:cond delay="999"/>
+                                          </p:stCondLst>
+                                        </p:cTn>
+                                        <p:tgtEl>
+                                          <p:spTgt spid="3">
+                                            <p:txEl>
+                                              <p:pRg st="0" end="0"/>
+                                            </p:txEl>
+                                          </p:spTgt>
+                                        </p:tgtEl>
+                                        <p:attrNameLst>
+                                          <p:attrName>style.visibility</p:attrName>
+                                        </p:attrNameLst>
+                                      </p:cBhvr>
+                                      <p:to>
+                                        <p:strVal val="hidden"/>
+                                      </p:to>
+                                    </p:set>
+                                  </p:childTnLst>
+                                </p:cTn>
+                              </p:par>
+                            </p:childTnLst>
+                          </p:cTn>
+                        </p:par>
+                      </p:childTnLst>
+                    </p:cTn>
+                  </p:par>
+                </p:childTnLst>
+              </p:cTn>
+              <p:prevCondLst>
+                <p:cond evt="onPrev" delay="0">
+                  <p:tgtEl>
+                    <p:sldTgt/>
+                  </p:tgtEl>
+                </p:cond>
+              </p:prevCondLst>
+              <p:nextCondLst>
+                <p:cond evt="onNext" delay="0">
+                  <p:tgtEl>
+                    <p:sldTgt/>
+                  </p:tgtEl>
+                </p:cond>
+              </p:nextCondLst>
+            </p:seq>
+          </p:childTnLst>
+        </p:cTn>
+      </p:par>
+    </p:tnLst>
+    <p:bldLst>
+      <p:bldP spid="3" grpId="0" build="p"/>
+      <p:bldP spid="3" grpId="1" build="p"/>
+    </p:bldLst>
+  </p:timing>
+</p:sld>
+</file>
+
 <file path=ppt/slides/slide2.xml><?xml version="1.0" encoding="utf-8"?>
+<p:sld xmlns:a="http://schemas.openxmlformats.org/drawingml/2006/main" xmlns:r="http://schemas.openxmlformats.org/officeDocument/2006/relationships" xmlns:p="http://schemas.openxmlformats.org/presentationml/2006/main">
+  <p:cSld>
+    <p:spTree>
+      <p:nvGrpSpPr>
+        <p:cNvPr id="1" name=""/>
+        <p:cNvGrpSpPr/>
+        <p:nvPr/>
+      </p:nvGrpSpPr>
+      <p:grpSpPr>
+        <a:xfrm>
+          <a:off x="0" y="0"/>
+          <a:ext cx="0" cy="0"/>
+          <a:chOff x="0" y="0"/>
+          <a:chExt cx="0" cy="0"/>
+        </a:xfrm>
+      </p:grpSpPr>
+      <p:sp>
+        <p:nvSpPr>
+          <p:cNvPr id="2" name="タイトル 1"/>
+          <p:cNvSpPr>
+            <a:spLocks noGrp="1"/>
+          </p:cNvSpPr>
+          <p:nvPr>
+            <p:ph type="title"/>
+          </p:nvPr>
+        </p:nvSpPr>
+        <p:spPr/>
+        <p:txBody>
+          <a:bodyPr/>
+          <a:lstStyle/>
+          <a:p>
+            <a:r>
+              <a:rPr kumimoji="1" lang="ja-JP" altLang="en-US" dirty="0" smtClean="0">
+                <a:latin typeface="ヒラギノ角ゴ Std W8"/>
+                <a:ea typeface="ヒラギノ角ゴ Std W8"/>
+                <a:cs typeface="ヒラギノ角ゴ Std W8"/>
+              </a:rPr>
+              <a:t>はじめに</a:t>
+            </a:r>
+            <a:endParaRPr kumimoji="1" lang="ja-JP" altLang="en-US" dirty="0">
+              <a:latin typeface="ヒラギノ角ゴ Std W8"/>
+              <a:ea typeface="ヒラギノ角ゴ Std W8"/>
+              <a:cs typeface="ヒラギノ角ゴ Std W8"/>
+            </a:endParaRPr>
+          </a:p>
+        </p:txBody>
+      </p:sp>
+      <p:sp>
+        <p:nvSpPr>
+          <p:cNvPr id="3" name="コンテンツ プレースホルダー 2"/>
+          <p:cNvSpPr>
+            <a:spLocks noGrp="1"/>
+          </p:cNvSpPr>
+          <p:nvPr>
+            <p:ph idx="1"/>
+          </p:nvPr>
+        </p:nvSpPr>
+        <p:spPr/>
+        <p:txBody>
+          <a:bodyPr>
+            <a:normAutofit fontScale="85000" lnSpcReduction="10000"/>
+          </a:bodyPr>
+          <a:lstStyle/>
+          <a:p>
+            <a:pPr marL="0" indent="0">
+              <a:buNone/>
+            </a:pPr>
+            <a:r>
+              <a:rPr kumimoji="1" lang="ja-JP" altLang="en-US" dirty="0" smtClean="0">
+                <a:latin typeface="ヒラギノ角ゴ Std W8"/>
+                <a:ea typeface="ヒラギノ角ゴ Std W8"/>
+                <a:cs typeface="ヒラギノ角ゴ Std W8"/>
+              </a:rPr>
+              <a:t>・コンセプト</a:t>
+            </a:r>
+            <a:endParaRPr kumimoji="1" lang="en-US" altLang="ja-JP" dirty="0" smtClean="0">
+              <a:latin typeface="ヒラギノ角ゴ Std W8"/>
+              <a:ea typeface="ヒラギノ角ゴ Std W8"/>
+              <a:cs typeface="ヒラギノ角ゴ Std W8"/>
+            </a:endParaRPr>
+          </a:p>
+          <a:p>
+            <a:pPr marL="0" indent="0">
+              <a:buNone/>
+            </a:pPr>
+            <a:r>
+              <a:rPr kumimoji="1" lang="ja-JP" altLang="en-US" dirty="0" smtClean="0">
+                <a:latin typeface="ヒラギノ角ゴ Std W8"/>
+                <a:ea typeface="ヒラギノ角ゴ Std W8"/>
+                <a:cs typeface="ヒラギノ角ゴ Std W8"/>
+              </a:rPr>
+              <a:t>・制作背景</a:t>
+            </a:r>
+            <a:endParaRPr kumimoji="1" lang="en-US" altLang="ja-JP" dirty="0" smtClean="0">
+              <a:latin typeface="ヒラギノ角ゴ Std W8"/>
+              <a:ea typeface="ヒラギノ角ゴ Std W8"/>
+              <a:cs typeface="ヒラギノ角ゴ Std W8"/>
+            </a:endParaRPr>
+          </a:p>
+          <a:p>
+            <a:pPr marL="0" indent="0">
+              <a:buNone/>
+            </a:pPr>
+            <a:r>
+              <a:rPr kumimoji="1" lang="ja-JP" altLang="en-US" dirty="0" smtClean="0">
+                <a:latin typeface="ヒラギノ角ゴ Std W8"/>
+                <a:ea typeface="ヒラギノ角ゴ Std W8"/>
+                <a:cs typeface="ヒラギノ角ゴ Std W8"/>
+              </a:rPr>
+              <a:t>・ゲーム概要</a:t>
+            </a:r>
+            <a:endParaRPr kumimoji="1" lang="en-US" altLang="ja-JP" dirty="0" smtClean="0">
+              <a:latin typeface="ヒラギノ角ゴ Std W8"/>
+              <a:ea typeface="ヒラギノ角ゴ Std W8"/>
+              <a:cs typeface="ヒラギノ角ゴ Std W8"/>
+            </a:endParaRPr>
+          </a:p>
+          <a:p>
+            <a:pPr marL="0" indent="0">
+              <a:buNone/>
+            </a:pPr>
+            <a:r>
+              <a:rPr kumimoji="1" lang="ja-JP" altLang="en-US" dirty="0" smtClean="0">
+                <a:latin typeface="ヒラギノ角ゴ Std W8"/>
+                <a:ea typeface="ヒラギノ角ゴ Std W8"/>
+                <a:cs typeface="ヒラギノ角ゴ Std W8"/>
+              </a:rPr>
+              <a:t>・競合との比較</a:t>
+            </a:r>
+            <a:endParaRPr kumimoji="1" lang="en-US" altLang="ja-JP" dirty="0" smtClean="0">
+              <a:latin typeface="ヒラギノ角ゴ Std W8"/>
+              <a:ea typeface="ヒラギノ角ゴ Std W8"/>
+              <a:cs typeface="ヒラギノ角ゴ Std W8"/>
+            </a:endParaRPr>
+          </a:p>
+          <a:p>
+            <a:pPr marL="0" indent="0">
+              <a:buNone/>
+            </a:pPr>
+            <a:r>
+              <a:rPr kumimoji="1" lang="ja-JP" altLang="en-US" dirty="0" smtClean="0">
+                <a:latin typeface="ヒラギノ角ゴ Std W8"/>
+                <a:ea typeface="ヒラギノ角ゴ Std W8"/>
+                <a:cs typeface="ヒラギノ角ゴ Std W8"/>
+              </a:rPr>
+              <a:t>・今後の展望</a:t>
+            </a:r>
+            <a:endParaRPr kumimoji="1" lang="ja-JP" altLang="en-US" dirty="0">
+              <a:latin typeface="ヒラギノ角ゴ Std W8"/>
+              <a:ea typeface="ヒラギノ角ゴ Std W8"/>
+              <a:cs typeface="ヒラギノ角ゴ Std W8"/>
+            </a:endParaRPr>
+          </a:p>
+        </p:txBody>
+      </p:sp>
+    </p:spTree>
+    <p:extLst>
+      <p:ext uri="{BB962C8B-B14F-4D97-AF65-F5344CB8AC3E}">
+        <p14:creationId xmlns:p14="http://schemas.microsoft.com/office/powerpoint/2010/main" val="2248386252"/>
+      </p:ext>
+    </p:extLst>
+  </p:cSld>
+  <p:clrMapOvr>
+    <a:masterClrMapping/>
+  </p:clrMapOvr>
+</p:sld>
+</file>
+
+<file path=ppt/slides/slide3.xml><?xml version="1.0" encoding="utf-8"?>
 <p:sld xmlns:a="http://schemas.openxmlformats.org/drawingml/2006/main" xmlns:r="http://schemas.openxmlformats.org/officeDocument/2006/relationships" xmlns:p="http://schemas.openxmlformats.org/presentationml/2006/main">
   <p:cSld>
     <p:spTree>
@@ -4116,7 +5249,7 @@
 </p:sld>
 </file>
 
-<file path=ppt/slides/slide3.xml><?xml version="1.0" encoding="utf-8"?>
+<file path=ppt/slides/slide4.xml><?xml version="1.0" encoding="utf-8"?>
 <p:sld xmlns:a="http://schemas.openxmlformats.org/drawingml/2006/main" xmlns:r="http://schemas.openxmlformats.org/officeDocument/2006/relationships" xmlns:p="http://schemas.openxmlformats.org/presentationml/2006/main">
   <p:cSld>
     <p:spTree>
@@ -4647,7 +5780,7 @@
 </p:sld>
 </file>
 
-<file path=ppt/slides/slide4.xml><?xml version="1.0" encoding="utf-8"?>
+<file path=ppt/slides/slide5.xml><?xml version="1.0" encoding="utf-8"?>
 <p:sld xmlns:a="http://schemas.openxmlformats.org/drawingml/2006/main" xmlns:r="http://schemas.openxmlformats.org/officeDocument/2006/relationships" xmlns:p="http://schemas.openxmlformats.org/presentationml/2006/main">
   <p:cSld>
     <p:spTree>
@@ -4845,7 +5978,7 @@
 </p:sld>
 </file>
 
-<file path=ppt/slides/slide5.xml><?xml version="1.0" encoding="utf-8"?>
+<file path=ppt/slides/slide6.xml><?xml version="1.0" encoding="utf-8"?>
 <p:sld xmlns:a="http://schemas.openxmlformats.org/drawingml/2006/main" xmlns:r="http://schemas.openxmlformats.org/officeDocument/2006/relationships" xmlns:p="http://schemas.openxmlformats.org/presentationml/2006/main">
   <p:cSld>
     <p:spTree>
@@ -4957,7 +6090,7 @@
             <p:ph idx="1"/>
             <p:extLst>
               <p:ext uri="{D42A27DB-BD31-4B8C-83A1-F6EECF244321}">
-                <p14:modId xmlns:p14="http://schemas.microsoft.com/office/powerpoint/2010/main" val="4154454961"/>
+                <p14:modId xmlns:p14="http://schemas.microsoft.com/office/powerpoint/2010/main" val="1448790592"/>
               </p:ext>
             </p:extLst>
           </p:nvPr>
@@ -4972,6 +6105,114 @@
           </a:graphicData>
         </a:graphic>
       </p:graphicFrame>
+      <p:sp>
+        <p:nvSpPr>
+          <p:cNvPr id="10" name="テキスト ボックス 9"/>
+          <p:cNvSpPr txBox="1"/>
+          <p:nvPr/>
+        </p:nvSpPr>
+        <p:spPr>
+          <a:xfrm>
+            <a:off x="7954532" y="3369690"/>
+            <a:ext cx="1066307" cy="378689"/>
+          </a:xfrm>
+          <a:prstGeom prst="rect">
+            <a:avLst/>
+          </a:prstGeom>
+        </p:spPr>
+        <p:txBody>
+          <a:bodyPr wrap="none" rtlCol="0"/>
+          <a:lstStyle>
+            <a:lvl1pPr marL="0" indent="0">
+              <a:defRPr sz="1100">
+                <a:latin typeface="+mn-lt"/>
+                <a:ea typeface="+mn-ea"/>
+                <a:cs typeface="+mn-cs"/>
+              </a:defRPr>
+            </a:lvl1pPr>
+            <a:lvl2pPr marL="457200" indent="0">
+              <a:defRPr sz="1100">
+                <a:latin typeface="+mn-lt"/>
+                <a:ea typeface="+mn-ea"/>
+                <a:cs typeface="+mn-cs"/>
+              </a:defRPr>
+            </a:lvl2pPr>
+            <a:lvl3pPr marL="914400" indent="0">
+              <a:defRPr sz="1100">
+                <a:latin typeface="+mn-lt"/>
+                <a:ea typeface="+mn-ea"/>
+                <a:cs typeface="+mn-cs"/>
+              </a:defRPr>
+            </a:lvl3pPr>
+            <a:lvl4pPr marL="1371600" indent="0">
+              <a:defRPr sz="1100">
+                <a:latin typeface="+mn-lt"/>
+                <a:ea typeface="+mn-ea"/>
+                <a:cs typeface="+mn-cs"/>
+              </a:defRPr>
+            </a:lvl4pPr>
+            <a:lvl5pPr marL="1828800" indent="0">
+              <a:defRPr sz="1100">
+                <a:latin typeface="+mn-lt"/>
+                <a:ea typeface="+mn-ea"/>
+                <a:cs typeface="+mn-cs"/>
+              </a:defRPr>
+            </a:lvl5pPr>
+            <a:lvl6pPr marL="2286000" indent="0">
+              <a:defRPr sz="1100">
+                <a:latin typeface="+mn-lt"/>
+                <a:ea typeface="+mn-ea"/>
+                <a:cs typeface="+mn-cs"/>
+              </a:defRPr>
+            </a:lvl6pPr>
+            <a:lvl7pPr marL="2743200" indent="0">
+              <a:defRPr sz="1100">
+                <a:latin typeface="+mn-lt"/>
+                <a:ea typeface="+mn-ea"/>
+                <a:cs typeface="+mn-cs"/>
+              </a:defRPr>
+            </a:lvl7pPr>
+            <a:lvl8pPr marL="3200400" indent="0">
+              <a:defRPr sz="1100">
+                <a:latin typeface="+mn-lt"/>
+                <a:ea typeface="+mn-ea"/>
+                <a:cs typeface="+mn-cs"/>
+              </a:defRPr>
+            </a:lvl8pPr>
+            <a:lvl9pPr marL="3657600" indent="0">
+              <a:defRPr sz="1100">
+                <a:latin typeface="+mn-lt"/>
+                <a:ea typeface="+mn-ea"/>
+                <a:cs typeface="+mn-cs"/>
+              </a:defRPr>
+            </a:lvl9pPr>
+          </a:lstStyle>
+          <a:p>
+            <a:pPr algn="r"/>
+            <a:r>
+              <a:rPr lang="en-US" altLang="ja-JP" sz="1100" dirty="0" smtClean="0">
+                <a:solidFill>
+                  <a:schemeClr val="tx1"/>
+                </a:solidFill>
+              </a:rPr>
+              <a:t>※</a:t>
+            </a:r>
+            <a:r>
+              <a:rPr lang="ja-JP" altLang="en-US" sz="1100" dirty="0" smtClean="0">
+                <a:solidFill>
+                  <a:schemeClr val="tx1"/>
+                </a:solidFill>
+              </a:rPr>
+              <a:t>当社調べ</a:t>
+            </a:r>
+            <a:endParaRPr lang="ja-JP" altLang="en-US" sz="1100" dirty="0">
+              <a:solidFill>
+                <a:schemeClr val="tx1"/>
+              </a:solidFill>
+            </a:endParaRPr>
+          </a:p>
+        </p:txBody>
+      </p:sp>
     </p:spTree>
     <p:extLst>
       <p:ext uri="{BB962C8B-B14F-4D97-AF65-F5344CB8AC3E}">
@@ -5073,7 +6314,7 @@
 </p:sld>
 </file>
 
-<file path=ppt/slides/slide6.xml><?xml version="1.0" encoding="utf-8"?>
+<file path=ppt/slides/slide7.xml><?xml version="1.0" encoding="utf-8"?>
 <p:sld xmlns:a="http://schemas.openxmlformats.org/drawingml/2006/main" xmlns:r="http://schemas.openxmlformats.org/officeDocument/2006/relationships" xmlns:p="http://schemas.openxmlformats.org/presentationml/2006/main">
   <p:cSld>
     <p:spTree>
@@ -5136,7 +6377,12 @@
             <p:ph idx="1"/>
           </p:nvPr>
         </p:nvSpPr>
-        <p:spPr/>
+        <p:spPr>
+          <a:xfrm>
+            <a:off x="457200" y="1200151"/>
+            <a:ext cx="8229600" cy="1799996"/>
+          </a:xfrm>
+        </p:spPr>
         <p:txBody>
           <a:bodyPr/>
           <a:lstStyle/>
@@ -5148,6 +6394,36 @@
           </a:p>
         </p:txBody>
       </p:sp>
+      <p:pic>
+        <p:nvPicPr>
+          <p:cNvPr id="5" name="図 4" descr="2930142.jpg"/>
+          <p:cNvPicPr>
+            <a:picLocks noChangeAspect="1"/>
+          </p:cNvPicPr>
+          <p:nvPr/>
+        </p:nvPicPr>
+        <p:blipFill>
+          <a:blip r:embed="rId3" cstate="print">
+            <a:extLst>
+              <a:ext uri="{28A0092B-C50C-407E-A947-70E740481C1C}">
+                <a14:useLocalDpi xmlns:a14="http://schemas.microsoft.com/office/drawing/2010/main" val="0"/>
+              </a:ext>
+            </a:extLst>
+          </a:blip>
+          <a:stretch>
+            <a:fillRect/>
+          </a:stretch>
+        </p:blipFill>
+        <p:spPr>
+          <a:xfrm>
+            <a:off x="6064982" y="2908424"/>
+            <a:ext cx="2849118" cy="1895643"/>
+          </a:xfrm>
+          <a:prstGeom prst="rect">
+            <a:avLst/>
+          </a:prstGeom>
+        </p:spPr>
+      </p:pic>
     </p:spTree>
     <p:extLst>
       <p:ext uri="{BB962C8B-B14F-4D97-AF65-F5344CB8AC3E}">
@@ -5168,7 +6444,7 @@
 </p:sld>
 </file>
 
-<file path=ppt/slides/slide7.xml><?xml version="1.0" encoding="utf-8"?>
+<file path=ppt/slides/slide8.xml><?xml version="1.0" encoding="utf-8"?>
 <p:sld xmlns:a="http://schemas.openxmlformats.org/drawingml/2006/main" xmlns:r="http://schemas.openxmlformats.org/officeDocument/2006/relationships" xmlns:p="http://schemas.openxmlformats.org/presentationml/2006/main">
   <p:cSld>
     <p:spTree>
@@ -6536,7 +7812,7 @@
 </p:sld>
 </file>
 
-<file path=ppt/slides/slide8.xml><?xml version="1.0" encoding="utf-8"?>
+<file path=ppt/slides/slide9.xml><?xml version="1.0" encoding="utf-8"?>
 <p:sld xmlns:a="http://schemas.openxmlformats.org/drawingml/2006/main" xmlns:r="http://schemas.openxmlformats.org/officeDocument/2006/relationships" xmlns:p="http://schemas.openxmlformats.org/presentationml/2006/main">
   <p:cSld>
     <p:spTree>
@@ -6553,6 +7829,36 @@
           <a:chExt cx="0" cy="0"/>
         </a:xfrm>
       </p:grpSpPr>
+      <p:pic>
+        <p:nvPicPr>
+          <p:cNvPr id="4" name="図 3" descr="65643.jpg"/>
+          <p:cNvPicPr>
+            <a:picLocks noChangeAspect="1"/>
+          </p:cNvPicPr>
+          <p:nvPr/>
+        </p:nvPicPr>
+        <p:blipFill>
+          <a:blip r:embed="rId2" cstate="print">
+            <a:extLst>
+              <a:ext uri="{28A0092B-C50C-407E-A947-70E740481C1C}">
+                <a14:useLocalDpi xmlns:a14="http://schemas.microsoft.com/office/drawing/2010/main" val="0"/>
+              </a:ext>
+            </a:extLst>
+          </a:blip>
+          <a:stretch>
+            <a:fillRect/>
+          </a:stretch>
+        </p:blipFill>
+        <p:spPr>
+          <a:xfrm>
+            <a:off x="1" y="1521972"/>
+            <a:ext cx="2594585" cy="1934935"/>
+          </a:xfrm>
+          <a:prstGeom prst="rect">
+            <a:avLst/>
+          </a:prstGeom>
+        </p:spPr>
+      </p:pic>
       <p:sp>
         <p:nvSpPr>
           <p:cNvPr id="2" name="タイトル 1"/>
@@ -6563,9 +7869,16 @@
             <p:ph type="title"/>
           </p:nvPr>
         </p:nvSpPr>
-        <p:spPr/>
+        <p:spPr>
+          <a:xfrm>
+            <a:off x="1" y="342900"/>
+            <a:ext cx="3678399" cy="857250"/>
+          </a:xfrm>
+        </p:spPr>
         <p:txBody>
-          <a:bodyPr/>
+          <a:bodyPr>
+            <a:normAutofit/>
+          </a:bodyPr>
           <a:lstStyle/>
           <a:p>
             <a:r>
@@ -6594,16 +7907,23 @@
             <p:ph idx="1"/>
           </p:nvPr>
         </p:nvSpPr>
-        <p:spPr/>
+        <p:spPr>
+          <a:xfrm>
+            <a:off x="2594586" y="328487"/>
+            <a:ext cx="6549414" cy="4237433"/>
+          </a:xfrm>
+        </p:spPr>
         <p:txBody>
-          <a:bodyPr/>
+          <a:bodyPr>
+            <a:normAutofit/>
+          </a:bodyPr>
           <a:lstStyle/>
           <a:p>
             <a:pPr marL="0" indent="0">
               <a:buNone/>
             </a:pPr>
             <a:r>
-              <a:rPr kumimoji="1" lang="ja-JP" altLang="en-US" dirty="0" smtClean="0">
+              <a:rPr kumimoji="1" lang="ja-JP" altLang="en-US" sz="2800" dirty="0" smtClean="0">
                 <a:latin typeface="ヒラギノ角ゴ Std W8"/>
                 <a:ea typeface="ヒラギノ角ゴ Std W8"/>
                 <a:cs typeface="ヒラギノ角ゴ Std W8"/>
@@ -6611,7 +7931,7 @@
               <a:t>・ユーザー人口</a:t>
             </a:r>
             <a:r>
-              <a:rPr kumimoji="1" lang="en-US" altLang="ja-JP" dirty="0" smtClean="0">
+              <a:rPr kumimoji="1" lang="en-US" altLang="ja-JP" sz="2800" dirty="0" smtClean="0">
                 <a:latin typeface="ヒラギノ角ゴ Std W8"/>
                 <a:ea typeface="ヒラギノ角ゴ Std W8"/>
                 <a:cs typeface="ヒラギノ角ゴ Std W8"/>
@@ -6619,14 +7939,14 @@
               <a:t>100</a:t>
             </a:r>
             <a:r>
-              <a:rPr kumimoji="1" lang="ja-JP" altLang="en-US" dirty="0" smtClean="0">
+              <a:rPr kumimoji="1" lang="ja-JP" altLang="en-US" sz="2800" dirty="0" smtClean="0">
                 <a:latin typeface="ヒラギノ角ゴ Std W8"/>
                 <a:ea typeface="ヒラギノ角ゴ Std W8"/>
                 <a:cs typeface="ヒラギノ角ゴ Std W8"/>
               </a:rPr>
               <a:t>万人</a:t>
             </a:r>
-            <a:endParaRPr kumimoji="1" lang="en-US" altLang="ja-JP" dirty="0" smtClean="0">
+            <a:endParaRPr kumimoji="1" lang="en-US" altLang="ja-JP" sz="2800" dirty="0" smtClean="0">
               <a:latin typeface="ヒラギノ角ゴ Std W8"/>
               <a:ea typeface="ヒラギノ角ゴ Std W8"/>
               <a:cs typeface="ヒラギノ角ゴ Std W8"/>
@@ -6637,7 +7957,7 @@
               <a:buNone/>
             </a:pPr>
             <a:r>
-              <a:rPr kumimoji="1" lang="ja-JP" altLang="en-US" dirty="0" smtClean="0">
+              <a:rPr kumimoji="1" lang="ja-JP" altLang="en-US" sz="2800" dirty="0" smtClean="0">
                 <a:latin typeface="ヒラギノ角ゴ Std W8"/>
                 <a:ea typeface="ヒラギノ角ゴ Std W8"/>
                 <a:cs typeface="ヒラギノ角ゴ Std W8"/>
@@ -6645,7 +7965,7 @@
               <a:t>・</a:t>
             </a:r>
             <a:r>
-              <a:rPr kumimoji="1" lang="en-US" altLang="ja-JP" dirty="0" smtClean="0">
+              <a:rPr kumimoji="1" lang="en-US" altLang="ja-JP" sz="2800" dirty="0" smtClean="0">
                 <a:latin typeface="ヒラギノ角ゴ Std W8"/>
                 <a:ea typeface="ヒラギノ角ゴ Std W8"/>
                 <a:cs typeface="ヒラギノ角ゴ Std W8"/>
@@ -6653,14 +7973,14 @@
               <a:t>e</a:t>
             </a:r>
             <a:r>
-              <a:rPr kumimoji="1" lang="ja-JP" altLang="en-US" dirty="0" smtClean="0">
+              <a:rPr kumimoji="1" lang="ja-JP" altLang="en-US" sz="2800" dirty="0" smtClean="0">
                 <a:latin typeface="ヒラギノ角ゴ Std W8"/>
                 <a:ea typeface="ヒラギノ角ゴ Std W8"/>
                 <a:cs typeface="ヒラギノ角ゴ Std W8"/>
               </a:rPr>
               <a:t>スポーツ推奨ゲームを目指していく</a:t>
             </a:r>
-            <a:endParaRPr kumimoji="1" lang="ja-JP" altLang="en-US" dirty="0">
+            <a:endParaRPr kumimoji="1" lang="ja-JP" altLang="en-US" sz="2800" dirty="0">
               <a:latin typeface="ヒラギノ角ゴ Std W8"/>
               <a:ea typeface="ヒラギノ角ゴ Std W8"/>
               <a:cs typeface="ヒラギノ角ゴ Std W8"/>
@@ -7014,469 +8334,7 @@
     </p:tnLst>
     <p:bldLst>
       <p:bldP spid="2" grpId="0"/>
-      <p:bldP spid="3" grpId="0" build="p"/>
-    </p:bldLst>
-  </p:timing>
-</p:sld>
-</file>
-
-<file path=ppt/slides/slide9.xml><?xml version="1.0" encoding="utf-8"?>
-<p:sld xmlns:a="http://schemas.openxmlformats.org/drawingml/2006/main" xmlns:r="http://schemas.openxmlformats.org/officeDocument/2006/relationships" xmlns:p="http://schemas.openxmlformats.org/presentationml/2006/main">
-  <p:cSld>
-    <p:spTree>
-      <p:nvGrpSpPr>
-        <p:cNvPr id="1" name=""/>
-        <p:cNvGrpSpPr/>
-        <p:nvPr/>
-      </p:nvGrpSpPr>
-      <p:grpSpPr>
-        <a:xfrm>
-          <a:off x="0" y="0"/>
-          <a:ext cx="0" cy="0"/>
-          <a:chOff x="0" y="0"/>
-          <a:chExt cx="0" cy="0"/>
-        </a:xfrm>
-      </p:grpSpPr>
-      <p:sp>
-        <p:nvSpPr>
-          <p:cNvPr id="2" name="タイトル 1"/>
-          <p:cNvSpPr>
-            <a:spLocks noGrp="1"/>
-          </p:cNvSpPr>
-          <p:nvPr>
-            <p:ph type="title"/>
-          </p:nvPr>
-        </p:nvSpPr>
-        <p:spPr>
-          <a:xfrm flipH="1" flipV="1">
-            <a:off x="8686799" y="1200150"/>
-            <a:ext cx="279302" cy="376570"/>
-          </a:xfrm>
-        </p:spPr>
-        <p:txBody>
-          <a:bodyPr>
-            <a:normAutofit fontScale="90000"/>
-          </a:bodyPr>
-          <a:lstStyle/>
-          <a:p>
-            <a:r>
-              <a:rPr kumimoji="1" lang="en-US" altLang="ja-JP" dirty="0"/>
-              <a:t/>
-            </a:r>
-            <a:br>
-              <a:rPr kumimoji="1" lang="en-US" altLang="ja-JP" dirty="0"/>
-            </a:br>
-            <a:r>
-              <a:rPr kumimoji="1" lang="ja-JP" altLang="ja-JP" dirty="0"/>
-              <a:t>　</a:t>
-            </a:r>
-            <a:endParaRPr kumimoji="1" lang="ja-JP" altLang="en-US" dirty="0"/>
-          </a:p>
-        </p:txBody>
-      </p:sp>
-      <p:sp>
-        <p:nvSpPr>
-          <p:cNvPr id="3" name="コンテンツ プレースホルダー 2"/>
-          <p:cNvSpPr>
-            <a:spLocks noGrp="1"/>
-          </p:cNvSpPr>
-          <p:nvPr>
-            <p:ph idx="1"/>
-          </p:nvPr>
-        </p:nvSpPr>
-        <p:spPr>
-          <a:xfrm>
-            <a:off x="424356" y="1035916"/>
-            <a:ext cx="8229600" cy="3394472"/>
-          </a:xfrm>
-        </p:spPr>
-        <p:txBody>
-          <a:bodyPr>
-            <a:normAutofit/>
-          </a:bodyPr>
-          <a:lstStyle/>
-          <a:p>
-            <a:pPr marL="0" indent="0" algn="ctr">
-              <a:buNone/>
-            </a:pPr>
-            <a:r>
-              <a:rPr kumimoji="1" lang="ja-JP" altLang="en-US" sz="4500" dirty="0" smtClean="0">
-                <a:latin typeface="ヒラギノ角ゴ Std W8"/>
-                <a:ea typeface="ヒラギノ角ゴ Std W8"/>
-                <a:cs typeface="ヒラギノ角ゴ Std W8"/>
-              </a:rPr>
-              <a:t>ご静聴ありがとうございました。</a:t>
-            </a:r>
-            <a:endParaRPr kumimoji="1" lang="ja-JP" altLang="en-US" sz="4500" dirty="0">
-              <a:latin typeface="ヒラギノ角ゴ Std W8"/>
-              <a:ea typeface="ヒラギノ角ゴ Std W8"/>
-              <a:cs typeface="ヒラギノ角ゴ Std W8"/>
-            </a:endParaRPr>
-          </a:p>
-        </p:txBody>
-      </p:sp>
-    </p:spTree>
-    <p:extLst>
-      <p:ext uri="{BB962C8B-B14F-4D97-AF65-F5344CB8AC3E}">
-        <p14:creationId xmlns:p14="http://schemas.microsoft.com/office/powerpoint/2010/main" val="3082166736"/>
-      </p:ext>
-    </p:extLst>
-  </p:cSld>
-  <p:clrMapOvr>
-    <a:masterClrMapping/>
-  </p:clrMapOvr>
-  <p:timing>
-    <p:tnLst>
-      <p:par>
-        <p:cTn xmlns:p14="http://schemas.microsoft.com/office/powerpoint/2010/main" id="1" dur="indefinite" restart="never" nodeType="tmRoot">
-          <p:childTnLst>
-            <p:seq concurrent="1" nextAc="seek">
-              <p:cTn id="2" dur="indefinite" nodeType="mainSeq">
-                <p:childTnLst>
-                  <p:par>
-                    <p:cTn id="3" fill="hold">
-                      <p:stCondLst>
-                        <p:cond delay="indefinite"/>
-                      </p:stCondLst>
-                      <p:childTnLst>
-                        <p:par>
-                          <p:cTn id="4" fill="hold">
-                            <p:stCondLst>
-                              <p:cond delay="0"/>
-                            </p:stCondLst>
-                            <p:childTnLst>
-                              <p:par>
-                                <p:cTn id="5" presetID="6" presetClass="entr" presetSubtype="16" fill="hold" grpId="0" nodeType="clickEffect">
-                                  <p:stCondLst>
-                                    <p:cond delay="0"/>
-                                  </p:stCondLst>
-                                  <p:iterate type="lt">
-                                    <p:tmPct val="0"/>
-                                  </p:iterate>
-                                  <p:childTnLst>
-                                    <p:set>
-                                      <p:cBhvr>
-                                        <p:cTn id="6" dur="1" fill="hold">
-                                          <p:stCondLst>
-                                            <p:cond delay="0"/>
-                                          </p:stCondLst>
-                                        </p:cTn>
-                                        <p:tgtEl>
-                                          <p:spTgt spid="3">
-                                            <p:txEl>
-                                              <p:pRg st="0" end="0"/>
-                                            </p:txEl>
-                                          </p:spTgt>
-                                        </p:tgtEl>
-                                        <p:attrNameLst>
-                                          <p:attrName>style.visibility</p:attrName>
-                                        </p:attrNameLst>
-                                      </p:cBhvr>
-                                      <p:to>
-                                        <p:strVal val="visible"/>
-                                      </p:to>
-                                    </p:set>
-                                    <p:animEffect transition="in" filter="circle(in)">
-                                      <p:cBhvr>
-                                        <p:cTn id="7" dur="2000"/>
-                                        <p:tgtEl>
-                                          <p:spTgt spid="3">
-                                            <p:txEl>
-                                              <p:pRg st="0" end="0"/>
-                                            </p:txEl>
-                                          </p:spTgt>
-                                        </p:tgtEl>
-                                      </p:cBhvr>
-                                    </p:animEffect>
-                                  </p:childTnLst>
-                                </p:cTn>
-                              </p:par>
-                            </p:childTnLst>
-                          </p:cTn>
-                        </p:par>
-                      </p:childTnLst>
-                    </p:cTn>
-                  </p:par>
-                  <p:par>
-                    <p:cTn id="8" fill="hold">
-                      <p:stCondLst>
-                        <p:cond delay="indefinite"/>
-                      </p:stCondLst>
-                      <p:childTnLst>
-                        <p:par>
-                          <p:cTn id="9" fill="hold">
-                            <p:stCondLst>
-                              <p:cond delay="0"/>
-                            </p:stCondLst>
-                            <p:childTnLst>
-                              <p:par>
-                                <p:cTn id="10" presetID="56" presetClass="exit" presetSubtype="0" fill="hold" nodeType="clickEffect">
-                                  <p:stCondLst>
-                                    <p:cond delay="0"/>
-                                  </p:stCondLst>
-                                  <p:iterate type="lt">
-                                    <p:tmPct val="10000"/>
-                                  </p:iterate>
-                                  <p:childTnLst>
-                                    <p:anim from="(ppt_w)" to="(-ppt_w*2)" calcmode="lin" valueType="num">
-                                      <p:cBhvr rctx="PPT">
-                                        <p:cTn id="11" dur="500" autoRev="1">
-                                          <p:stCondLst>
-                                            <p:cond delay="0"/>
-                                          </p:stCondLst>
-                                        </p:cTn>
-                                        <p:tgtEl>
-                                          <p:spTgt spid="3">
-                                            <p:txEl>
-                                              <p:pRg st="0" end="0"/>
-                                            </p:txEl>
-                                          </p:spTgt>
-                                        </p:tgtEl>
-                                        <p:attrNameLst>
-                                          <p:attrName>ppt_w</p:attrName>
-                                        </p:attrNameLst>
-                                      </p:cBhvr>
-                                    </p:anim>
-                                    <p:anim by="(ppt_w*0.50)" calcmode="lin" valueType="num">
-                                      <p:cBhvr>
-                                        <p:cTn id="12" dur="500" decel="50000" autoRev="1">
-                                          <p:stCondLst>
-                                            <p:cond delay="0"/>
-                                          </p:stCondLst>
-                                        </p:cTn>
-                                        <p:tgtEl>
-                                          <p:spTgt spid="3">
-                                            <p:txEl>
-                                              <p:pRg st="0" end="0"/>
-                                            </p:txEl>
-                                          </p:spTgt>
-                                        </p:tgtEl>
-                                        <p:attrNameLst>
-                                          <p:attrName>ppt_x</p:attrName>
-                                        </p:attrNameLst>
-                                      </p:cBhvr>
-                                    </p:anim>
-                                    <p:anim from="(ppt_y)" to="(1+ppt_h/2)" calcmode="lin" valueType="num">
-                                      <p:cBhvr>
-                                        <p:cTn id="13" dur="1000">
-                                          <p:stCondLst>
-                                            <p:cond delay="0"/>
-                                          </p:stCondLst>
-                                        </p:cTn>
-                                        <p:tgtEl>
-                                          <p:spTgt spid="3">
-                                            <p:txEl>
-                                              <p:pRg st="0" end="0"/>
-                                            </p:txEl>
-                                          </p:spTgt>
-                                        </p:tgtEl>
-                                        <p:attrNameLst>
-                                          <p:attrName>ppt_y</p:attrName>
-                                        </p:attrNameLst>
-                                      </p:cBhvr>
-                                    </p:anim>
-                                    <p:animRot by="21600000">
-                                      <p:cBhvr>
-                                        <p:cTn id="14" dur="1000">
-                                          <p:stCondLst>
-                                            <p:cond delay="0"/>
-                                          </p:stCondLst>
-                                        </p:cTn>
-                                        <p:tgtEl>
-                                          <p:spTgt spid="3">
-                                            <p:txEl>
-                                              <p:pRg st="0" end="0"/>
-                                            </p:txEl>
-                                          </p:spTgt>
-                                        </p:tgtEl>
-                                        <p:attrNameLst>
-                                          <p:attrName>r</p:attrName>
-                                        </p:attrNameLst>
-                                      </p:cBhvr>
-                                    </p:animRot>
-                                    <p:set>
-                                      <p:cBhvr>
-                                        <p:cTn id="15" dur="1" fill="hold">
-                                          <p:stCondLst>
-                                            <p:cond delay="999"/>
-                                          </p:stCondLst>
-                                        </p:cTn>
-                                        <p:tgtEl>
-                                          <p:spTgt spid="3">
-                                            <p:txEl>
-                                              <p:pRg st="0" end="0"/>
-                                            </p:txEl>
-                                          </p:spTgt>
-                                        </p:tgtEl>
-                                        <p:attrNameLst>
-                                          <p:attrName>style.visibility</p:attrName>
-                                        </p:attrNameLst>
-                                      </p:cBhvr>
-                                      <p:to>
-                                        <p:strVal val="hidden"/>
-                                      </p:to>
-                                    </p:set>
-                                  </p:childTnLst>
-                                </p:cTn>
-                              </p:par>
-                            </p:childTnLst>
-                          </p:cTn>
-                        </p:par>
-                      </p:childTnLst>
-                    </p:cTn>
-                  </p:par>
-                  <p:par>
-                    <p:cTn id="16" fill="hold">
-                      <p:stCondLst>
-                        <p:cond delay="indefinite"/>
-                      </p:stCondLst>
-                      <p:childTnLst>
-                        <p:par>
-                          <p:cTn id="17" fill="hold">
-                            <p:stCondLst>
-                              <p:cond delay="0"/>
-                            </p:stCondLst>
-                            <p:childTnLst>
-                              <p:par>
-                                <p:cTn id="18" presetID="56" presetClass="exit" presetSubtype="0" fill="hold" grpId="1" nodeType="clickEffect">
-                                  <p:stCondLst>
-                                    <p:cond delay="0"/>
-                                  </p:stCondLst>
-                                  <p:iterate type="lt">
-                                    <p:tmPct val="10000"/>
-                                  </p:iterate>
-                                  <p:childTnLst>
-                                    <p:anim from="(ppt_w)" to="(-ppt_w*2)" calcmode="lin" valueType="num">
-                                      <p:cBhvr rctx="PPT">
-                                        <p:cTn id="19" dur="500" autoRev="1">
-                                          <p:stCondLst>
-                                            <p:cond delay="0"/>
-                                          </p:stCondLst>
-                                        </p:cTn>
-                                        <p:tgtEl>
-                                          <p:spTgt spid="3">
-                                            <p:txEl>
-                                              <p:pRg st="0" end="0"/>
-                                            </p:txEl>
-                                          </p:spTgt>
-                                        </p:tgtEl>
-                                        <p:attrNameLst>
-                                          <p:attrName>ppt_w</p:attrName>
-                                        </p:attrNameLst>
-                                      </p:cBhvr>
-                                    </p:anim>
-                                    <p:anim by="(ppt_w*0.50)" calcmode="lin" valueType="num">
-                                      <p:cBhvr>
-                                        <p:cTn id="20" dur="500" decel="50000" autoRev="1">
-                                          <p:stCondLst>
-                                            <p:cond delay="0"/>
-                                          </p:stCondLst>
-                                        </p:cTn>
-                                        <p:tgtEl>
-                                          <p:spTgt spid="3">
-                                            <p:txEl>
-                                              <p:pRg st="0" end="0"/>
-                                            </p:txEl>
-                                          </p:spTgt>
-                                        </p:tgtEl>
-                                        <p:attrNameLst>
-                                          <p:attrName>ppt_x</p:attrName>
-                                        </p:attrNameLst>
-                                      </p:cBhvr>
-                                    </p:anim>
-                                    <p:anim from="(ppt_y)" to="(1+ppt_h/2)" calcmode="lin" valueType="num">
-                                      <p:cBhvr>
-                                        <p:cTn id="21" dur="1000">
-                                          <p:stCondLst>
-                                            <p:cond delay="0"/>
-                                          </p:stCondLst>
-                                        </p:cTn>
-                                        <p:tgtEl>
-                                          <p:spTgt spid="3">
-                                            <p:txEl>
-                                              <p:pRg st="0" end="0"/>
-                                            </p:txEl>
-                                          </p:spTgt>
-                                        </p:tgtEl>
-                                        <p:attrNameLst>
-                                          <p:attrName>ppt_y</p:attrName>
-                                        </p:attrNameLst>
-                                      </p:cBhvr>
-                                    </p:anim>
-                                    <p:animRot by="21600000">
-                                      <p:cBhvr>
-                                        <p:cTn id="22" dur="1000">
-                                          <p:stCondLst>
-                                            <p:cond delay="0"/>
-                                          </p:stCondLst>
-                                        </p:cTn>
-                                        <p:tgtEl>
-                                          <p:spTgt spid="3">
-                                            <p:txEl>
-                                              <p:pRg st="0" end="0"/>
-                                            </p:txEl>
-                                          </p:spTgt>
-                                        </p:tgtEl>
-                                        <p:attrNameLst>
-                                          <p:attrName>r</p:attrName>
-                                        </p:attrNameLst>
-                                      </p:cBhvr>
-                                    </p:animRot>
-                                    <p:set>
-                                      <p:cBhvr>
-                                        <p:cTn id="23" dur="1" fill="hold">
-                                          <p:stCondLst>
-                                            <p:cond delay="999"/>
-                                          </p:stCondLst>
-                                        </p:cTn>
-                                        <p:tgtEl>
-                                          <p:spTgt spid="3">
-                                            <p:txEl>
-                                              <p:pRg st="0" end="0"/>
-                                            </p:txEl>
-                                          </p:spTgt>
-                                        </p:tgtEl>
-                                        <p:attrNameLst>
-                                          <p:attrName>style.visibility</p:attrName>
-                                        </p:attrNameLst>
-                                      </p:cBhvr>
-                                      <p:to>
-                                        <p:strVal val="hidden"/>
-                                      </p:to>
-                                    </p:set>
-                                  </p:childTnLst>
-                                </p:cTn>
-                              </p:par>
-                            </p:childTnLst>
-                          </p:cTn>
-                        </p:par>
-                      </p:childTnLst>
-                    </p:cTn>
-                  </p:par>
-                </p:childTnLst>
-              </p:cTn>
-              <p:prevCondLst>
-                <p:cond evt="onPrev" delay="0">
-                  <p:tgtEl>
-                    <p:sldTgt/>
-                  </p:tgtEl>
-                </p:cond>
-              </p:prevCondLst>
-              <p:nextCondLst>
-                <p:cond evt="onNext" delay="0">
-                  <p:tgtEl>
-                    <p:sldTgt/>
-                  </p:tgtEl>
-                </p:cond>
-              </p:nextCondLst>
-            </p:seq>
-          </p:childTnLst>
-        </p:cTn>
-      </p:par>
-    </p:tnLst>
-    <p:bldLst>
-      <p:bldP spid="3" grpId="0" build="p"/>
-      <p:bldP spid="3" grpId="1" build="p"/>
+      <p:bldP spid="3" grpId="0" uiExpand="1" build="p"/>
     </p:bldLst>
   </p:timing>
 </p:sld>
@@ -7775,4 +8633,324 @@
   <a:objectDefaults/>
   <a:extraClrSchemeLst/>
 </a:theme>
+</file>
+
+<file path=ppt/theme/theme2.xml><?xml version="1.0" encoding="utf-8"?>
+<a:theme xmlns:a="http://schemas.openxmlformats.org/drawingml/2006/main" name="ホワイト">
+  <a:themeElements>
+    <a:clrScheme name="Office">
+      <a:dk1>
+        <a:sysClr val="windowText" lastClr="000000"/>
+      </a:dk1>
+      <a:lt1>
+        <a:sysClr val="window" lastClr="FFFFFF"/>
+      </a:lt1>
+      <a:dk2>
+        <a:srgbClr val="1F497D"/>
+      </a:dk2>
+      <a:lt2>
+        <a:srgbClr val="EEECE1"/>
+      </a:lt2>
+      <a:accent1>
+        <a:srgbClr val="4F81BD"/>
+      </a:accent1>
+      <a:accent2>
+        <a:srgbClr val="C0504D"/>
+      </a:accent2>
+      <a:accent3>
+        <a:srgbClr val="9BBB59"/>
+      </a:accent3>
+      <a:accent4>
+        <a:srgbClr val="8064A2"/>
+      </a:accent4>
+      <a:accent5>
+        <a:srgbClr val="4BACC6"/>
+      </a:accent5>
+      <a:accent6>
+        <a:srgbClr val="F79646"/>
+      </a:accent6>
+      <a:hlink>
+        <a:srgbClr val="0000FF"/>
+      </a:hlink>
+      <a:folHlink>
+        <a:srgbClr val="800080"/>
+      </a:folHlink>
+    </a:clrScheme>
+    <a:fontScheme name="Office">
+      <a:majorFont>
+        <a:latin typeface="Calibri"/>
+        <a:ea typeface=""/>
+        <a:cs typeface=""/>
+        <a:font script="Jpan" typeface="ＭＳ Ｐゴシック"/>
+        <a:font script="Hang" typeface="맑은 고딕"/>
+        <a:font script="Hans" typeface="宋体"/>
+        <a:font script="Hant" typeface="新細明體"/>
+        <a:font script="Arab" typeface="Times New Roman"/>
+        <a:font script="Hebr" typeface="Times New Roman"/>
+        <a:font script="Thai" typeface="Angsana New"/>
+        <a:font script="Ethi" typeface="Nyala"/>
+        <a:font script="Beng" typeface="Vrinda"/>
+        <a:font script="Gujr" typeface="Shruti"/>
+        <a:font script="Khmr" typeface="MoolBoran"/>
+        <a:font script="Knda" typeface="Tunga"/>
+        <a:font script="Guru" typeface="Raavi"/>
+        <a:font script="Cans" typeface="Euphemia"/>
+        <a:font script="Cher" typeface="Plantagenet Cherokee"/>
+        <a:font script="Yiii" typeface="Microsoft Yi Baiti"/>
+        <a:font script="Tibt" typeface="Microsoft Himalaya"/>
+        <a:font script="Thaa" typeface="MV Boli"/>
+        <a:font script="Deva" typeface="Mangal"/>
+        <a:font script="Telu" typeface="Gautami"/>
+        <a:font script="Taml" typeface="Latha"/>
+        <a:font script="Syrc" typeface="Estrangelo Edessa"/>
+        <a:font script="Orya" typeface="Kalinga"/>
+        <a:font script="Mlym" typeface="Kartika"/>
+        <a:font script="Laoo" typeface="DokChampa"/>
+        <a:font script="Sinh" typeface="Iskoola Pota"/>
+        <a:font script="Mong" typeface="Mongolian Baiti"/>
+        <a:font script="Viet" typeface="Times New Roman"/>
+        <a:font script="Uigh" typeface="Microsoft Uighur"/>
+        <a:font script="Geor" typeface="Sylfaen"/>
+      </a:majorFont>
+      <a:minorFont>
+        <a:latin typeface="Calibri"/>
+        <a:ea typeface=""/>
+        <a:cs typeface=""/>
+        <a:font script="Jpan" typeface="ＭＳ Ｐゴシック"/>
+        <a:font script="Hang" typeface="맑은 고딕"/>
+        <a:font script="Hans" typeface="宋体"/>
+        <a:font script="Hant" typeface="新細明體"/>
+        <a:font script="Arab" typeface="Arial"/>
+        <a:font script="Hebr" typeface="Arial"/>
+        <a:font script="Thai" typeface="Cordia New"/>
+        <a:font script="Ethi" typeface="Nyala"/>
+        <a:font script="Beng" typeface="Vrinda"/>
+        <a:font script="Gujr" typeface="Shruti"/>
+        <a:font script="Khmr" typeface="DaunPenh"/>
+        <a:font script="Knda" typeface="Tunga"/>
+        <a:font script="Guru" typeface="Raavi"/>
+        <a:font script="Cans" typeface="Euphemia"/>
+        <a:font script="Cher" typeface="Plantagenet Cherokee"/>
+        <a:font script="Yiii" typeface="Microsoft Yi Baiti"/>
+        <a:font script="Tibt" typeface="Microsoft Himalaya"/>
+        <a:font script="Thaa" typeface="MV Boli"/>
+        <a:font script="Deva" typeface="Mangal"/>
+        <a:font script="Telu" typeface="Gautami"/>
+        <a:font script="Taml" typeface="Latha"/>
+        <a:font script="Syrc" typeface="Estrangelo Edessa"/>
+        <a:font script="Orya" typeface="Kalinga"/>
+        <a:font script="Mlym" typeface="Kartika"/>
+        <a:font script="Laoo" typeface="DokChampa"/>
+        <a:font script="Sinh" typeface="Iskoola Pota"/>
+        <a:font script="Mong" typeface="Mongolian Baiti"/>
+        <a:font script="Viet" typeface="Arial"/>
+        <a:font script="Uigh" typeface="Microsoft Uighur"/>
+        <a:font script="Geor" typeface="Sylfaen"/>
+      </a:minorFont>
+    </a:fontScheme>
+    <a:fmtScheme name="Office">
+      <a:fillStyleLst>
+        <a:solidFill>
+          <a:schemeClr val="phClr"/>
+        </a:solidFill>
+        <a:gradFill rotWithShape="1">
+          <a:gsLst>
+            <a:gs pos="0">
+              <a:schemeClr val="phClr">
+                <a:tint val="50000"/>
+                <a:satMod val="300000"/>
+              </a:schemeClr>
+            </a:gs>
+            <a:gs pos="35000">
+              <a:schemeClr val="phClr">
+                <a:tint val="37000"/>
+                <a:satMod val="300000"/>
+              </a:schemeClr>
+            </a:gs>
+            <a:gs pos="100000">
+              <a:schemeClr val="phClr">
+                <a:tint val="15000"/>
+                <a:satMod val="350000"/>
+              </a:schemeClr>
+            </a:gs>
+          </a:gsLst>
+          <a:lin ang="16200000" scaled="1"/>
+        </a:gradFill>
+        <a:gradFill rotWithShape="1">
+          <a:gsLst>
+            <a:gs pos="0">
+              <a:schemeClr val="phClr">
+                <a:tint val="100000"/>
+                <a:shade val="100000"/>
+                <a:satMod val="130000"/>
+              </a:schemeClr>
+            </a:gs>
+            <a:gs pos="100000">
+              <a:schemeClr val="phClr">
+                <a:tint val="50000"/>
+                <a:shade val="100000"/>
+                <a:satMod val="350000"/>
+              </a:schemeClr>
+            </a:gs>
+          </a:gsLst>
+          <a:lin ang="16200000" scaled="0"/>
+        </a:gradFill>
+      </a:fillStyleLst>
+      <a:lnStyleLst>
+        <a:ln w="9525" cap="flat" cmpd="sng" algn="ctr">
+          <a:solidFill>
+            <a:schemeClr val="phClr">
+              <a:shade val="95000"/>
+              <a:satMod val="105000"/>
+            </a:schemeClr>
+          </a:solidFill>
+          <a:prstDash val="solid"/>
+        </a:ln>
+        <a:ln w="25400" cap="flat" cmpd="sng" algn="ctr">
+          <a:solidFill>
+            <a:schemeClr val="phClr"/>
+          </a:solidFill>
+          <a:prstDash val="solid"/>
+        </a:ln>
+        <a:ln w="38100" cap="flat" cmpd="sng" algn="ctr">
+          <a:solidFill>
+            <a:schemeClr val="phClr"/>
+          </a:solidFill>
+          <a:prstDash val="solid"/>
+        </a:ln>
+      </a:lnStyleLst>
+      <a:effectStyleLst>
+        <a:effectStyle>
+          <a:effectLst>
+            <a:outerShdw blurRad="40000" dist="20000" dir="5400000" rotWithShape="0">
+              <a:srgbClr val="000000">
+                <a:alpha val="38000"/>
+              </a:srgbClr>
+            </a:outerShdw>
+          </a:effectLst>
+        </a:effectStyle>
+        <a:effectStyle>
+          <a:effectLst>
+            <a:outerShdw blurRad="40000" dist="23000" dir="5400000" rotWithShape="0">
+              <a:srgbClr val="000000">
+                <a:alpha val="35000"/>
+              </a:srgbClr>
+            </a:outerShdw>
+          </a:effectLst>
+        </a:effectStyle>
+        <a:effectStyle>
+          <a:effectLst>
+            <a:outerShdw blurRad="40000" dist="23000" dir="5400000" rotWithShape="0">
+              <a:srgbClr val="000000">
+                <a:alpha val="35000"/>
+              </a:srgbClr>
+            </a:outerShdw>
+          </a:effectLst>
+          <a:scene3d>
+            <a:camera prst="orthographicFront">
+              <a:rot lat="0" lon="0" rev="0"/>
+            </a:camera>
+            <a:lightRig rig="threePt" dir="t">
+              <a:rot lat="0" lon="0" rev="1200000"/>
+            </a:lightRig>
+          </a:scene3d>
+          <a:sp3d>
+            <a:bevelT w="63500" h="25400"/>
+          </a:sp3d>
+        </a:effectStyle>
+      </a:effectStyleLst>
+      <a:bgFillStyleLst>
+        <a:solidFill>
+          <a:schemeClr val="phClr"/>
+        </a:solidFill>
+        <a:gradFill rotWithShape="1">
+          <a:gsLst>
+            <a:gs pos="0">
+              <a:schemeClr val="phClr">
+                <a:tint val="40000"/>
+                <a:satMod val="350000"/>
+              </a:schemeClr>
+            </a:gs>
+            <a:gs pos="40000">
+              <a:schemeClr val="phClr">
+                <a:tint val="45000"/>
+                <a:shade val="99000"/>
+                <a:satMod val="350000"/>
+              </a:schemeClr>
+            </a:gs>
+            <a:gs pos="100000">
+              <a:schemeClr val="phClr">
+                <a:shade val="20000"/>
+                <a:satMod val="255000"/>
+              </a:schemeClr>
+            </a:gs>
+          </a:gsLst>
+          <a:path path="circle">
+            <a:fillToRect l="50000" t="-80000" r="50000" b="180000"/>
+          </a:path>
+        </a:gradFill>
+        <a:gradFill rotWithShape="1">
+          <a:gsLst>
+            <a:gs pos="0">
+              <a:schemeClr val="phClr">
+                <a:tint val="80000"/>
+                <a:satMod val="300000"/>
+              </a:schemeClr>
+            </a:gs>
+            <a:gs pos="100000">
+              <a:schemeClr val="phClr">
+                <a:shade val="30000"/>
+                <a:satMod val="200000"/>
+              </a:schemeClr>
+            </a:gs>
+          </a:gsLst>
+          <a:path path="circle">
+            <a:fillToRect l="50000" t="50000" r="50000" b="50000"/>
+          </a:path>
+        </a:gradFill>
+      </a:bgFillStyleLst>
+    </a:fmtScheme>
+  </a:themeElements>
+  <a:objectDefaults>
+    <a:spDef>
+      <a:spPr/>
+      <a:bodyPr/>
+      <a:lstStyle/>
+      <a:style>
+        <a:lnRef idx="1">
+          <a:schemeClr val="accent1"/>
+        </a:lnRef>
+        <a:fillRef idx="3">
+          <a:schemeClr val="accent1"/>
+        </a:fillRef>
+        <a:effectRef idx="2">
+          <a:schemeClr val="accent1"/>
+        </a:effectRef>
+        <a:fontRef idx="minor">
+          <a:schemeClr val="lt1"/>
+        </a:fontRef>
+      </a:style>
+    </a:spDef>
+    <a:lnDef>
+      <a:spPr/>
+      <a:bodyPr/>
+      <a:lstStyle/>
+      <a:style>
+        <a:lnRef idx="2">
+          <a:schemeClr val="accent1"/>
+        </a:lnRef>
+        <a:fillRef idx="0">
+          <a:schemeClr val="accent1"/>
+        </a:fillRef>
+        <a:effectRef idx="1">
+          <a:schemeClr val="accent1"/>
+        </a:effectRef>
+        <a:fontRef idx="minor">
+          <a:schemeClr val="tx1"/>
+        </a:fontRef>
+      </a:style>
+    </a:lnDef>
+  </a:objectDefaults>
+  <a:extraClrSchemeLst/>
+</a:theme>
 </file>
--- a/発表資料/プレゼンテーション資料.pptx
+++ b/発表資料/プレゼンテーション資料.pptx
@@ -6343,8 +6343,8 @@
         </p:nvSpPr>
         <p:spPr>
           <a:xfrm>
-            <a:off x="457200" y="342900"/>
-            <a:ext cx="8229600" cy="2284966"/>
+            <a:off x="457201" y="342900"/>
+            <a:ext cx="3582472" cy="2284966"/>
           </a:xfrm>
         </p:spPr>
         <p:txBody>
@@ -6380,16 +6380,22 @@
         <p:spPr>
           <a:xfrm>
             <a:off x="457200" y="1200151"/>
-            <a:ext cx="8229600" cy="1799996"/>
+            <a:ext cx="8229600" cy="45719"/>
           </a:xfrm>
         </p:spPr>
         <p:txBody>
-          <a:bodyPr/>
+          <a:bodyPr>
+            <a:normAutofit fontScale="25000" lnSpcReduction="20000"/>
+          </a:bodyPr>
           <a:lstStyle/>
           <a:p>
             <a:pPr marL="0" indent="0">
               <a:buNone/>
             </a:pPr>
+            <a:r>
+              <a:rPr kumimoji="1" lang="ja-JP" altLang="en-US" dirty="0" smtClean="0"/>
+              <a:t>　</a:t>
+            </a:r>
             <a:endParaRPr kumimoji="1" lang="ja-JP" altLang="en-US" dirty="0"/>
           </a:p>
         </p:txBody>
@@ -6424,6 +6430,36 @@
           </a:prstGeom>
         </p:spPr>
       </p:pic>
+      <p:pic>
+        <p:nvPicPr>
+          <p:cNvPr id="7" name="図 6" descr="プレイ画面イメージ-01.png"/>
+          <p:cNvPicPr>
+            <a:picLocks noChangeAspect="1"/>
+          </p:cNvPicPr>
+          <p:nvPr/>
+        </p:nvPicPr>
+        <p:blipFill>
+          <a:blip r:embed="rId4" cstate="print">
+            <a:extLst>
+              <a:ext uri="{28A0092B-C50C-407E-A947-70E740481C1C}">
+                <a14:useLocalDpi xmlns:a14="http://schemas.microsoft.com/office/drawing/2010/main" val="0"/>
+              </a:ext>
+            </a:extLst>
+          </a:blip>
+          <a:stretch>
+            <a:fillRect/>
+          </a:stretch>
+        </p:blipFill>
+        <p:spPr>
+          <a:xfrm>
+            <a:off x="251796" y="1482679"/>
+            <a:ext cx="2520690" cy="2520690"/>
+          </a:xfrm>
+          <a:prstGeom prst="rect">
+            <a:avLst/>
+          </a:prstGeom>
+        </p:spPr>
+      </p:pic>
     </p:spTree>
     <p:extLst>
       <p:ext uri="{BB962C8B-B14F-4D97-AF65-F5344CB8AC3E}">
@@ -6437,9 +6473,214 @@
   <p:timing>
     <p:tnLst>
       <p:par>
-        <p:cTn xmlns:p14="http://schemas.microsoft.com/office/powerpoint/2010/main" id="1" dur="indefinite" restart="never" nodeType="tmRoot"/>
+        <p:cTn xmlns:p14="http://schemas.microsoft.com/office/powerpoint/2010/main" id="1" dur="indefinite" restart="never" nodeType="tmRoot">
+          <p:childTnLst>
+            <p:seq concurrent="1" nextAc="seek">
+              <p:cTn id="2" dur="indefinite" nodeType="mainSeq">
+                <p:childTnLst>
+                  <p:par>
+                    <p:cTn id="3" fill="hold">
+                      <p:stCondLst>
+                        <p:cond delay="indefinite"/>
+                      </p:stCondLst>
+                      <p:childTnLst>
+                        <p:par>
+                          <p:cTn id="4" fill="hold">
+                            <p:stCondLst>
+                              <p:cond delay="0"/>
+                            </p:stCondLst>
+                            <p:childTnLst>
+                              <p:par>
+                                <p:cTn id="5" presetID="38" presetClass="entr" presetSubtype="0" accel="50000" fill="hold" grpId="0" nodeType="clickEffect">
+                                  <p:stCondLst>
+                                    <p:cond delay="0"/>
+                                  </p:stCondLst>
+                                  <p:iterate type="lt">
+                                    <p:tmPct val="50000"/>
+                                  </p:iterate>
+                                  <p:childTnLst>
+                                    <p:set>
+                                      <p:cBhvr>
+                                        <p:cTn id="6" dur="1" fill="hold">
+                                          <p:stCondLst>
+                                            <p:cond delay="0"/>
+                                          </p:stCondLst>
+                                        </p:cTn>
+                                        <p:tgtEl>
+                                          <p:spTgt spid="2"/>
+                                        </p:tgtEl>
+                                        <p:attrNameLst>
+                                          <p:attrName>style.visibility</p:attrName>
+                                        </p:attrNameLst>
+                                      </p:cBhvr>
+                                      <p:to>
+                                        <p:strVal val="visible"/>
+                                      </p:to>
+                                    </p:set>
+                                    <p:set>
+                                      <p:cBhvr>
+                                        <p:cTn id="7" dur="455" fill="hold">
+                                          <p:stCondLst>
+                                            <p:cond delay="0"/>
+                                          </p:stCondLst>
+                                        </p:cTn>
+                                        <p:tgtEl>
+                                          <p:spTgt spid="2"/>
+                                        </p:tgtEl>
+                                        <p:attrNameLst>
+                                          <p:attrName>style.rotation</p:attrName>
+                                        </p:attrNameLst>
+                                      </p:cBhvr>
+                                      <p:to>
+                                        <p:strVal val="-45.0"/>
+                                      </p:to>
+                                    </p:set>
+                                    <p:anim calcmode="lin" valueType="num">
+                                      <p:cBhvr>
+                                        <p:cTn id="8" dur="455" fill="hold">
+                                          <p:stCondLst>
+                                            <p:cond delay="455"/>
+                                          </p:stCondLst>
+                                        </p:cTn>
+                                        <p:tgtEl>
+                                          <p:spTgt spid="2"/>
+                                        </p:tgtEl>
+                                        <p:attrNameLst>
+                                          <p:attrName>style.rotation</p:attrName>
+                                        </p:attrNameLst>
+                                      </p:cBhvr>
+                                      <p:tavLst>
+                                        <p:tav tm="0">
+                                          <p:val>
+                                            <p:fltVal val="-45"/>
+                                          </p:val>
+                                        </p:tav>
+                                        <p:tav tm="69900">
+                                          <p:val>
+                                            <p:fltVal val="45"/>
+                                          </p:val>
+                                        </p:tav>
+                                        <p:tav tm="100000">
+                                          <p:val>
+                                            <p:fltVal val="0"/>
+                                          </p:val>
+                                        </p:tav>
+                                      </p:tavLst>
+                                    </p:anim>
+                                    <p:anim calcmode="lin" valueType="num">
+                                      <p:cBhvr>
+                                        <p:cTn id="9" dur="455" fill="hold">
+                                          <p:stCondLst>
+                                            <p:cond delay="0"/>
+                                          </p:stCondLst>
+                                        </p:cTn>
+                                        <p:tgtEl>
+                                          <p:spTgt spid="2"/>
+                                        </p:tgtEl>
+                                        <p:attrNameLst>
+                                          <p:attrName>ppt_y</p:attrName>
+                                        </p:attrNameLst>
+                                      </p:cBhvr>
+                                      <p:tavLst>
+                                        <p:tav tm="0">
+                                          <p:val>
+                                            <p:strVal val="#ppt_y-1"/>
+                                          </p:val>
+                                        </p:tav>
+                                        <p:tav tm="100000">
+                                          <p:val>
+                                            <p:strVal val="#ppt_y-(0.354*#ppt_w-0.172*#ppt_h)"/>
+                                          </p:val>
+                                        </p:tav>
+                                      </p:tavLst>
+                                    </p:anim>
+                                    <p:anim calcmode="lin" valueType="num">
+                                      <p:cBhvr>
+                                        <p:cTn id="10" dur="156" decel="50000" autoRev="1" fill="hold">
+                                          <p:stCondLst>
+                                            <p:cond delay="455"/>
+                                          </p:stCondLst>
+                                        </p:cTn>
+                                        <p:tgtEl>
+                                          <p:spTgt spid="2"/>
+                                        </p:tgtEl>
+                                        <p:attrNameLst>
+                                          <p:attrName>ppt_y</p:attrName>
+                                        </p:attrNameLst>
+                                      </p:cBhvr>
+                                      <p:tavLst>
+                                        <p:tav tm="0">
+                                          <p:val>
+                                            <p:strVal val="#ppt_y-(0.354*#ppt_w-0.172*#ppt_h)"/>
+                                          </p:val>
+                                        </p:tav>
+                                        <p:tav tm="100000">
+                                          <p:val>
+                                            <p:strVal val="#ppt_y-(0.354*#ppt_w-0.172*#ppt_h)-#ppt_h/2"/>
+                                          </p:val>
+                                        </p:tav>
+                                      </p:tavLst>
+                                    </p:anim>
+                                    <p:anim calcmode="lin" valueType="num">
+                                      <p:cBhvr>
+                                        <p:cTn id="11" dur="136" fill="hold">
+                                          <p:stCondLst>
+                                            <p:cond delay="864"/>
+                                          </p:stCondLst>
+                                        </p:cTn>
+                                        <p:tgtEl>
+                                          <p:spTgt spid="2"/>
+                                        </p:tgtEl>
+                                        <p:attrNameLst>
+                                          <p:attrName>ppt_y</p:attrName>
+                                        </p:attrNameLst>
+                                      </p:cBhvr>
+                                      <p:tavLst>
+                                        <p:tav tm="0">
+                                          <p:val>
+                                            <p:strVal val="#ppt_y-(0.354*#ppt_w-0.172*#ppt_h)"/>
+                                          </p:val>
+                                        </p:tav>
+                                        <p:tav tm="100000">
+                                          <p:val>
+                                            <p:strVal val="#ppt_y"/>
+                                          </p:val>
+                                        </p:tav>
+                                      </p:tavLst>
+                                    </p:anim>
+                                  </p:childTnLst>
+                                </p:cTn>
+                              </p:par>
+                            </p:childTnLst>
+                          </p:cTn>
+                        </p:par>
+                      </p:childTnLst>
+                    </p:cTn>
+                  </p:par>
+                </p:childTnLst>
+              </p:cTn>
+              <p:prevCondLst>
+                <p:cond evt="onPrev" delay="0">
+                  <p:tgtEl>
+                    <p:sldTgt/>
+                  </p:tgtEl>
+                </p:cond>
+              </p:prevCondLst>
+              <p:nextCondLst>
+                <p:cond evt="onNext" delay="0">
+                  <p:tgtEl>
+                    <p:sldTgt/>
+                  </p:tgtEl>
+                </p:cond>
+              </p:nextCondLst>
+            </p:seq>
+          </p:childTnLst>
+        </p:cTn>
       </p:par>
     </p:tnLst>
+    <p:bldLst>
+      <p:bldP spid="2" grpId="0"/>
+    </p:bldLst>
   </p:timing>
 </p:sld>
 </file>

--- a/発表資料/プレゼンテーション資料.pptx
+++ b/発表資料/プレゼンテーション資料.pptx
@@ -4278,108 +4278,6 @@
                       </p:childTnLst>
                     </p:cTn>
                   </p:par>
-                  <p:par>
-                    <p:cTn id="20" fill="hold">
-                      <p:stCondLst>
-                        <p:cond delay="indefinite"/>
-                      </p:stCondLst>
-                      <p:childTnLst>
-                        <p:par>
-                          <p:cTn id="21" fill="hold">
-                            <p:stCondLst>
-                              <p:cond delay="0"/>
-                            </p:stCondLst>
-                            <p:childTnLst>
-                              <p:par>
-                                <p:cTn id="22" presetID="53" presetClass="exit" presetSubtype="32" fill="hold" grpId="3" nodeType="clickEffect">
-                                  <p:stCondLst>
-                                    <p:cond delay="0"/>
-                                  </p:stCondLst>
-                                  <p:iterate type="lt">
-                                    <p:tmPct val="0"/>
-                                  </p:iterate>
-                                  <p:childTnLst>
-                                    <p:anim calcmode="lin" valueType="num">
-                                      <p:cBhvr>
-                                        <p:cTn id="23" dur="500"/>
-                                        <p:tgtEl>
-                                          <p:spTgt spid="2"/>
-                                        </p:tgtEl>
-                                        <p:attrNameLst>
-                                          <p:attrName>ppt_w</p:attrName>
-                                        </p:attrNameLst>
-                                      </p:cBhvr>
-                                      <p:tavLst>
-                                        <p:tav tm="0">
-                                          <p:val>
-                                            <p:strVal val="ppt_w"/>
-                                          </p:val>
-                                        </p:tav>
-                                        <p:tav tm="100000">
-                                          <p:val>
-                                            <p:fltVal val="0"/>
-                                          </p:val>
-                                        </p:tav>
-                                      </p:tavLst>
-                                    </p:anim>
-                                    <p:anim calcmode="lin" valueType="num">
-                                      <p:cBhvr>
-                                        <p:cTn id="24" dur="500"/>
-                                        <p:tgtEl>
-                                          <p:spTgt spid="2"/>
-                                        </p:tgtEl>
-                                        <p:attrNameLst>
-                                          <p:attrName>ppt_h</p:attrName>
-                                        </p:attrNameLst>
-                                      </p:cBhvr>
-                                      <p:tavLst>
-                                        <p:tav tm="0">
-                                          <p:val>
-                                            <p:strVal val="ppt_h"/>
-                                          </p:val>
-                                        </p:tav>
-                                        <p:tav tm="100000">
-                                          <p:val>
-                                            <p:fltVal val="0"/>
-                                          </p:val>
-                                        </p:tav>
-                                      </p:tavLst>
-                                    </p:anim>
-                                    <p:animEffect transition="out" filter="fade">
-                                      <p:cBhvr>
-                                        <p:cTn id="25" dur="500"/>
-                                        <p:tgtEl>
-                                          <p:spTgt spid="2"/>
-                                        </p:tgtEl>
-                                      </p:cBhvr>
-                                    </p:animEffect>
-                                    <p:set>
-                                      <p:cBhvr>
-                                        <p:cTn id="26" dur="1" fill="hold">
-                                          <p:stCondLst>
-                                            <p:cond delay="499"/>
-                                          </p:stCondLst>
-                                        </p:cTn>
-                                        <p:tgtEl>
-                                          <p:spTgt spid="2"/>
-                                        </p:tgtEl>
-                                        <p:attrNameLst>
-                                          <p:attrName>style.visibility</p:attrName>
-                                        </p:attrNameLst>
-                                      </p:cBhvr>
-                                      <p:to>
-                                        <p:strVal val="hidden"/>
-                                      </p:to>
-                                    </p:set>
-                                  </p:childTnLst>
-                                </p:cTn>
-                              </p:par>
-                            </p:childTnLst>
-                          </p:cTn>
-                        </p:par>
-                      </p:childTnLst>
-                    </p:cTn>
-                  </p:par>
                 </p:childTnLst>
               </p:cTn>
               <p:prevCondLst>
@@ -4404,7 +4302,6 @@
     <p:bldLst>
       <p:bldP spid="2" grpId="1"/>
       <p:bldP spid="2" grpId="2"/>
-      <p:bldP spid="2" grpId="3"/>
     </p:bldLst>
   </p:timing>
 </p:sld>
@@ -4600,7 +4497,7 @@
                             </p:stCondLst>
                             <p:childTnLst>
                               <p:par>
-                                <p:cTn id="10" presetID="56" presetClass="exit" presetSubtype="0" fill="hold" nodeType="clickEffect">
+                                <p:cTn id="10" presetID="56" presetClass="exit" presetSubtype="0" fill="hold" grpId="1" nodeType="clickEffect">
                                   <p:stCondLst>
                                     <p:cond delay="0"/>
                                   </p:stCondLst>
@@ -4715,134 +4612,6 @@
                       </p:childTnLst>
                     </p:cTn>
                   </p:par>
-                  <p:par>
-                    <p:cTn id="16" fill="hold">
-                      <p:stCondLst>
-                        <p:cond delay="indefinite"/>
-                      </p:stCondLst>
-                      <p:childTnLst>
-                        <p:par>
-                          <p:cTn id="17" fill="hold">
-                            <p:stCondLst>
-                              <p:cond delay="0"/>
-                            </p:stCondLst>
-                            <p:childTnLst>
-                              <p:par>
-                                <p:cTn id="18" presetID="56" presetClass="exit" presetSubtype="0" fill="hold" grpId="1" nodeType="clickEffect">
-                                  <p:stCondLst>
-                                    <p:cond delay="0"/>
-                                  </p:stCondLst>
-                                  <p:iterate type="lt">
-                                    <p:tmPct val="10000"/>
-                                  </p:iterate>
-                                  <p:childTnLst>
-                                    <p:anim from="(ppt_w)" to="(-ppt_w*2)" calcmode="lin" valueType="num">
-                                      <p:cBhvr rctx="PPT">
-                                        <p:cTn id="19" dur="500" autoRev="1">
-                                          <p:stCondLst>
-                                            <p:cond delay="0"/>
-                                          </p:stCondLst>
-                                        </p:cTn>
-                                        <p:tgtEl>
-                                          <p:spTgt spid="3">
-                                            <p:txEl>
-                                              <p:pRg st="0" end="0"/>
-                                            </p:txEl>
-                                          </p:spTgt>
-                                        </p:tgtEl>
-                                        <p:attrNameLst>
-                                          <p:attrName>ppt_w</p:attrName>
-                                        </p:attrNameLst>
-                                      </p:cBhvr>
-                                    </p:anim>
-                                    <p:anim by="(ppt_w*0.50)" calcmode="lin" valueType="num">
-                                      <p:cBhvr>
-                                        <p:cTn id="20" dur="500" decel="50000" autoRev="1">
-                                          <p:stCondLst>
-                                            <p:cond delay="0"/>
-                                          </p:stCondLst>
-                                        </p:cTn>
-                                        <p:tgtEl>
-                                          <p:spTgt spid="3">
-                                            <p:txEl>
-                                              <p:pRg st="0" end="0"/>
-                                            </p:txEl>
-                                          </p:spTgt>
-                                        </p:tgtEl>
-                                        <p:attrNameLst>
-                                          <p:attrName>ppt_x</p:attrName>
-                                        </p:attrNameLst>
-                                      </p:cBhvr>
-                                    </p:anim>
-                                    <p:anim from="(ppt_y)" to="(1+ppt_h/2)" calcmode="lin" valueType="num">
-                                      <p:cBhvr>
-                                        <p:cTn id="21" dur="1000">
-                                          <p:stCondLst>
-                                            <p:cond delay="0"/>
-                                          </p:stCondLst>
-                                        </p:cTn>
-                                        <p:tgtEl>
-                                          <p:spTgt spid="3">
-                                            <p:txEl>
-                                              <p:pRg st="0" end="0"/>
-                                            </p:txEl>
-                                          </p:spTgt>
-                                        </p:tgtEl>
-                                        <p:attrNameLst>
-                                          <p:attrName>ppt_y</p:attrName>
-                                        </p:attrNameLst>
-                                      </p:cBhvr>
-                                    </p:anim>
-                                    <p:animRot by="21600000">
-                                      <p:cBhvr>
-                                        <p:cTn id="22" dur="1000">
-                                          <p:stCondLst>
-                                            <p:cond delay="0"/>
-                                          </p:stCondLst>
-                                        </p:cTn>
-                                        <p:tgtEl>
-                                          <p:spTgt spid="3">
-                                            <p:txEl>
-                                              <p:pRg st="0" end="0"/>
-                                            </p:txEl>
-                                          </p:spTgt>
-                                        </p:tgtEl>
-                                        <p:attrNameLst>
-                                          <p:attrName>r</p:attrName>
-                                        </p:attrNameLst>
-                                      </p:cBhvr>
-                                    </p:animRot>
-                                    <p:set>
-                                      <p:cBhvr>
-                                        <p:cTn id="23" dur="1" fill="hold">
-                                          <p:stCondLst>
-                                            <p:cond delay="999"/>
-                                          </p:stCondLst>
-                                        </p:cTn>
-                                        <p:tgtEl>
-                                          <p:spTgt spid="3">
-                                            <p:txEl>
-                                              <p:pRg st="0" end="0"/>
-                                            </p:txEl>
-                                          </p:spTgt>
-                                        </p:tgtEl>
-                                        <p:attrNameLst>
-                                          <p:attrName>style.visibility</p:attrName>
-                                        </p:attrNameLst>
-                                      </p:cBhvr>
-                                      <p:to>
-                                        <p:strVal val="hidden"/>
-                                      </p:to>
-                                    </p:set>
-                                  </p:childTnLst>
-                                </p:cTn>
-                              </p:par>
-                            </p:childTnLst>
-                          </p:cTn>
-                        </p:par>
-                      </p:childTnLst>
-                    </p:cTn>
-                  </p:par>
                 </p:childTnLst>
               </p:cTn>
               <p:prevCondLst>
@@ -5038,6 +4807,588 @@
   <p:clrMapOvr>
     <a:masterClrMapping/>
   </p:clrMapOvr>
+  <p:timing>
+    <p:tnLst>
+      <p:par>
+        <p:cTn xmlns:p14="http://schemas.microsoft.com/office/powerpoint/2010/main" id="1" dur="indefinite" restart="never" nodeType="tmRoot">
+          <p:childTnLst>
+            <p:seq concurrent="1" nextAc="seek">
+              <p:cTn id="2" dur="indefinite" nodeType="mainSeq">
+                <p:childTnLst>
+                  <p:par>
+                    <p:cTn id="3" fill="hold">
+                      <p:stCondLst>
+                        <p:cond delay="indefinite"/>
+                      </p:stCondLst>
+                      <p:childTnLst>
+                        <p:par>
+                          <p:cTn id="4" fill="hold">
+                            <p:stCondLst>
+                              <p:cond delay="0"/>
+                            </p:stCondLst>
+                            <p:childTnLst>
+                              <p:par>
+                                <p:cTn id="5" presetID="56" presetClass="entr" presetSubtype="0" fill="hold" grpId="0" nodeType="clickEffect">
+                                  <p:stCondLst>
+                                    <p:cond delay="0"/>
+                                  </p:stCondLst>
+                                  <p:iterate type="lt">
+                                    <p:tmPct val="10000"/>
+                                  </p:iterate>
+                                  <p:childTnLst>
+                                    <p:set>
+                                      <p:cBhvr>
+                                        <p:cTn id="6" dur="1" fill="hold">
+                                          <p:stCondLst>
+                                            <p:cond delay="0"/>
+                                          </p:stCondLst>
+                                        </p:cTn>
+                                        <p:tgtEl>
+                                          <p:spTgt spid="2"/>
+                                        </p:tgtEl>
+                                        <p:attrNameLst>
+                                          <p:attrName>style.visibility</p:attrName>
+                                        </p:attrNameLst>
+                                      </p:cBhvr>
+                                      <p:to>
+                                        <p:strVal val="visible"/>
+                                      </p:to>
+                                    </p:set>
+                                    <p:anim by="(-#ppt_w*2)" calcmode="lin" valueType="num">
+                                      <p:cBhvr rctx="PPT">
+                                        <p:cTn id="7" dur="500" autoRev="1" fill="hold">
+                                          <p:stCondLst>
+                                            <p:cond delay="0"/>
+                                          </p:stCondLst>
+                                        </p:cTn>
+                                        <p:tgtEl>
+                                          <p:spTgt spid="2"/>
+                                        </p:tgtEl>
+                                        <p:attrNameLst>
+                                          <p:attrName>ppt_w</p:attrName>
+                                        </p:attrNameLst>
+                                      </p:cBhvr>
+                                    </p:anim>
+                                    <p:anim by="(#ppt_w*0.50)" calcmode="lin" valueType="num">
+                                      <p:cBhvr>
+                                        <p:cTn id="8" dur="500" decel="50000" autoRev="1" fill="hold">
+                                          <p:stCondLst>
+                                            <p:cond delay="0"/>
+                                          </p:stCondLst>
+                                        </p:cTn>
+                                        <p:tgtEl>
+                                          <p:spTgt spid="2"/>
+                                        </p:tgtEl>
+                                        <p:attrNameLst>
+                                          <p:attrName>ppt_x</p:attrName>
+                                        </p:attrNameLst>
+                                      </p:cBhvr>
+                                    </p:anim>
+                                    <p:anim from="(-#ppt_h/2)" to="(#ppt_y)" calcmode="lin" valueType="num">
+                                      <p:cBhvr>
+                                        <p:cTn id="9" dur="1000" fill="hold">
+                                          <p:stCondLst>
+                                            <p:cond delay="0"/>
+                                          </p:stCondLst>
+                                        </p:cTn>
+                                        <p:tgtEl>
+                                          <p:spTgt spid="2"/>
+                                        </p:tgtEl>
+                                        <p:attrNameLst>
+                                          <p:attrName>ppt_y</p:attrName>
+                                        </p:attrNameLst>
+                                      </p:cBhvr>
+                                    </p:anim>
+                                    <p:animRot by="21600000">
+                                      <p:cBhvr>
+                                        <p:cTn id="10" dur="1000" fill="hold">
+                                          <p:stCondLst>
+                                            <p:cond delay="0"/>
+                                          </p:stCondLst>
+                                        </p:cTn>
+                                        <p:tgtEl>
+                                          <p:spTgt spid="2"/>
+                                        </p:tgtEl>
+                                        <p:attrNameLst>
+                                          <p:attrName>r</p:attrName>
+                                        </p:attrNameLst>
+                                      </p:cBhvr>
+                                    </p:animRot>
+                                  </p:childTnLst>
+                                </p:cTn>
+                              </p:par>
+                            </p:childTnLst>
+                          </p:cTn>
+                        </p:par>
+                      </p:childTnLst>
+                    </p:cTn>
+                  </p:par>
+                  <p:par>
+                    <p:cTn id="11" fill="hold">
+                      <p:stCondLst>
+                        <p:cond delay="indefinite"/>
+                      </p:stCondLst>
+                      <p:childTnLst>
+                        <p:par>
+                          <p:cTn id="12" fill="hold">
+                            <p:stCondLst>
+                              <p:cond delay="0"/>
+                            </p:stCondLst>
+                            <p:childTnLst>
+                              <p:par>
+                                <p:cTn id="13" presetID="12" presetClass="entr" presetSubtype="4" fill="hold" grpId="0" nodeType="clickEffect">
+                                  <p:stCondLst>
+                                    <p:cond delay="0"/>
+                                  </p:stCondLst>
+                                  <p:childTnLst>
+                                    <p:set>
+                                      <p:cBhvr>
+                                        <p:cTn id="14" dur="1" fill="hold">
+                                          <p:stCondLst>
+                                            <p:cond delay="0"/>
+                                          </p:stCondLst>
+                                        </p:cTn>
+                                        <p:tgtEl>
+                                          <p:spTgt spid="3">
+                                            <p:txEl>
+                                              <p:pRg st="0" end="0"/>
+                                            </p:txEl>
+                                          </p:spTgt>
+                                        </p:tgtEl>
+                                        <p:attrNameLst>
+                                          <p:attrName>style.visibility</p:attrName>
+                                        </p:attrNameLst>
+                                      </p:cBhvr>
+                                      <p:to>
+                                        <p:strVal val="visible"/>
+                                      </p:to>
+                                    </p:set>
+                                    <p:anim calcmode="lin" valueType="num">
+                                      <p:cBhvr additive="base">
+                                        <p:cTn id="15" dur="500"/>
+                                        <p:tgtEl>
+                                          <p:spTgt spid="3">
+                                            <p:txEl>
+                                              <p:pRg st="0" end="0"/>
+                                            </p:txEl>
+                                          </p:spTgt>
+                                        </p:tgtEl>
+                                        <p:attrNameLst>
+                                          <p:attrName>ppt_y</p:attrName>
+                                        </p:attrNameLst>
+                                      </p:cBhvr>
+                                      <p:tavLst>
+                                        <p:tav tm="0">
+                                          <p:val>
+                                            <p:strVal val="#ppt_y+#ppt_h*1.125000"/>
+                                          </p:val>
+                                        </p:tav>
+                                        <p:tav tm="100000">
+                                          <p:val>
+                                            <p:strVal val="#ppt_y"/>
+                                          </p:val>
+                                        </p:tav>
+                                      </p:tavLst>
+                                    </p:anim>
+                                    <p:animEffect transition="in" filter="wipe(up)">
+                                      <p:cBhvr>
+                                        <p:cTn id="16" dur="500"/>
+                                        <p:tgtEl>
+                                          <p:spTgt spid="3">
+                                            <p:txEl>
+                                              <p:pRg st="0" end="0"/>
+                                            </p:txEl>
+                                          </p:spTgt>
+                                        </p:tgtEl>
+                                      </p:cBhvr>
+                                    </p:animEffect>
+                                  </p:childTnLst>
+                                </p:cTn>
+                              </p:par>
+                            </p:childTnLst>
+                          </p:cTn>
+                        </p:par>
+                      </p:childTnLst>
+                    </p:cTn>
+                  </p:par>
+                  <p:par>
+                    <p:cTn id="17" fill="hold">
+                      <p:stCondLst>
+                        <p:cond delay="indefinite"/>
+                      </p:stCondLst>
+                      <p:childTnLst>
+                        <p:par>
+                          <p:cTn id="18" fill="hold">
+                            <p:stCondLst>
+                              <p:cond delay="0"/>
+                            </p:stCondLst>
+                            <p:childTnLst>
+                              <p:par>
+                                <p:cTn id="19" presetID="12" presetClass="entr" presetSubtype="4" fill="hold" grpId="0" nodeType="clickEffect">
+                                  <p:stCondLst>
+                                    <p:cond delay="0"/>
+                                  </p:stCondLst>
+                                  <p:childTnLst>
+                                    <p:set>
+                                      <p:cBhvr>
+                                        <p:cTn id="20" dur="1" fill="hold">
+                                          <p:stCondLst>
+                                            <p:cond delay="0"/>
+                                          </p:stCondLst>
+                                        </p:cTn>
+                                        <p:tgtEl>
+                                          <p:spTgt spid="3">
+                                            <p:txEl>
+                                              <p:pRg st="1" end="1"/>
+                                            </p:txEl>
+                                          </p:spTgt>
+                                        </p:tgtEl>
+                                        <p:attrNameLst>
+                                          <p:attrName>style.visibility</p:attrName>
+                                        </p:attrNameLst>
+                                      </p:cBhvr>
+                                      <p:to>
+                                        <p:strVal val="visible"/>
+                                      </p:to>
+                                    </p:set>
+                                    <p:anim calcmode="lin" valueType="num">
+                                      <p:cBhvr additive="base">
+                                        <p:cTn id="21" dur="500"/>
+                                        <p:tgtEl>
+                                          <p:spTgt spid="3">
+                                            <p:txEl>
+                                              <p:pRg st="1" end="1"/>
+                                            </p:txEl>
+                                          </p:spTgt>
+                                        </p:tgtEl>
+                                        <p:attrNameLst>
+                                          <p:attrName>ppt_y</p:attrName>
+                                        </p:attrNameLst>
+                                      </p:cBhvr>
+                                      <p:tavLst>
+                                        <p:tav tm="0">
+                                          <p:val>
+                                            <p:strVal val="#ppt_y+#ppt_h*1.125000"/>
+                                          </p:val>
+                                        </p:tav>
+                                        <p:tav tm="100000">
+                                          <p:val>
+                                            <p:strVal val="#ppt_y"/>
+                                          </p:val>
+                                        </p:tav>
+                                      </p:tavLst>
+                                    </p:anim>
+                                    <p:animEffect transition="in" filter="wipe(up)">
+                                      <p:cBhvr>
+                                        <p:cTn id="22" dur="500"/>
+                                        <p:tgtEl>
+                                          <p:spTgt spid="3">
+                                            <p:txEl>
+                                              <p:pRg st="1" end="1"/>
+                                            </p:txEl>
+                                          </p:spTgt>
+                                        </p:tgtEl>
+                                      </p:cBhvr>
+                                    </p:animEffect>
+                                  </p:childTnLst>
+                                </p:cTn>
+                              </p:par>
+                            </p:childTnLst>
+                          </p:cTn>
+                        </p:par>
+                      </p:childTnLst>
+                    </p:cTn>
+                  </p:par>
+                  <p:par>
+                    <p:cTn id="23" fill="hold">
+                      <p:stCondLst>
+                        <p:cond delay="indefinite"/>
+                      </p:stCondLst>
+                      <p:childTnLst>
+                        <p:par>
+                          <p:cTn id="24" fill="hold">
+                            <p:stCondLst>
+                              <p:cond delay="0"/>
+                            </p:stCondLst>
+                            <p:childTnLst>
+                              <p:par>
+                                <p:cTn id="25" presetID="12" presetClass="entr" presetSubtype="4" fill="hold" grpId="0" nodeType="clickEffect">
+                                  <p:stCondLst>
+                                    <p:cond delay="0"/>
+                                  </p:stCondLst>
+                                  <p:childTnLst>
+                                    <p:set>
+                                      <p:cBhvr>
+                                        <p:cTn id="26" dur="1" fill="hold">
+                                          <p:stCondLst>
+                                            <p:cond delay="0"/>
+                                          </p:stCondLst>
+                                        </p:cTn>
+                                        <p:tgtEl>
+                                          <p:spTgt spid="3">
+                                            <p:txEl>
+                                              <p:pRg st="2" end="2"/>
+                                            </p:txEl>
+                                          </p:spTgt>
+                                        </p:tgtEl>
+                                        <p:attrNameLst>
+                                          <p:attrName>style.visibility</p:attrName>
+                                        </p:attrNameLst>
+                                      </p:cBhvr>
+                                      <p:to>
+                                        <p:strVal val="visible"/>
+                                      </p:to>
+                                    </p:set>
+                                    <p:anim calcmode="lin" valueType="num">
+                                      <p:cBhvr additive="base">
+                                        <p:cTn id="27" dur="500"/>
+                                        <p:tgtEl>
+                                          <p:spTgt spid="3">
+                                            <p:txEl>
+                                              <p:pRg st="2" end="2"/>
+                                            </p:txEl>
+                                          </p:spTgt>
+                                        </p:tgtEl>
+                                        <p:attrNameLst>
+                                          <p:attrName>ppt_y</p:attrName>
+                                        </p:attrNameLst>
+                                      </p:cBhvr>
+                                      <p:tavLst>
+                                        <p:tav tm="0">
+                                          <p:val>
+                                            <p:strVal val="#ppt_y+#ppt_h*1.125000"/>
+                                          </p:val>
+                                        </p:tav>
+                                        <p:tav tm="100000">
+                                          <p:val>
+                                            <p:strVal val="#ppt_y"/>
+                                          </p:val>
+                                        </p:tav>
+                                      </p:tavLst>
+                                    </p:anim>
+                                    <p:animEffect transition="in" filter="wipe(up)">
+                                      <p:cBhvr>
+                                        <p:cTn id="28" dur="500"/>
+                                        <p:tgtEl>
+                                          <p:spTgt spid="3">
+                                            <p:txEl>
+                                              <p:pRg st="2" end="2"/>
+                                            </p:txEl>
+                                          </p:spTgt>
+                                        </p:tgtEl>
+                                      </p:cBhvr>
+                                    </p:animEffect>
+                                  </p:childTnLst>
+                                </p:cTn>
+                              </p:par>
+                            </p:childTnLst>
+                          </p:cTn>
+                        </p:par>
+                      </p:childTnLst>
+                    </p:cTn>
+                  </p:par>
+                  <p:par>
+                    <p:cTn id="29" fill="hold">
+                      <p:stCondLst>
+                        <p:cond delay="indefinite"/>
+                      </p:stCondLst>
+                      <p:childTnLst>
+                        <p:par>
+                          <p:cTn id="30" fill="hold">
+                            <p:stCondLst>
+                              <p:cond delay="0"/>
+                            </p:stCondLst>
+                            <p:childTnLst>
+                              <p:par>
+                                <p:cTn id="31" presetID="12" presetClass="entr" presetSubtype="4" fill="hold" grpId="0" nodeType="clickEffect">
+                                  <p:stCondLst>
+                                    <p:cond delay="0"/>
+                                  </p:stCondLst>
+                                  <p:childTnLst>
+                                    <p:set>
+                                      <p:cBhvr>
+                                        <p:cTn id="32" dur="1" fill="hold">
+                                          <p:stCondLst>
+                                            <p:cond delay="0"/>
+                                          </p:stCondLst>
+                                        </p:cTn>
+                                        <p:tgtEl>
+                                          <p:spTgt spid="3">
+                                            <p:txEl>
+                                              <p:pRg st="3" end="3"/>
+                                            </p:txEl>
+                                          </p:spTgt>
+                                        </p:tgtEl>
+                                        <p:attrNameLst>
+                                          <p:attrName>style.visibility</p:attrName>
+                                        </p:attrNameLst>
+                                      </p:cBhvr>
+                                      <p:to>
+                                        <p:strVal val="visible"/>
+                                      </p:to>
+                                    </p:set>
+                                    <p:anim calcmode="lin" valueType="num">
+                                      <p:cBhvr additive="base">
+                                        <p:cTn id="33" dur="500"/>
+                                        <p:tgtEl>
+                                          <p:spTgt spid="3">
+                                            <p:txEl>
+                                              <p:pRg st="3" end="3"/>
+                                            </p:txEl>
+                                          </p:spTgt>
+                                        </p:tgtEl>
+                                        <p:attrNameLst>
+                                          <p:attrName>ppt_y</p:attrName>
+                                        </p:attrNameLst>
+                                      </p:cBhvr>
+                                      <p:tavLst>
+                                        <p:tav tm="0">
+                                          <p:val>
+                                            <p:strVal val="#ppt_y+#ppt_h*1.125000"/>
+                                          </p:val>
+                                        </p:tav>
+                                        <p:tav tm="100000">
+                                          <p:val>
+                                            <p:strVal val="#ppt_y"/>
+                                          </p:val>
+                                        </p:tav>
+                                      </p:tavLst>
+                                    </p:anim>
+                                    <p:animEffect transition="in" filter="wipe(up)">
+                                      <p:cBhvr>
+                                        <p:cTn id="34" dur="500"/>
+                                        <p:tgtEl>
+                                          <p:spTgt spid="3">
+                                            <p:txEl>
+                                              <p:pRg st="3" end="3"/>
+                                            </p:txEl>
+                                          </p:spTgt>
+                                        </p:tgtEl>
+                                      </p:cBhvr>
+                                    </p:animEffect>
+                                  </p:childTnLst>
+                                </p:cTn>
+                              </p:par>
+                            </p:childTnLst>
+                          </p:cTn>
+                        </p:par>
+                      </p:childTnLst>
+                    </p:cTn>
+                  </p:par>
+                  <p:par>
+                    <p:cTn id="35" fill="hold">
+                      <p:stCondLst>
+                        <p:cond delay="indefinite"/>
+                      </p:stCondLst>
+                      <p:childTnLst>
+                        <p:par>
+                          <p:cTn id="36" fill="hold">
+                            <p:stCondLst>
+                              <p:cond delay="0"/>
+                            </p:stCondLst>
+                            <p:childTnLst>
+                              <p:par>
+                                <p:cTn id="37" presetID="12" presetClass="entr" presetSubtype="4" fill="hold" grpId="0" nodeType="clickEffect">
+                                  <p:stCondLst>
+                                    <p:cond delay="0"/>
+                                  </p:stCondLst>
+                                  <p:childTnLst>
+                                    <p:set>
+                                      <p:cBhvr>
+                                        <p:cTn id="38" dur="1" fill="hold">
+                                          <p:stCondLst>
+                                            <p:cond delay="0"/>
+                                          </p:stCondLst>
+                                        </p:cTn>
+                                        <p:tgtEl>
+                                          <p:spTgt spid="3">
+                                            <p:txEl>
+                                              <p:pRg st="4" end="4"/>
+                                            </p:txEl>
+                                          </p:spTgt>
+                                        </p:tgtEl>
+                                        <p:attrNameLst>
+                                          <p:attrName>style.visibility</p:attrName>
+                                        </p:attrNameLst>
+                                      </p:cBhvr>
+                                      <p:to>
+                                        <p:strVal val="visible"/>
+                                      </p:to>
+                                    </p:set>
+                                    <p:anim calcmode="lin" valueType="num">
+                                      <p:cBhvr additive="base">
+                                        <p:cTn id="39" dur="500"/>
+                                        <p:tgtEl>
+                                          <p:spTgt spid="3">
+                                            <p:txEl>
+                                              <p:pRg st="4" end="4"/>
+                                            </p:txEl>
+                                          </p:spTgt>
+                                        </p:tgtEl>
+                                        <p:attrNameLst>
+                                          <p:attrName>ppt_y</p:attrName>
+                                        </p:attrNameLst>
+                                      </p:cBhvr>
+                                      <p:tavLst>
+                                        <p:tav tm="0">
+                                          <p:val>
+                                            <p:strVal val="#ppt_y+#ppt_h*1.125000"/>
+                                          </p:val>
+                                        </p:tav>
+                                        <p:tav tm="100000">
+                                          <p:val>
+                                            <p:strVal val="#ppt_y"/>
+                                          </p:val>
+                                        </p:tav>
+                                      </p:tavLst>
+                                    </p:anim>
+                                    <p:animEffect transition="in" filter="wipe(up)">
+                                      <p:cBhvr>
+                                        <p:cTn id="40" dur="500"/>
+                                        <p:tgtEl>
+                                          <p:spTgt spid="3">
+                                            <p:txEl>
+                                              <p:pRg st="4" end="4"/>
+                                            </p:txEl>
+                                          </p:spTgt>
+                                        </p:tgtEl>
+                                      </p:cBhvr>
+                                    </p:animEffect>
+                                  </p:childTnLst>
+                                </p:cTn>
+                              </p:par>
+                            </p:childTnLst>
+                          </p:cTn>
+                        </p:par>
+                      </p:childTnLst>
+                    </p:cTn>
+                  </p:par>
+                </p:childTnLst>
+              </p:cTn>
+              <p:prevCondLst>
+                <p:cond evt="onPrev" delay="0">
+                  <p:tgtEl>
+                    <p:sldTgt/>
+                  </p:tgtEl>
+                </p:cond>
+              </p:prevCondLst>
+              <p:nextCondLst>
+                <p:cond evt="onNext" delay="0">
+                  <p:tgtEl>
+                    <p:sldTgt/>
+                  </p:tgtEl>
+                </p:cond>
+              </p:nextCondLst>
+            </p:seq>
+          </p:childTnLst>
+        </p:cTn>
+      </p:par>
+    </p:tnLst>
+    <p:bldLst>
+      <p:bldP spid="2" grpId="0"/>
+      <p:bldP spid="3" grpId="0" build="p"/>
+    </p:bldLst>
+  </p:timing>
 </p:sld>
 </file>
 
@@ -5581,12 +5932,12 @@
                             </p:stCondLst>
                             <p:childTnLst>
                               <p:par>
-                                <p:cTn id="20" presetID="16" presetClass="exit" presetSubtype="21" fill="hold" grpId="1" nodeType="clickEffect">
+                                <p:cTn id="20" presetID="10" presetClass="exit" presetSubtype="0" fill="hold" nodeType="clickEffect">
                                   <p:stCondLst>
                                     <p:cond delay="0"/>
                                   </p:stCondLst>
                                   <p:childTnLst>
-                                    <p:animEffect transition="out" filter="barn(inVertical)">
+                                    <p:animEffect transition="out" filter="fade">
                                       <p:cBhvr>
                                         <p:cTn id="21" dur="500"/>
                                         <p:tgtEl>
@@ -5623,33 +5974,15 @@
                                   </p:childTnLst>
                                 </p:cTn>
                               </p:par>
-                            </p:childTnLst>
-                          </p:cTn>
-                        </p:par>
-                      </p:childTnLst>
-                    </p:cTn>
-                  </p:par>
-                  <p:par>
-                    <p:cTn id="23" fill="hold">
-                      <p:stCondLst>
-                        <p:cond delay="indefinite"/>
-                      </p:stCondLst>
-                      <p:childTnLst>
-                        <p:par>
-                          <p:cTn id="24" fill="hold">
-                            <p:stCondLst>
-                              <p:cond delay="0"/>
-                            </p:stCondLst>
-                            <p:childTnLst>
                               <p:par>
-                                <p:cTn id="25" presetID="16" presetClass="exit" presetSubtype="21" fill="hold" grpId="1" nodeType="clickEffect">
+                                <p:cTn id="23" presetID="10" presetClass="exit" presetSubtype="0" fill="hold" nodeType="withEffect">
                                   <p:stCondLst>
                                     <p:cond delay="0"/>
                                   </p:stCondLst>
                                   <p:childTnLst>
-                                    <p:animEffect transition="out" filter="barn(inVertical)">
+                                    <p:animEffect transition="out" filter="fade">
                                       <p:cBhvr>
-                                        <p:cTn id="26" dur="500"/>
+                                        <p:cTn id="24" dur="500"/>
                                         <p:tgtEl>
                                           <p:spTgt spid="3">
                                             <p:txEl>
@@ -5661,7 +5994,7 @@
                                     </p:animEffect>
                                     <p:set>
                                       <p:cBhvr>
-                                        <p:cTn id="27" dur="1" fill="hold">
+                                        <p:cTn id="25" dur="1" fill="hold">
                                           <p:stCondLst>
                                             <p:cond delay="499"/>
                                           </p:stCondLst>
@@ -5684,33 +6017,15 @@
                                   </p:childTnLst>
                                 </p:cTn>
                               </p:par>
-                            </p:childTnLst>
-                          </p:cTn>
-                        </p:par>
-                      </p:childTnLst>
-                    </p:cTn>
-                  </p:par>
-                  <p:par>
-                    <p:cTn id="28" fill="hold">
-                      <p:stCondLst>
-                        <p:cond delay="indefinite"/>
-                      </p:stCondLst>
-                      <p:childTnLst>
-                        <p:par>
-                          <p:cTn id="29" fill="hold">
-                            <p:stCondLst>
-                              <p:cond delay="0"/>
-                            </p:stCondLst>
-                            <p:childTnLst>
                               <p:par>
-                                <p:cTn id="30" presetID="16" presetClass="exit" presetSubtype="21" fill="hold" grpId="1" nodeType="clickEffect">
+                                <p:cTn id="26" presetID="10" presetClass="exit" presetSubtype="0" fill="hold" nodeType="withEffect">
                                   <p:stCondLst>
                                     <p:cond delay="0"/>
                                   </p:stCondLst>
                                   <p:childTnLst>
-                                    <p:animEffect transition="out" filter="barn(inVertical)">
+                                    <p:animEffect transition="out" filter="fade">
                                       <p:cBhvr>
-                                        <p:cTn id="31" dur="500"/>
+                                        <p:cTn id="27" dur="500"/>
                                         <p:tgtEl>
                                           <p:spTgt spid="3">
                                             <p:txEl>
@@ -5722,7 +6037,7 @@
                                     </p:animEffect>
                                     <p:set>
                                       <p:cBhvr>
-                                        <p:cTn id="32" dur="1" fill="hold">
+                                        <p:cTn id="28" dur="1" fill="hold">
                                           <p:stCondLst>
                                             <p:cond delay="499"/>
                                           </p:stCondLst>
@@ -5774,7 +6089,6 @@
     </p:tnLst>
     <p:bldLst>
       <p:bldP spid="3" grpId="0" build="p"/>
-      <p:bldP spid="3" grpId="1" build="p"/>
     </p:bldLst>
   </p:timing>
 </p:sld>
@@ -6213,6 +6527,60 @@
           </a:p>
         </p:txBody>
       </p:sp>
+      <p:sp>
+        <p:nvSpPr>
+          <p:cNvPr id="11" name="テキスト ボックス 10"/>
+          <p:cNvSpPr txBox="1"/>
+          <p:nvPr/>
+        </p:nvSpPr>
+        <p:spPr>
+          <a:xfrm>
+            <a:off x="5811366" y="1375769"/>
+            <a:ext cx="1774845" cy="369332"/>
+          </a:xfrm>
+          <a:prstGeom prst="rect">
+            <a:avLst/>
+          </a:prstGeom>
+          <a:noFill/>
+        </p:spPr>
+        <p:txBody>
+          <a:bodyPr wrap="none" rtlCol="0">
+            <a:spAutoFit/>
+          </a:bodyPr>
+          <a:lstStyle/>
+          <a:p>
+            <a:r>
+              <a:rPr kumimoji="1" lang="ja-JP" altLang="en-US" dirty="0" smtClean="0">
+                <a:latin typeface="ヒラギノ角ゴ Std W8"/>
+                <a:ea typeface="ヒラギノ角ゴ Std W8"/>
+                <a:cs typeface="ヒラギノ角ゴ Std W8"/>
+              </a:rPr>
+              <a:t>友人</a:t>
+            </a:r>
+            <a:r>
+              <a:rPr kumimoji="1" lang="en-US" altLang="ja-JP" dirty="0" smtClean="0">
+                <a:latin typeface="ヒラギノ角ゴ Std W8"/>
+                <a:ea typeface="ヒラギノ角ゴ Std W8"/>
+                <a:cs typeface="ヒラギノ角ゴ Std W8"/>
+              </a:rPr>
+              <a:t>1</a:t>
+            </a:r>
+            <a:r>
+              <a:rPr kumimoji="1" lang="ja-JP" altLang="en-US" dirty="0" smtClean="0">
+                <a:latin typeface="ヒラギノ角ゴ Std W8"/>
+                <a:ea typeface="ヒラギノ角ゴ Std W8"/>
+                <a:cs typeface="ヒラギノ角ゴ Std W8"/>
+              </a:rPr>
+              <a:t>人に調査</a:t>
+            </a:r>
+            <a:endParaRPr kumimoji="1" lang="ja-JP" altLang="en-US" dirty="0">
+              <a:latin typeface="ヒラギノ角ゴ Std W8"/>
+              <a:ea typeface="ヒラギノ角ゴ Std W8"/>
+              <a:cs typeface="ヒラギノ角ゴ Std W8"/>
+            </a:endParaRPr>
+          </a:p>
+        </p:txBody>
+      </p:sp>
     </p:spTree>
     <p:extLst>
       <p:ext uri="{BB962C8B-B14F-4D97-AF65-F5344CB8AC3E}">
@@ -6402,7 +6770,7 @@
       </p:sp>
       <p:pic>
         <p:nvPicPr>
-          <p:cNvPr id="5" name="図 4" descr="2930142.jpg"/>
+          <p:cNvPr id="7" name="図 6" descr="プレイ画面イメージ-01.png"/>
           <p:cNvPicPr>
             <a:picLocks noChangeAspect="1"/>
           </p:cNvPicPr>
@@ -6422,8 +6790,8 @@
         </p:blipFill>
         <p:spPr>
           <a:xfrm>
-            <a:off x="6064982" y="2908424"/>
-            <a:ext cx="2849118" cy="1895643"/>
+            <a:off x="207681" y="1467224"/>
+            <a:ext cx="2770209" cy="2770209"/>
           </a:xfrm>
           <a:prstGeom prst="rect">
             <a:avLst/>
@@ -6432,14 +6800,14 @@
       </p:pic>
       <p:pic>
         <p:nvPicPr>
-          <p:cNvPr id="7" name="図 6" descr="プレイ画面イメージ-01.png"/>
+          <p:cNvPr id="8" name="図 7" descr="game-operation.jpg"/>
           <p:cNvPicPr>
             <a:picLocks noChangeAspect="1"/>
           </p:cNvPicPr>
           <p:nvPr/>
         </p:nvPicPr>
         <p:blipFill>
-          <a:blip r:embed="rId4" cstate="print">
+          <a:blip r:embed="rId4">
             <a:extLst>
               <a:ext uri="{28A0092B-C50C-407E-A947-70E740481C1C}">
                 <a14:useLocalDpi xmlns:a14="http://schemas.microsoft.com/office/drawing/2010/main" val="0"/>
@@ -6452,8 +6820,8 @@
         </p:blipFill>
         <p:spPr>
           <a:xfrm>
-            <a:off x="251796" y="1482679"/>
-            <a:ext cx="2520690" cy="2520690"/>
+            <a:off x="3153051" y="2009222"/>
+            <a:ext cx="5657213" cy="1697164"/>
           </a:xfrm>
           <a:prstGeom prst="rect">
             <a:avLst/>
@@ -6648,6 +7016,94 @@
                                         </p:tav>
                                       </p:tavLst>
                                     </p:anim>
+                                  </p:childTnLst>
+                                </p:cTn>
+                              </p:par>
+                            </p:childTnLst>
+                          </p:cTn>
+                        </p:par>
+                      </p:childTnLst>
+                    </p:cTn>
+                  </p:par>
+                  <p:par>
+                    <p:cTn id="12" fill="hold">
+                      <p:stCondLst>
+                        <p:cond delay="indefinite"/>
+                      </p:stCondLst>
+                      <p:childTnLst>
+                        <p:par>
+                          <p:cTn id="13" fill="hold">
+                            <p:stCondLst>
+                              <p:cond delay="0"/>
+                            </p:stCondLst>
+                            <p:childTnLst>
+                              <p:par>
+                                <p:cTn id="14" presetID="22" presetClass="entr" presetSubtype="4" fill="hold" nodeType="clickEffect">
+                                  <p:stCondLst>
+                                    <p:cond delay="0"/>
+                                  </p:stCondLst>
+                                  <p:childTnLst>
+                                    <p:set>
+                                      <p:cBhvr>
+                                        <p:cTn id="15" dur="1" fill="hold">
+                                          <p:stCondLst>
+                                            <p:cond delay="0"/>
+                                          </p:stCondLst>
+                                        </p:cTn>
+                                        <p:tgtEl>
+                                          <p:spTgt spid="7"/>
+                                        </p:tgtEl>
+                                        <p:attrNameLst>
+                                          <p:attrName>style.visibility</p:attrName>
+                                        </p:attrNameLst>
+                                      </p:cBhvr>
+                                      <p:to>
+                                        <p:strVal val="visible"/>
+                                      </p:to>
+                                    </p:set>
+                                    <p:animEffect transition="in" filter="wipe(down)">
+                                      <p:cBhvr>
+                                        <p:cTn id="16" dur="500"/>
+                                        <p:tgtEl>
+                                          <p:spTgt spid="7"/>
+                                        </p:tgtEl>
+                                      </p:cBhvr>
+                                    </p:animEffect>
+                                  </p:childTnLst>
+                                </p:cTn>
+                              </p:par>
+                              <p:par>
+                                <p:cTn id="17" presetID="22" presetClass="entr" presetSubtype="4" fill="hold" nodeType="withEffect">
+                                  <p:stCondLst>
+                                    <p:cond delay="0"/>
+                                  </p:stCondLst>
+                                  <p:childTnLst>
+                                    <p:set>
+                                      <p:cBhvr>
+                                        <p:cTn id="18" dur="1" fill="hold">
+                                          <p:stCondLst>
+                                            <p:cond delay="0"/>
+                                          </p:stCondLst>
+                                        </p:cTn>
+                                        <p:tgtEl>
+                                          <p:spTgt spid="8"/>
+                                        </p:tgtEl>
+                                        <p:attrNameLst>
+                                          <p:attrName>style.visibility</p:attrName>
+                                        </p:attrNameLst>
+                                      </p:cBhvr>
+                                      <p:to>
+                                        <p:strVal val="visible"/>
+                                      </p:to>
+                                    </p:set>
+                                    <p:animEffect transition="in" filter="wipe(down)">
+                                      <p:cBhvr>
+                                        <p:cTn id="19" dur="500"/>
+                                        <p:tgtEl>
+                                          <p:spTgt spid="8"/>
+                                        </p:tgtEl>
+                                      </p:cBhvr>
+                                    </p:animEffect>
                                   </p:childTnLst>
                                 </p:cTn>
                               </p:par>
@@ -8443,6 +8899,79 @@
                                   </p:childTnLst>
                                 </p:cTn>
                               </p:par>
+                              <p:par>
+                                <p:cTn id="16" presetID="2" presetClass="entr" presetSubtype="4" fill="hold" nodeType="withEffect">
+                                  <p:stCondLst>
+                                    <p:cond delay="0"/>
+                                  </p:stCondLst>
+                                  <p:childTnLst>
+                                    <p:set>
+                                      <p:cBhvr>
+                                        <p:cTn id="17" dur="1" fill="hold">
+                                          <p:stCondLst>
+                                            <p:cond delay="0"/>
+                                          </p:stCondLst>
+                                        </p:cTn>
+                                        <p:tgtEl>
+                                          <p:spTgt spid="4"/>
+                                        </p:tgtEl>
+                                        <p:attrNameLst>
+                                          <p:attrName>style.visibility</p:attrName>
+                                        </p:attrNameLst>
+                                      </p:cBhvr>
+                                      <p:to>
+                                        <p:strVal val="visible"/>
+                                      </p:to>
+                                    </p:set>
+                                    <p:anim calcmode="lin" valueType="num">
+                                      <p:cBhvr additive="base">
+                                        <p:cTn id="18" dur="500" fill="hold"/>
+                                        <p:tgtEl>
+                                          <p:spTgt spid="4"/>
+                                        </p:tgtEl>
+                                        <p:attrNameLst>
+                                          <p:attrName>ppt_x</p:attrName>
+                                        </p:attrNameLst>
+                                      </p:cBhvr>
+                                      <p:tavLst>
+                                        <p:tav tm="0">
+                                          <p:val>
+                                            <p:strVal val="#ppt_x"/>
+                                          </p:val>
+                                        </p:tav>
+                                        <p:tav tm="100000">
+                                          <p:val>
+                                            <p:strVal val="#ppt_x"/>
+                                          </p:val>
+                                        </p:tav>
+                                      </p:tavLst>
+                                    </p:anim>
+                                    <p:anim calcmode="lin" valueType="num">
+                                      <p:cBhvr additive="base">
+                                        <p:cTn id="19" dur="500" fill="hold"/>
+                                        <p:tgtEl>
+                                          <p:spTgt spid="4"/>
+                                        </p:tgtEl>
+                                        <p:attrNameLst>
+                                          <p:attrName>ppt_y</p:attrName>
+                                        </p:attrNameLst>
+                                      </p:cBhvr>
+                                      <p:tavLst>
+                                        <p:tav tm="0">
+                                          <p:val>
+                                            <p:strVal val="1+#ppt_h/2"/>
+                                          </p:val>
+                                        </p:tav>
+                                        <p:tav tm="100000">
+                                          <p:val>
+                                            <p:strVal val="#ppt_y"/>
+                                          </p:val>
+                                        </p:tav>
+                                      </p:tavLst>
+                                    </p:anim>
+                                  </p:childTnLst>
+                                </p:cTn>
+                              </p:par>
                             </p:childTnLst>
                           </p:cTn>
                         </p:par>
@@ -8450,26 +8979,26 @@
                     </p:cTn>
                   </p:par>
                   <p:par>
-                    <p:cTn id="16" fill="hold">
+                    <p:cTn id="20" fill="hold">
                       <p:stCondLst>
                         <p:cond delay="indefinite"/>
                       </p:stCondLst>
                       <p:childTnLst>
                         <p:par>
-                          <p:cTn id="17" fill="hold">
+                          <p:cTn id="21" fill="hold">
                             <p:stCondLst>
                               <p:cond delay="0"/>
                             </p:stCondLst>
                             <p:childTnLst>
                               <p:par>
-                                <p:cTn id="18" presetID="2" presetClass="entr" presetSubtype="4" fill="hold" grpId="0" nodeType="clickEffect">
+                                <p:cTn id="22" presetID="2" presetClass="entr" presetSubtype="4" fill="hold" grpId="0" nodeType="clickEffect">
                                   <p:stCondLst>
                                     <p:cond delay="0"/>
                                   </p:stCondLst>
                                   <p:childTnLst>
                                     <p:set>
                                       <p:cBhvr>
-                                        <p:cTn id="19" dur="1" fill="hold">
+                                        <p:cTn id="23" dur="1" fill="hold">
                                           <p:stCondLst>
                                             <p:cond delay="0"/>
                                           </p:stCondLst>
@@ -8491,7 +9020,7 @@
                                     </p:set>
                                     <p:anim calcmode="lin" valueType="num">
                                       <p:cBhvr additive="base">
-                                        <p:cTn id="20" dur="500" fill="hold"/>
+                                        <p:cTn id="24" dur="500" fill="hold"/>
                                         <p:tgtEl>
                                           <p:spTgt spid="3">
                                             <p:txEl>
@@ -8518,7 +9047,7 @@
                                     </p:anim>
                                     <p:anim calcmode="lin" valueType="num">
                                       <p:cBhvr additive="base">
-                                        <p:cTn id="21" dur="500" fill="hold"/>
+                                        <p:cTn id="25" dur="500" fill="hold"/>
                                         <p:tgtEl>
                                           <p:spTgt spid="3">
                                             <p:txEl>

--- a/発表資料/プレゼンテーション資料.pptx
+++ b/発表資料/プレゼンテーション資料.pptx
@@ -2,10 +2,10 @@
 <file path=ppt/presentation.xml><?xml version="1.0" encoding="utf-8"?>
 <p:presentation xmlns:a="http://schemas.openxmlformats.org/drawingml/2006/main" xmlns:r="http://schemas.openxmlformats.org/officeDocument/2006/relationships" xmlns:p="http://schemas.openxmlformats.org/presentationml/2006/main" saveSubsetFonts="1">
   <p:sldMasterIdLst>
-    <p:sldMasterId id="2147483660" r:id="rId1"/>
+    <p:sldMasterId id="2147483684" r:id="rId1"/>
   </p:sldMasterIdLst>
   <p:notesMasterIdLst>
-    <p:notesMasterId r:id="rId12"/>
+    <p:notesMasterId r:id="rId13"/>
   </p:notesMasterIdLst>
   <p:sldIdLst>
     <p:sldId id="256" r:id="rId2"/>
@@ -15,9 +15,10 @@
     <p:sldId id="259" r:id="rId6"/>
     <p:sldId id="260" r:id="rId7"/>
     <p:sldId id="261" r:id="rId8"/>
-    <p:sldId id="262" r:id="rId9"/>
-    <p:sldId id="264" r:id="rId10"/>
-    <p:sldId id="265" r:id="rId11"/>
+    <p:sldId id="267" r:id="rId9"/>
+    <p:sldId id="262" r:id="rId10"/>
+    <p:sldId id="264" r:id="rId11"/>
+    <p:sldId id="265" r:id="rId12"/>
   </p:sldIdLst>
   <p:sldSz cx="9144000" cy="5143500" type="screen16x9"/>
   <p:notesSz cx="6858000" cy="9144000"/>
@@ -433,7 +434,7 @@
           <a:p>
             <a:fld id="{21D47EDA-1B2D-4A4B-9C7B-E030AE7DFBF8}" type="datetimeFigureOut">
               <a:rPr kumimoji="1" lang="ja-JP" altLang="en-US" smtClean="0"/>
-              <a:t>19/10/01</a:t>
+              <a:t>19/10/03</a:t>
             </a:fld>
             <a:endParaRPr kumimoji="1" lang="ja-JP" altLang="en-US"/>
           </a:p>
@@ -903,7 +904,7 @@
 
 <file path=ppt/slideLayouts/slideLayout1.xml><?xml version="1.0" encoding="utf-8"?>
 <p:sldLayout xmlns:a="http://schemas.openxmlformats.org/drawingml/2006/main" xmlns:r="http://schemas.openxmlformats.org/officeDocument/2006/relationships" xmlns:p="http://schemas.openxmlformats.org/presentationml/2006/main" type="title" preserve="1">
-  <p:cSld name="Title Slide">
+  <p:cSld name="タイトル スライド">
     <p:spTree>
       <p:nvGrpSpPr>
         <p:cNvPr id="1" name=""/>
@@ -943,8 +944,8 @@
           </a:lstStyle>
           <a:p>
             <a:r>
-              <a:rPr lang="en-US" dirty="0" smtClean="0"/>
-              <a:t>Click to edit Master title style</a:t>
+              <a:rPr lang="ja-JP" altLang="en-US" smtClean="0"/>
+              <a:t>マスター タイトルの書式設定</a:t>
             </a:r>
             <a:endParaRPr lang="en-US" dirty="0"/>
           </a:p>
@@ -1062,8 +1063,8 @@
           </a:lstStyle>
           <a:p>
             <a:r>
-              <a:rPr lang="en-US" dirty="0" smtClean="0"/>
-              <a:t>Click to edit Master subtitle style</a:t>
+              <a:rPr lang="ja-JP" altLang="en-US" smtClean="0"/>
+              <a:t>マスター サブタイトルの書式設定</a:t>
             </a:r>
             <a:endParaRPr lang="en-US" dirty="0"/>
           </a:p>
@@ -1087,7 +1088,7 @@
             <a:fld id="{8E36636D-D922-432D-A958-524484B5923D}" type="datetimeFigureOut">
               <a:rPr lang="en-US" smtClean="0"/>
               <a:pPr/>
-              <a:t>19/10/01</a:t>
+              <a:t>19/10/03</a:t>
             </a:fld>
             <a:endParaRPr lang="en-US"/>
           </a:p>
@@ -1108,7 +1109,7 @@
           <a:bodyPr/>
           <a:lstStyle/>
           <a:p>
-            <a:endParaRPr lang="en-US"/>
+            <a:endParaRPr lang="en-US" dirty="0"/>
           </a:p>
         </p:txBody>
       </p:sp>
@@ -1146,7 +1147,7 @@
 
 <file path=ppt/slideLayouts/slideLayout10.xml><?xml version="1.0" encoding="utf-8"?>
 <p:sldLayout xmlns:a="http://schemas.openxmlformats.org/drawingml/2006/main" xmlns:r="http://schemas.openxmlformats.org/officeDocument/2006/relationships" xmlns:p="http://schemas.openxmlformats.org/presentationml/2006/main" type="vertTx" preserve="1">
-  <p:cSld name="Title and Vertical Text">
+  <p:cSld name="タイトルと縦書きテキスト">
     <p:spTree>
       <p:nvGrpSpPr>
         <p:cNvPr id="1" name=""/>
@@ -1177,8 +1178,8 @@
           <a:lstStyle/>
           <a:p>
             <a:r>
-              <a:rPr lang="en-US" smtClean="0"/>
-              <a:t>Click to edit Master title style</a:t>
+              <a:rPr lang="ja-JP" altLang="en-US" smtClean="0"/>
+              <a:t>マスター タイトルの書式設定</a:t>
             </a:r>
             <a:endParaRPr lang="en-US"/>
           </a:p>
@@ -1201,36 +1202,68 @@
           <a:p>
             <a:pPr lvl="0"/>
             <a:r>
-              <a:rPr lang="en-US" smtClean="0"/>
-              <a:t>Click to edit Master text styles</a:t>
+              <a:rPr lang="ja-JP" altLang="en-US" smtClean="0"/>
+              <a:t>マスター テキストの書式設定</a:t>
             </a:r>
           </a:p>
           <a:p>
             <a:pPr lvl="1"/>
             <a:r>
-              <a:rPr lang="en-US" smtClean="0"/>
-              <a:t>Second level</a:t>
+              <a:rPr lang="ja-JP" altLang="en-US" smtClean="0"/>
+              <a:t>第 </a:t>
+            </a:r>
+            <a:r>
+              <a:rPr lang="en-US" altLang="ja-JP" smtClean="0"/>
+              <a:t>2 </a:t>
+            </a:r>
+            <a:r>
+              <a:rPr lang="ja-JP" altLang="en-US" smtClean="0"/>
+              <a:t>レベル</a:t>
             </a:r>
           </a:p>
           <a:p>
             <a:pPr lvl="2"/>
             <a:r>
-              <a:rPr lang="en-US" smtClean="0"/>
-              <a:t>Third level</a:t>
+              <a:rPr lang="ja-JP" altLang="en-US" smtClean="0"/>
+              <a:t>第 </a:t>
+            </a:r>
+            <a:r>
+              <a:rPr lang="en-US" altLang="ja-JP" smtClean="0"/>
+              <a:t>3 </a:t>
+            </a:r>
+            <a:r>
+              <a:rPr lang="ja-JP" altLang="en-US" smtClean="0"/>
+              <a:t>レベル</a:t>
             </a:r>
           </a:p>
           <a:p>
             <a:pPr lvl="3"/>
             <a:r>
-              <a:rPr lang="en-US" smtClean="0"/>
-              <a:t>Fourth level</a:t>
+              <a:rPr lang="ja-JP" altLang="en-US" smtClean="0"/>
+              <a:t>第 </a:t>
+            </a:r>
+            <a:r>
+              <a:rPr lang="en-US" altLang="ja-JP" smtClean="0"/>
+              <a:t>4 </a:t>
+            </a:r>
+            <a:r>
+              <a:rPr lang="ja-JP" altLang="en-US" smtClean="0"/>
+              <a:t>レベル</a:t>
             </a:r>
           </a:p>
           <a:p>
             <a:pPr lvl="4"/>
             <a:r>
-              <a:rPr lang="en-US" smtClean="0"/>
-              <a:t>Fifth level</a:t>
+              <a:rPr lang="ja-JP" altLang="en-US" smtClean="0"/>
+              <a:t>第 </a:t>
+            </a:r>
+            <a:r>
+              <a:rPr lang="en-US" altLang="ja-JP" smtClean="0"/>
+              <a:t>5 </a:t>
+            </a:r>
+            <a:r>
+              <a:rPr lang="ja-JP" altLang="en-US" smtClean="0"/>
+              <a:t>レベル</a:t>
             </a:r>
             <a:endParaRPr lang="en-US"/>
           </a:p>
@@ -1254,7 +1287,7 @@
             <a:fld id="{8E36636D-D922-432D-A958-524484B5923D}" type="datetimeFigureOut">
               <a:rPr lang="en-US" smtClean="0"/>
               <a:pPr/>
-              <a:t>19/10/01</a:t>
+              <a:t>19/10/03</a:t>
             </a:fld>
             <a:endParaRPr lang="en-US"/>
           </a:p>
@@ -1275,7 +1308,7 @@
           <a:bodyPr/>
           <a:lstStyle/>
           <a:p>
-            <a:endParaRPr lang="en-US"/>
+            <a:endParaRPr lang="en-US" dirty="0"/>
           </a:p>
         </p:txBody>
       </p:sp>
@@ -1313,7 +1346,7 @@
 
 <file path=ppt/slideLayouts/slideLayout11.xml><?xml version="1.0" encoding="utf-8"?>
 <p:sldLayout xmlns:a="http://schemas.openxmlformats.org/drawingml/2006/main" xmlns:r="http://schemas.openxmlformats.org/officeDocument/2006/relationships" xmlns:p="http://schemas.openxmlformats.org/presentationml/2006/main" type="vertTitleAndTx" preserve="1">
-  <p:cSld name="Vertical Title and Text">
+  <p:cSld name="縦書きタイトルと縦書きテキスト">
     <p:spTree>
       <p:nvGrpSpPr>
         <p:cNvPr id="1" name=""/>
@@ -1349,8 +1382,8 @@
           <a:lstStyle/>
           <a:p>
             <a:r>
-              <a:rPr lang="en-US" dirty="0" smtClean="0"/>
-              <a:t>Click to edit Master title style</a:t>
+              <a:rPr lang="ja-JP" altLang="en-US" smtClean="0"/>
+              <a:t>マスター タイトルの書式設定</a:t>
             </a:r>
             <a:endParaRPr lang="en-US" dirty="0"/>
           </a:p>
@@ -1378,36 +1411,68 @@
           <a:p>
             <a:pPr lvl="0"/>
             <a:r>
-              <a:rPr lang="en-US" dirty="0" smtClean="0"/>
-              <a:t>Click to edit Master text styles</a:t>
+              <a:rPr lang="ja-JP" altLang="en-US" smtClean="0"/>
+              <a:t>マスター テキストの書式設定</a:t>
             </a:r>
           </a:p>
           <a:p>
             <a:pPr lvl="1"/>
             <a:r>
-              <a:rPr lang="en-US" dirty="0" smtClean="0"/>
-              <a:t>Second level</a:t>
+              <a:rPr lang="ja-JP" altLang="en-US" smtClean="0"/>
+              <a:t>第 </a:t>
+            </a:r>
+            <a:r>
+              <a:rPr lang="en-US" altLang="ja-JP" smtClean="0"/>
+              <a:t>2 </a:t>
+            </a:r>
+            <a:r>
+              <a:rPr lang="ja-JP" altLang="en-US" smtClean="0"/>
+              <a:t>レベル</a:t>
             </a:r>
           </a:p>
           <a:p>
             <a:pPr lvl="2"/>
             <a:r>
-              <a:rPr lang="en-US" dirty="0" smtClean="0"/>
-              <a:t>Third level</a:t>
+              <a:rPr lang="ja-JP" altLang="en-US" smtClean="0"/>
+              <a:t>第 </a:t>
+            </a:r>
+            <a:r>
+              <a:rPr lang="en-US" altLang="ja-JP" smtClean="0"/>
+              <a:t>3 </a:t>
+            </a:r>
+            <a:r>
+              <a:rPr lang="ja-JP" altLang="en-US" smtClean="0"/>
+              <a:t>レベル</a:t>
             </a:r>
           </a:p>
           <a:p>
             <a:pPr lvl="3"/>
             <a:r>
-              <a:rPr lang="en-US" dirty="0" smtClean="0"/>
-              <a:t>Fourth level</a:t>
+              <a:rPr lang="ja-JP" altLang="en-US" smtClean="0"/>
+              <a:t>第 </a:t>
+            </a:r>
+            <a:r>
+              <a:rPr lang="en-US" altLang="ja-JP" smtClean="0"/>
+              <a:t>4 </a:t>
+            </a:r>
+            <a:r>
+              <a:rPr lang="ja-JP" altLang="en-US" smtClean="0"/>
+              <a:t>レベル</a:t>
             </a:r>
           </a:p>
           <a:p>
             <a:pPr lvl="4"/>
             <a:r>
-              <a:rPr lang="en-US" dirty="0" smtClean="0"/>
-              <a:t>Fifth level</a:t>
+              <a:rPr lang="ja-JP" altLang="en-US" smtClean="0"/>
+              <a:t>第 </a:t>
+            </a:r>
+            <a:r>
+              <a:rPr lang="en-US" altLang="ja-JP" smtClean="0"/>
+              <a:t>5 </a:t>
+            </a:r>
+            <a:r>
+              <a:rPr lang="ja-JP" altLang="en-US" smtClean="0"/>
+              <a:t>レベル</a:t>
             </a:r>
             <a:endParaRPr lang="en-US" dirty="0"/>
           </a:p>
@@ -1431,7 +1496,7 @@
             <a:fld id="{8E36636D-D922-432D-A958-524484B5923D}" type="datetimeFigureOut">
               <a:rPr lang="en-US" smtClean="0"/>
               <a:pPr/>
-              <a:t>19/10/01</a:t>
+              <a:t>19/10/03</a:t>
             </a:fld>
             <a:endParaRPr lang="en-US"/>
           </a:p>
@@ -1452,7 +1517,7 @@
           <a:bodyPr/>
           <a:lstStyle/>
           <a:p>
-            <a:endParaRPr lang="en-US"/>
+            <a:endParaRPr lang="en-US" dirty="0"/>
           </a:p>
         </p:txBody>
       </p:sp>
@@ -1490,7 +1555,7 @@
 
 <file path=ppt/slideLayouts/slideLayout2.xml><?xml version="1.0" encoding="utf-8"?>
 <p:sldLayout xmlns:a="http://schemas.openxmlformats.org/drawingml/2006/main" xmlns:r="http://schemas.openxmlformats.org/officeDocument/2006/relationships" xmlns:p="http://schemas.openxmlformats.org/presentationml/2006/main" type="obj" preserve="1">
-  <p:cSld name="Title and Content">
+  <p:cSld name="タイトルとコンテンツ">
     <p:spTree>
       <p:nvGrpSpPr>
         <p:cNvPr id="1" name=""/>
@@ -1521,8 +1586,8 @@
           <a:lstStyle/>
           <a:p>
             <a:r>
-              <a:rPr lang="en-US" dirty="0" smtClean="0"/>
-              <a:t>Click to edit Master title style</a:t>
+              <a:rPr lang="ja-JP" altLang="en-US" smtClean="0"/>
+              <a:t>マスター タイトルの書式設定</a:t>
             </a:r>
             <a:endParaRPr lang="en-US" dirty="0"/>
           </a:p>
@@ -1545,36 +1610,68 @@
           <a:p>
             <a:pPr lvl="0"/>
             <a:r>
-              <a:rPr lang="en-US" dirty="0" smtClean="0"/>
-              <a:t>Click to edit Master text styles</a:t>
+              <a:rPr lang="ja-JP" altLang="en-US" smtClean="0"/>
+              <a:t>マスター テキストの書式設定</a:t>
             </a:r>
           </a:p>
           <a:p>
             <a:pPr lvl="1"/>
             <a:r>
-              <a:rPr lang="en-US" dirty="0" smtClean="0"/>
-              <a:t>Second level</a:t>
+              <a:rPr lang="ja-JP" altLang="en-US" smtClean="0"/>
+              <a:t>第 </a:t>
+            </a:r>
+            <a:r>
+              <a:rPr lang="en-US" altLang="ja-JP" smtClean="0"/>
+              <a:t>2 </a:t>
+            </a:r>
+            <a:r>
+              <a:rPr lang="ja-JP" altLang="en-US" smtClean="0"/>
+              <a:t>レベル</a:t>
             </a:r>
           </a:p>
           <a:p>
             <a:pPr lvl="2"/>
             <a:r>
-              <a:rPr lang="en-US" dirty="0" smtClean="0"/>
-              <a:t>Third level</a:t>
+              <a:rPr lang="ja-JP" altLang="en-US" smtClean="0"/>
+              <a:t>第 </a:t>
+            </a:r>
+            <a:r>
+              <a:rPr lang="en-US" altLang="ja-JP" smtClean="0"/>
+              <a:t>3 </a:t>
+            </a:r>
+            <a:r>
+              <a:rPr lang="ja-JP" altLang="en-US" smtClean="0"/>
+              <a:t>レベル</a:t>
             </a:r>
           </a:p>
           <a:p>
             <a:pPr lvl="3"/>
             <a:r>
-              <a:rPr lang="en-US" dirty="0" smtClean="0"/>
-              <a:t>Fourth level</a:t>
+              <a:rPr lang="ja-JP" altLang="en-US" smtClean="0"/>
+              <a:t>第 </a:t>
+            </a:r>
+            <a:r>
+              <a:rPr lang="en-US" altLang="ja-JP" smtClean="0"/>
+              <a:t>4 </a:t>
+            </a:r>
+            <a:r>
+              <a:rPr lang="ja-JP" altLang="en-US" smtClean="0"/>
+              <a:t>レベル</a:t>
             </a:r>
           </a:p>
           <a:p>
             <a:pPr lvl="4"/>
             <a:r>
-              <a:rPr lang="en-US" dirty="0" smtClean="0"/>
-              <a:t>Fifth level</a:t>
+              <a:rPr lang="ja-JP" altLang="en-US" smtClean="0"/>
+              <a:t>第 </a:t>
+            </a:r>
+            <a:r>
+              <a:rPr lang="en-US" altLang="ja-JP" smtClean="0"/>
+              <a:t>5 </a:t>
+            </a:r>
+            <a:r>
+              <a:rPr lang="ja-JP" altLang="en-US" smtClean="0"/>
+              <a:t>レベル</a:t>
             </a:r>
             <a:endParaRPr lang="en-US" dirty="0"/>
           </a:p>
@@ -1598,7 +1695,7 @@
             <a:fld id="{8E36636D-D922-432D-A958-524484B5923D}" type="datetimeFigureOut">
               <a:rPr lang="en-US" smtClean="0"/>
               <a:pPr/>
-              <a:t>19/10/01</a:t>
+              <a:t>19/10/03</a:t>
             </a:fld>
             <a:endParaRPr lang="en-US"/>
           </a:p>
@@ -1619,7 +1716,7 @@
           <a:bodyPr/>
           <a:lstStyle/>
           <a:p>
-            <a:endParaRPr lang="en-US"/>
+            <a:endParaRPr lang="en-US" dirty="0"/>
           </a:p>
         </p:txBody>
       </p:sp>
@@ -1657,7 +1754,7 @@
 
 <file path=ppt/slideLayouts/slideLayout3.xml><?xml version="1.0" encoding="utf-8"?>
 <p:sldLayout xmlns:a="http://schemas.openxmlformats.org/drawingml/2006/main" xmlns:r="http://schemas.openxmlformats.org/officeDocument/2006/relationships" xmlns:p="http://schemas.openxmlformats.org/presentationml/2006/main" type="secHead" preserve="1">
-  <p:cSld name="Section Header">
+  <p:cSld name="セクション見出し">
     <p:spTree>
       <p:nvGrpSpPr>
         <p:cNvPr id="1" name=""/>
@@ -1697,8 +1794,8 @@
           </a:lstStyle>
           <a:p>
             <a:r>
-              <a:rPr lang="en-US" dirty="0" smtClean="0"/>
-              <a:t>Click to edit Master title style</a:t>
+              <a:rPr lang="ja-JP" altLang="en-US" smtClean="0"/>
+              <a:t>マスター タイトルの書式設定</a:t>
             </a:r>
             <a:endParaRPr lang="en-US" dirty="0"/>
           </a:p>
@@ -1815,8 +1912,8 @@
           <a:p>
             <a:pPr lvl="0"/>
             <a:r>
-              <a:rPr lang="en-US" dirty="0" smtClean="0"/>
-              <a:t>Click to edit Master text styles</a:t>
+              <a:rPr lang="ja-JP" altLang="en-US" smtClean="0"/>
+              <a:t>マスター テキストの書式設定</a:t>
             </a:r>
           </a:p>
         </p:txBody>
@@ -1839,7 +1936,7 @@
             <a:fld id="{8E36636D-D922-432D-A958-524484B5923D}" type="datetimeFigureOut">
               <a:rPr lang="en-US" smtClean="0"/>
               <a:pPr/>
-              <a:t>19/10/01</a:t>
+              <a:t>19/10/03</a:t>
             </a:fld>
             <a:endParaRPr lang="en-US"/>
           </a:p>
@@ -1860,7 +1957,7 @@
           <a:bodyPr/>
           <a:lstStyle/>
           <a:p>
-            <a:endParaRPr lang="en-US"/>
+            <a:endParaRPr lang="en-US" dirty="0"/>
           </a:p>
         </p:txBody>
       </p:sp>
@@ -1898,7 +1995,7 @@
 
 <file path=ppt/slideLayouts/slideLayout4.xml><?xml version="1.0" encoding="utf-8"?>
 <p:sldLayout xmlns:a="http://schemas.openxmlformats.org/drawingml/2006/main" xmlns:r="http://schemas.openxmlformats.org/officeDocument/2006/relationships" xmlns:p="http://schemas.openxmlformats.org/presentationml/2006/main" type="twoObj" preserve="1">
-  <p:cSld name="Two Content">
+  <p:cSld name="2 つのコンテンツ">
     <p:spTree>
       <p:nvGrpSpPr>
         <p:cNvPr id="1" name=""/>
@@ -1929,8 +2026,8 @@
           <a:lstStyle/>
           <a:p>
             <a:r>
-              <a:rPr lang="en-US" smtClean="0"/>
-              <a:t>Click to edit Master title style</a:t>
+              <a:rPr lang="ja-JP" altLang="en-US" smtClean="0"/>
+              <a:t>マスター タイトルの書式設定</a:t>
             </a:r>
             <a:endParaRPr lang="en-US"/>
           </a:p>
@@ -1986,36 +2083,68 @@
           <a:p>
             <a:pPr lvl="0"/>
             <a:r>
-              <a:rPr lang="en-US" smtClean="0"/>
-              <a:t>Click to edit Master text styles</a:t>
+              <a:rPr lang="ja-JP" altLang="en-US" smtClean="0"/>
+              <a:t>マスター テキストの書式設定</a:t>
             </a:r>
           </a:p>
           <a:p>
             <a:pPr lvl="1"/>
             <a:r>
-              <a:rPr lang="en-US" smtClean="0"/>
-              <a:t>Second level</a:t>
+              <a:rPr lang="ja-JP" altLang="en-US" smtClean="0"/>
+              <a:t>第 </a:t>
+            </a:r>
+            <a:r>
+              <a:rPr lang="en-US" altLang="ja-JP" smtClean="0"/>
+              <a:t>2 </a:t>
+            </a:r>
+            <a:r>
+              <a:rPr lang="ja-JP" altLang="en-US" smtClean="0"/>
+              <a:t>レベル</a:t>
             </a:r>
           </a:p>
           <a:p>
             <a:pPr lvl="2"/>
             <a:r>
-              <a:rPr lang="en-US" smtClean="0"/>
-              <a:t>Third level</a:t>
+              <a:rPr lang="ja-JP" altLang="en-US" smtClean="0"/>
+              <a:t>第 </a:t>
+            </a:r>
+            <a:r>
+              <a:rPr lang="en-US" altLang="ja-JP" smtClean="0"/>
+              <a:t>3 </a:t>
+            </a:r>
+            <a:r>
+              <a:rPr lang="ja-JP" altLang="en-US" smtClean="0"/>
+              <a:t>レベル</a:t>
             </a:r>
           </a:p>
           <a:p>
             <a:pPr lvl="3"/>
             <a:r>
-              <a:rPr lang="en-US" smtClean="0"/>
-              <a:t>Fourth level</a:t>
+              <a:rPr lang="ja-JP" altLang="en-US" smtClean="0"/>
+              <a:t>第 </a:t>
+            </a:r>
+            <a:r>
+              <a:rPr lang="en-US" altLang="ja-JP" smtClean="0"/>
+              <a:t>4 </a:t>
+            </a:r>
+            <a:r>
+              <a:rPr lang="ja-JP" altLang="en-US" smtClean="0"/>
+              <a:t>レベル</a:t>
             </a:r>
           </a:p>
           <a:p>
             <a:pPr lvl="4"/>
             <a:r>
-              <a:rPr lang="en-US" smtClean="0"/>
-              <a:t>Fifth level</a:t>
+              <a:rPr lang="ja-JP" altLang="en-US" smtClean="0"/>
+              <a:t>第 </a:t>
+            </a:r>
+            <a:r>
+              <a:rPr lang="en-US" altLang="ja-JP" smtClean="0"/>
+              <a:t>5 </a:t>
+            </a:r>
+            <a:r>
+              <a:rPr lang="ja-JP" altLang="en-US" smtClean="0"/>
+              <a:t>レベル</a:t>
             </a:r>
             <a:endParaRPr lang="en-US"/>
           </a:p>
@@ -2071,36 +2200,68 @@
           <a:p>
             <a:pPr lvl="0"/>
             <a:r>
-              <a:rPr lang="en-US" smtClean="0"/>
-              <a:t>Click to edit Master text styles</a:t>
+              <a:rPr lang="ja-JP" altLang="en-US" smtClean="0"/>
+              <a:t>マスター テキストの書式設定</a:t>
             </a:r>
           </a:p>
           <a:p>
             <a:pPr lvl="1"/>
             <a:r>
-              <a:rPr lang="en-US" smtClean="0"/>
-              <a:t>Second level</a:t>
+              <a:rPr lang="ja-JP" altLang="en-US" smtClean="0"/>
+              <a:t>第 </a:t>
+            </a:r>
+            <a:r>
+              <a:rPr lang="en-US" altLang="ja-JP" smtClean="0"/>
+              <a:t>2 </a:t>
+            </a:r>
+            <a:r>
+              <a:rPr lang="ja-JP" altLang="en-US" smtClean="0"/>
+              <a:t>レベル</a:t>
             </a:r>
           </a:p>
           <a:p>
             <a:pPr lvl="2"/>
             <a:r>
-              <a:rPr lang="en-US" smtClean="0"/>
-              <a:t>Third level</a:t>
+              <a:rPr lang="ja-JP" altLang="en-US" smtClean="0"/>
+              <a:t>第 </a:t>
+            </a:r>
+            <a:r>
+              <a:rPr lang="en-US" altLang="ja-JP" smtClean="0"/>
+              <a:t>3 </a:t>
+            </a:r>
+            <a:r>
+              <a:rPr lang="ja-JP" altLang="en-US" smtClean="0"/>
+              <a:t>レベル</a:t>
             </a:r>
           </a:p>
           <a:p>
             <a:pPr lvl="3"/>
             <a:r>
-              <a:rPr lang="en-US" smtClean="0"/>
-              <a:t>Fourth level</a:t>
+              <a:rPr lang="ja-JP" altLang="en-US" smtClean="0"/>
+              <a:t>第 </a:t>
+            </a:r>
+            <a:r>
+              <a:rPr lang="en-US" altLang="ja-JP" smtClean="0"/>
+              <a:t>4 </a:t>
+            </a:r>
+            <a:r>
+              <a:rPr lang="ja-JP" altLang="en-US" smtClean="0"/>
+              <a:t>レベル</a:t>
             </a:r>
           </a:p>
           <a:p>
             <a:pPr lvl="4"/>
             <a:r>
-              <a:rPr lang="en-US" smtClean="0"/>
-              <a:t>Fifth level</a:t>
+              <a:rPr lang="ja-JP" altLang="en-US" smtClean="0"/>
+              <a:t>第 </a:t>
+            </a:r>
+            <a:r>
+              <a:rPr lang="en-US" altLang="ja-JP" smtClean="0"/>
+              <a:t>5 </a:t>
+            </a:r>
+            <a:r>
+              <a:rPr lang="ja-JP" altLang="en-US" smtClean="0"/>
+              <a:t>レベル</a:t>
             </a:r>
             <a:endParaRPr lang="en-US"/>
           </a:p>
@@ -2124,7 +2285,7 @@
             <a:fld id="{8E36636D-D922-432D-A958-524484B5923D}" type="datetimeFigureOut">
               <a:rPr lang="en-US" smtClean="0"/>
               <a:pPr/>
-              <a:t>19/10/01</a:t>
+              <a:t>19/10/03</a:t>
             </a:fld>
             <a:endParaRPr lang="en-US"/>
           </a:p>
@@ -2145,7 +2306,7 @@
           <a:bodyPr/>
           <a:lstStyle/>
           <a:p>
-            <a:endParaRPr lang="en-US"/>
+            <a:endParaRPr lang="en-US" dirty="0"/>
           </a:p>
         </p:txBody>
       </p:sp>
@@ -2183,7 +2344,7 @@
 
 <file path=ppt/slideLayouts/slideLayout5.xml><?xml version="1.0" encoding="utf-8"?>
 <p:sldLayout xmlns:a="http://schemas.openxmlformats.org/drawingml/2006/main" xmlns:r="http://schemas.openxmlformats.org/officeDocument/2006/relationships" xmlns:p="http://schemas.openxmlformats.org/presentationml/2006/main" type="twoTxTwoObj" preserve="1">
-  <p:cSld name="Comparison">
+  <p:cSld name="比較">
     <p:spTree>
       <p:nvGrpSpPr>
         <p:cNvPr id="1" name=""/>
@@ -2218,8 +2379,8 @@
           </a:lstStyle>
           <a:p>
             <a:r>
-              <a:rPr lang="en-US" dirty="0" smtClean="0"/>
-              <a:t>Click to edit Master title style</a:t>
+              <a:rPr lang="ja-JP" altLang="en-US" smtClean="0"/>
+              <a:t>マスター タイトルの書式設定</a:t>
             </a:r>
             <a:endParaRPr lang="en-US" dirty="0"/>
           </a:p>
@@ -2284,8 +2445,8 @@
           <a:p>
             <a:pPr lvl="0"/>
             <a:r>
-              <a:rPr lang="en-US" dirty="0" smtClean="0"/>
-              <a:t>Click to edit Master text styles</a:t>
+              <a:rPr lang="ja-JP" altLang="en-US" smtClean="0"/>
+              <a:t>マスター テキストの書式設定</a:t>
             </a:r>
           </a:p>
         </p:txBody>
@@ -2340,36 +2501,68 @@
           <a:p>
             <a:pPr lvl="0"/>
             <a:r>
-              <a:rPr lang="en-US" smtClean="0"/>
-              <a:t>Click to edit Master text styles</a:t>
+              <a:rPr lang="ja-JP" altLang="en-US" smtClean="0"/>
+              <a:t>マスター テキストの書式設定</a:t>
             </a:r>
           </a:p>
           <a:p>
             <a:pPr lvl="1"/>
             <a:r>
-              <a:rPr lang="en-US" smtClean="0"/>
-              <a:t>Second level</a:t>
+              <a:rPr lang="ja-JP" altLang="en-US" smtClean="0"/>
+              <a:t>第 </a:t>
+            </a:r>
+            <a:r>
+              <a:rPr lang="en-US" altLang="ja-JP" smtClean="0"/>
+              <a:t>2 </a:t>
+            </a:r>
+            <a:r>
+              <a:rPr lang="ja-JP" altLang="en-US" smtClean="0"/>
+              <a:t>レベル</a:t>
             </a:r>
           </a:p>
           <a:p>
             <a:pPr lvl="2"/>
             <a:r>
-              <a:rPr lang="en-US" smtClean="0"/>
-              <a:t>Third level</a:t>
+              <a:rPr lang="ja-JP" altLang="en-US" smtClean="0"/>
+              <a:t>第 </a:t>
+            </a:r>
+            <a:r>
+              <a:rPr lang="en-US" altLang="ja-JP" smtClean="0"/>
+              <a:t>3 </a:t>
+            </a:r>
+            <a:r>
+              <a:rPr lang="ja-JP" altLang="en-US" smtClean="0"/>
+              <a:t>レベル</a:t>
             </a:r>
           </a:p>
           <a:p>
             <a:pPr lvl="3"/>
             <a:r>
-              <a:rPr lang="en-US" smtClean="0"/>
-              <a:t>Fourth level</a:t>
+              <a:rPr lang="ja-JP" altLang="en-US" smtClean="0"/>
+              <a:t>第 </a:t>
+            </a:r>
+            <a:r>
+              <a:rPr lang="en-US" altLang="ja-JP" smtClean="0"/>
+              <a:t>4 </a:t>
+            </a:r>
+            <a:r>
+              <a:rPr lang="ja-JP" altLang="en-US" smtClean="0"/>
+              <a:t>レベル</a:t>
             </a:r>
           </a:p>
           <a:p>
             <a:pPr lvl="4"/>
             <a:r>
-              <a:rPr lang="en-US" smtClean="0"/>
-              <a:t>Fifth level</a:t>
+              <a:rPr lang="ja-JP" altLang="en-US" smtClean="0"/>
+              <a:t>第 </a:t>
+            </a:r>
+            <a:r>
+              <a:rPr lang="en-US" altLang="ja-JP" smtClean="0"/>
+              <a:t>5 </a:t>
+            </a:r>
+            <a:r>
+              <a:rPr lang="ja-JP" altLang="en-US" smtClean="0"/>
+              <a:t>レベル</a:t>
             </a:r>
             <a:endParaRPr lang="en-US"/>
           </a:p>
@@ -2434,8 +2627,8 @@
           <a:p>
             <a:pPr lvl="0"/>
             <a:r>
-              <a:rPr lang="en-US" dirty="0" smtClean="0"/>
-              <a:t>Click to edit Master text styles</a:t>
+              <a:rPr lang="ja-JP" altLang="en-US" smtClean="0"/>
+              <a:t>マスター テキストの書式設定</a:t>
             </a:r>
           </a:p>
         </p:txBody>
@@ -2490,36 +2683,68 @@
           <a:p>
             <a:pPr lvl="0"/>
             <a:r>
-              <a:rPr lang="en-US" smtClean="0"/>
-              <a:t>Click to edit Master text styles</a:t>
+              <a:rPr lang="ja-JP" altLang="en-US" smtClean="0"/>
+              <a:t>マスター テキストの書式設定</a:t>
             </a:r>
           </a:p>
           <a:p>
             <a:pPr lvl="1"/>
             <a:r>
-              <a:rPr lang="en-US" smtClean="0"/>
-              <a:t>Second level</a:t>
+              <a:rPr lang="ja-JP" altLang="en-US" smtClean="0"/>
+              <a:t>第 </a:t>
+            </a:r>
+            <a:r>
+              <a:rPr lang="en-US" altLang="ja-JP" smtClean="0"/>
+              <a:t>2 </a:t>
+            </a:r>
+            <a:r>
+              <a:rPr lang="ja-JP" altLang="en-US" smtClean="0"/>
+              <a:t>レベル</a:t>
             </a:r>
           </a:p>
           <a:p>
             <a:pPr lvl="2"/>
             <a:r>
-              <a:rPr lang="en-US" smtClean="0"/>
-              <a:t>Third level</a:t>
+              <a:rPr lang="ja-JP" altLang="en-US" smtClean="0"/>
+              <a:t>第 </a:t>
+            </a:r>
+            <a:r>
+              <a:rPr lang="en-US" altLang="ja-JP" smtClean="0"/>
+              <a:t>3 </a:t>
+            </a:r>
+            <a:r>
+              <a:rPr lang="ja-JP" altLang="en-US" smtClean="0"/>
+              <a:t>レベル</a:t>
             </a:r>
           </a:p>
           <a:p>
             <a:pPr lvl="3"/>
             <a:r>
-              <a:rPr lang="en-US" smtClean="0"/>
-              <a:t>Fourth level</a:t>
+              <a:rPr lang="ja-JP" altLang="en-US" smtClean="0"/>
+              <a:t>第 </a:t>
+            </a:r>
+            <a:r>
+              <a:rPr lang="en-US" altLang="ja-JP" smtClean="0"/>
+              <a:t>4 </a:t>
+            </a:r>
+            <a:r>
+              <a:rPr lang="ja-JP" altLang="en-US" smtClean="0"/>
+              <a:t>レベル</a:t>
             </a:r>
           </a:p>
           <a:p>
             <a:pPr lvl="4"/>
             <a:r>
-              <a:rPr lang="en-US" smtClean="0"/>
-              <a:t>Fifth level</a:t>
+              <a:rPr lang="ja-JP" altLang="en-US" smtClean="0"/>
+              <a:t>第 </a:t>
+            </a:r>
+            <a:r>
+              <a:rPr lang="en-US" altLang="ja-JP" smtClean="0"/>
+              <a:t>5 </a:t>
+            </a:r>
+            <a:r>
+              <a:rPr lang="ja-JP" altLang="en-US" smtClean="0"/>
+              <a:t>レベル</a:t>
             </a:r>
             <a:endParaRPr lang="en-US"/>
           </a:p>
@@ -2543,7 +2768,7 @@
             <a:fld id="{8E36636D-D922-432D-A958-524484B5923D}" type="datetimeFigureOut">
               <a:rPr lang="en-US" smtClean="0"/>
               <a:pPr/>
-              <a:t>19/10/01</a:t>
+              <a:t>19/10/03</a:t>
             </a:fld>
             <a:endParaRPr lang="en-US"/>
           </a:p>
@@ -2564,7 +2789,7 @@
           <a:bodyPr/>
           <a:lstStyle/>
           <a:p>
-            <a:endParaRPr lang="en-US"/>
+            <a:endParaRPr lang="en-US" dirty="0"/>
           </a:p>
         </p:txBody>
       </p:sp>
@@ -2602,7 +2827,7 @@
 
 <file path=ppt/slideLayouts/slideLayout6.xml><?xml version="1.0" encoding="utf-8"?>
 <p:sldLayout xmlns:a="http://schemas.openxmlformats.org/drawingml/2006/main" xmlns:r="http://schemas.openxmlformats.org/officeDocument/2006/relationships" xmlns:p="http://schemas.openxmlformats.org/presentationml/2006/main" type="titleOnly" preserve="1">
-  <p:cSld name="Title Only">
+  <p:cSld name="タイトルのみ">
     <p:spTree>
       <p:nvGrpSpPr>
         <p:cNvPr id="1" name=""/>
@@ -2633,8 +2858,8 @@
           <a:lstStyle/>
           <a:p>
             <a:r>
-              <a:rPr lang="en-US" smtClean="0"/>
-              <a:t>Click to edit Master title style</a:t>
+              <a:rPr lang="ja-JP" altLang="en-US" smtClean="0"/>
+              <a:t>マスター タイトルの書式設定</a:t>
             </a:r>
             <a:endParaRPr lang="en-US"/>
           </a:p>
@@ -2658,7 +2883,7 @@
             <a:fld id="{8E36636D-D922-432D-A958-524484B5923D}" type="datetimeFigureOut">
               <a:rPr lang="en-US" smtClean="0"/>
               <a:pPr/>
-              <a:t>19/10/01</a:t>
+              <a:t>19/10/03</a:t>
             </a:fld>
             <a:endParaRPr lang="en-US"/>
           </a:p>
@@ -2679,7 +2904,7 @@
           <a:bodyPr/>
           <a:lstStyle/>
           <a:p>
-            <a:endParaRPr lang="en-US"/>
+            <a:endParaRPr lang="en-US" dirty="0"/>
           </a:p>
         </p:txBody>
       </p:sp>
@@ -2717,7 +2942,7 @@
 
 <file path=ppt/slideLayouts/slideLayout7.xml><?xml version="1.0" encoding="utf-8"?>
 <p:sldLayout xmlns:a="http://schemas.openxmlformats.org/drawingml/2006/main" xmlns:r="http://schemas.openxmlformats.org/officeDocument/2006/relationships" xmlns:p="http://schemas.openxmlformats.org/presentationml/2006/main" type="blank" preserve="1">
-  <p:cSld name="Blank">
+  <p:cSld name="白紙">
     <p:spTree>
       <p:nvGrpSpPr>
         <p:cNvPr id="1" name=""/>
@@ -2750,7 +2975,7 @@
             <a:fld id="{8E36636D-D922-432D-A958-524484B5923D}" type="datetimeFigureOut">
               <a:rPr lang="en-US" smtClean="0"/>
               <a:pPr/>
-              <a:t>19/10/01</a:t>
+              <a:t>19/10/03</a:t>
             </a:fld>
             <a:endParaRPr lang="en-US"/>
           </a:p>
@@ -2771,7 +2996,7 @@
           <a:bodyPr/>
           <a:lstStyle/>
           <a:p>
-            <a:endParaRPr lang="en-US"/>
+            <a:endParaRPr lang="en-US" dirty="0"/>
           </a:p>
         </p:txBody>
       </p:sp>
@@ -2809,7 +3034,7 @@
 
 <file path=ppt/slideLayouts/slideLayout8.xml><?xml version="1.0" encoding="utf-8"?>
 <p:sldLayout xmlns:a="http://schemas.openxmlformats.org/drawingml/2006/main" xmlns:r="http://schemas.openxmlformats.org/officeDocument/2006/relationships" xmlns:p="http://schemas.openxmlformats.org/presentationml/2006/main" type="objTx" preserve="1">
-  <p:cSld name="Content with Caption">
+  <p:cSld name="タイトル付きのコンテンツ">
     <p:spTree>
       <p:nvGrpSpPr>
         <p:cNvPr id="1" name=""/>
@@ -2849,8 +3074,8 @@
           </a:lstStyle>
           <a:p>
             <a:r>
-              <a:rPr lang="en-US" dirty="0" smtClean="0"/>
-              <a:t>Click to edit Master title style</a:t>
+              <a:rPr lang="ja-JP" altLang="en-US" smtClean="0"/>
+              <a:t>マスター タイトルの書式設定</a:t>
             </a:r>
             <a:endParaRPr lang="en-US" dirty="0"/>
           </a:p>
@@ -2906,36 +3131,68 @@
           <a:p>
             <a:pPr lvl="0"/>
             <a:r>
-              <a:rPr lang="en-US" smtClean="0"/>
-              <a:t>Click to edit Master text styles</a:t>
+              <a:rPr lang="ja-JP" altLang="en-US" smtClean="0"/>
+              <a:t>マスター テキストの書式設定</a:t>
             </a:r>
           </a:p>
           <a:p>
             <a:pPr lvl="1"/>
             <a:r>
-              <a:rPr lang="en-US" smtClean="0"/>
-              <a:t>Second level</a:t>
+              <a:rPr lang="ja-JP" altLang="en-US" smtClean="0"/>
+              <a:t>第 </a:t>
+            </a:r>
+            <a:r>
+              <a:rPr lang="en-US" altLang="ja-JP" smtClean="0"/>
+              <a:t>2 </a:t>
+            </a:r>
+            <a:r>
+              <a:rPr lang="ja-JP" altLang="en-US" smtClean="0"/>
+              <a:t>レベル</a:t>
             </a:r>
           </a:p>
           <a:p>
             <a:pPr lvl="2"/>
             <a:r>
-              <a:rPr lang="en-US" smtClean="0"/>
-              <a:t>Third level</a:t>
+              <a:rPr lang="ja-JP" altLang="en-US" smtClean="0"/>
+              <a:t>第 </a:t>
+            </a:r>
+            <a:r>
+              <a:rPr lang="en-US" altLang="ja-JP" smtClean="0"/>
+              <a:t>3 </a:t>
+            </a:r>
+            <a:r>
+              <a:rPr lang="ja-JP" altLang="en-US" smtClean="0"/>
+              <a:t>レベル</a:t>
             </a:r>
           </a:p>
           <a:p>
             <a:pPr lvl="3"/>
             <a:r>
-              <a:rPr lang="en-US" smtClean="0"/>
-              <a:t>Fourth level</a:t>
+              <a:rPr lang="ja-JP" altLang="en-US" smtClean="0"/>
+              <a:t>第 </a:t>
+            </a:r>
+            <a:r>
+              <a:rPr lang="en-US" altLang="ja-JP" smtClean="0"/>
+              <a:t>4 </a:t>
+            </a:r>
+            <a:r>
+              <a:rPr lang="ja-JP" altLang="en-US" smtClean="0"/>
+              <a:t>レベル</a:t>
             </a:r>
           </a:p>
           <a:p>
             <a:pPr lvl="4"/>
             <a:r>
-              <a:rPr lang="en-US" smtClean="0"/>
-              <a:t>Fifth level</a:t>
+              <a:rPr lang="ja-JP" altLang="en-US" smtClean="0"/>
+              <a:t>第 </a:t>
+            </a:r>
+            <a:r>
+              <a:rPr lang="en-US" altLang="ja-JP" smtClean="0"/>
+              <a:t>5 </a:t>
+            </a:r>
+            <a:r>
+              <a:rPr lang="ja-JP" altLang="en-US" smtClean="0"/>
+              <a:t>レベル</a:t>
             </a:r>
             <a:endParaRPr lang="en-US"/>
           </a:p>
@@ -3007,8 +3264,8 @@
           <a:p>
             <a:pPr lvl="0"/>
             <a:r>
-              <a:rPr lang="en-US" dirty="0" smtClean="0"/>
-              <a:t>Click to edit Master text styles</a:t>
+              <a:rPr lang="ja-JP" altLang="en-US" smtClean="0"/>
+              <a:t>マスター テキストの書式設定</a:t>
             </a:r>
           </a:p>
         </p:txBody>
@@ -3031,7 +3288,7 @@
             <a:fld id="{8E36636D-D922-432D-A958-524484B5923D}" type="datetimeFigureOut">
               <a:rPr lang="en-US" smtClean="0"/>
               <a:pPr/>
-              <a:t>19/10/01</a:t>
+              <a:t>19/10/03</a:t>
             </a:fld>
             <a:endParaRPr lang="en-US"/>
           </a:p>
@@ -3052,7 +3309,7 @@
           <a:bodyPr/>
           <a:lstStyle/>
           <a:p>
-            <a:endParaRPr lang="en-US"/>
+            <a:endParaRPr lang="en-US" dirty="0"/>
           </a:p>
         </p:txBody>
       </p:sp>
@@ -3090,7 +3347,7 @@
 
 <file path=ppt/slideLayouts/slideLayout9.xml><?xml version="1.0" encoding="utf-8"?>
 <p:sldLayout xmlns:a="http://schemas.openxmlformats.org/drawingml/2006/main" xmlns:r="http://schemas.openxmlformats.org/officeDocument/2006/relationships" xmlns:p="http://schemas.openxmlformats.org/presentationml/2006/main" type="picTx" preserve="1">
-  <p:cSld name="Picture with Caption">
+  <p:cSld name="タイトル付きの図">
     <p:spTree>
       <p:nvGrpSpPr>
         <p:cNvPr id="1" name=""/>
@@ -3130,8 +3387,8 @@
           </a:lstStyle>
           <a:p>
             <a:r>
-              <a:rPr lang="en-US" dirty="0" smtClean="0"/>
-              <a:t>Click to edit Master title style</a:t>
+              <a:rPr lang="ja-JP" altLang="en-US" smtClean="0"/>
+              <a:t>マスター タイトルの書式設定</a:t>
             </a:r>
             <a:endParaRPr lang="en-US" dirty="0"/>
           </a:p>
@@ -3195,8 +3452,8 @@
           </a:lstStyle>
           <a:p>
             <a:r>
-              <a:rPr lang="en-US" smtClean="0"/>
-              <a:t>Click icon to add picture</a:t>
+              <a:rPr lang="ja-JP" altLang="en-US" smtClean="0"/>
+              <a:t>プレースホルダーまでドラッグするかアイコンをクリックして図を追加</a:t>
             </a:r>
             <a:endParaRPr lang="en-US"/>
           </a:p>
@@ -3268,8 +3525,8 @@
           <a:p>
             <a:pPr lvl="0"/>
             <a:r>
-              <a:rPr lang="en-US" dirty="0" smtClean="0"/>
-              <a:t>Click to edit Master text styles</a:t>
+              <a:rPr lang="ja-JP" altLang="en-US" smtClean="0"/>
+              <a:t>マスター テキストの書式設定</a:t>
             </a:r>
           </a:p>
         </p:txBody>
@@ -3292,7 +3549,7 @@
             <a:fld id="{8E36636D-D922-432D-A958-524484B5923D}" type="datetimeFigureOut">
               <a:rPr lang="en-US" smtClean="0"/>
               <a:pPr/>
-              <a:t>19/10/01</a:t>
+              <a:t>19/10/03</a:t>
             </a:fld>
             <a:endParaRPr lang="en-US"/>
           </a:p>
@@ -3313,7 +3570,7 @@
           <a:bodyPr/>
           <a:lstStyle/>
           <a:p>
-            <a:endParaRPr lang="en-US"/>
+            <a:endParaRPr lang="en-US" dirty="0"/>
           </a:p>
         </p:txBody>
       </p:sp>
@@ -3397,8 +3654,8 @@
           <a:lstStyle/>
           <a:p>
             <a:r>
-              <a:rPr lang="en-US" dirty="0" smtClean="0"/>
-              <a:t>Click to edit Master title style</a:t>
+              <a:rPr lang="ja-JP" altLang="en-US" smtClean="0"/>
+              <a:t>マスター タイトルの書式設定</a:t>
             </a:r>
             <a:endParaRPr lang="en-US" dirty="0"/>
           </a:p>
@@ -3431,36 +3688,68 @@
           <a:p>
             <a:pPr lvl="0"/>
             <a:r>
-              <a:rPr lang="en-US" dirty="0" smtClean="0"/>
-              <a:t>Click to edit Master text styles</a:t>
+              <a:rPr lang="ja-JP" altLang="en-US" smtClean="0"/>
+              <a:t>マスター テキストの書式設定</a:t>
             </a:r>
           </a:p>
           <a:p>
             <a:pPr lvl="1"/>
             <a:r>
-              <a:rPr lang="en-US" dirty="0" smtClean="0"/>
-              <a:t>Second level</a:t>
+              <a:rPr lang="ja-JP" altLang="en-US" smtClean="0"/>
+              <a:t>第 </a:t>
+            </a:r>
+            <a:r>
+              <a:rPr lang="en-US" altLang="ja-JP" smtClean="0"/>
+              <a:t>2 </a:t>
+            </a:r>
+            <a:r>
+              <a:rPr lang="ja-JP" altLang="en-US" smtClean="0"/>
+              <a:t>レベル</a:t>
             </a:r>
           </a:p>
           <a:p>
             <a:pPr lvl="2"/>
             <a:r>
-              <a:rPr lang="en-US" dirty="0" smtClean="0"/>
-              <a:t>Third level</a:t>
+              <a:rPr lang="ja-JP" altLang="en-US" smtClean="0"/>
+              <a:t>第 </a:t>
+            </a:r>
+            <a:r>
+              <a:rPr lang="en-US" altLang="ja-JP" smtClean="0"/>
+              <a:t>3 </a:t>
+            </a:r>
+            <a:r>
+              <a:rPr lang="ja-JP" altLang="en-US" smtClean="0"/>
+              <a:t>レベル</a:t>
             </a:r>
           </a:p>
           <a:p>
             <a:pPr lvl="3"/>
             <a:r>
-              <a:rPr lang="en-US" dirty="0" smtClean="0"/>
-              <a:t>Fourth level</a:t>
+              <a:rPr lang="ja-JP" altLang="en-US" smtClean="0"/>
+              <a:t>第 </a:t>
+            </a:r>
+            <a:r>
+              <a:rPr lang="en-US" altLang="ja-JP" smtClean="0"/>
+              <a:t>4 </a:t>
+            </a:r>
+            <a:r>
+              <a:rPr lang="ja-JP" altLang="en-US" smtClean="0"/>
+              <a:t>レベル</a:t>
             </a:r>
           </a:p>
           <a:p>
             <a:pPr lvl="4"/>
             <a:r>
-              <a:rPr lang="en-US" dirty="0" smtClean="0"/>
-              <a:t>Fifth level</a:t>
+              <a:rPr lang="ja-JP" altLang="en-US" smtClean="0"/>
+              <a:t>第 </a:t>
+            </a:r>
+            <a:r>
+              <a:rPr lang="en-US" altLang="ja-JP" smtClean="0"/>
+              <a:t>5 </a:t>
+            </a:r>
+            <a:r>
+              <a:rPr lang="ja-JP" altLang="en-US" smtClean="0"/>
+              <a:t>レベル</a:t>
             </a:r>
             <a:endParaRPr lang="en-US" dirty="0"/>
           </a:p>
@@ -3502,7 +3791,7 @@
             <a:fld id="{8E36636D-D922-432D-A958-524484B5923D}" type="datetimeFigureOut">
               <a:rPr lang="en-US" smtClean="0"/>
               <a:pPr/>
-              <a:t>19/10/01</a:t>
+              <a:t>19/10/03</a:t>
             </a:fld>
             <a:endParaRPr lang="en-US"/>
           </a:p>
@@ -3591,17 +3880,17 @@
   </p:cSld>
   <p:clrMap bg1="dk1" tx1="lt1" bg2="dk2" tx2="lt2" accent1="accent1" accent2="accent2" accent3="accent3" accent4="accent4" accent5="accent5" accent6="accent6" hlink="hlink" folHlink="folHlink"/>
   <p:sldLayoutIdLst>
-    <p:sldLayoutId id="2147483661" r:id="rId1"/>
-    <p:sldLayoutId id="2147483662" r:id="rId2"/>
-    <p:sldLayoutId id="2147483663" r:id="rId3"/>
-    <p:sldLayoutId id="2147483664" r:id="rId4"/>
-    <p:sldLayoutId id="2147483665" r:id="rId5"/>
-    <p:sldLayoutId id="2147483666" r:id="rId6"/>
-    <p:sldLayoutId id="2147483667" r:id="rId7"/>
-    <p:sldLayoutId id="2147483668" r:id="rId8"/>
-    <p:sldLayoutId id="2147483669" r:id="rId9"/>
-    <p:sldLayoutId id="2147483670" r:id="rId10"/>
-    <p:sldLayoutId id="2147483671" r:id="rId11"/>
+    <p:sldLayoutId id="2147483685" r:id="rId1"/>
+    <p:sldLayoutId id="2147483686" r:id="rId2"/>
+    <p:sldLayoutId id="2147483687" r:id="rId3"/>
+    <p:sldLayoutId id="2147483688" r:id="rId4"/>
+    <p:sldLayoutId id="2147483689" r:id="rId5"/>
+    <p:sldLayoutId id="2147483690" r:id="rId6"/>
+    <p:sldLayoutId id="2147483691" r:id="rId7"/>
+    <p:sldLayoutId id="2147483692" r:id="rId8"/>
+    <p:sldLayoutId id="2147483693" r:id="rId9"/>
+    <p:sldLayoutId id="2147483694" r:id="rId10"/>
+    <p:sldLayoutId id="2147483695" r:id="rId11"/>
   </p:sldLayoutIdLst>
   <p:txStyles>
     <p:titleStyle>
@@ -3610,7 +3899,7 @@
           <a:spcPct val="0"/>
         </a:spcBef>
         <a:buNone/>
-        <a:defRPr sz="5000" kern="1200">
+        <a:defRPr kumimoji="1" sz="5000" kern="1200">
           <a:solidFill>
             <a:schemeClr val="tx1"/>
           </a:solidFill>
@@ -3620,56 +3909,56 @@
         </a:defRPr>
       </a:lvl1pPr>
       <a:lvl2pPr eaLnBrk="1" hangingPunct="1">
-        <a:defRPr>
+        <a:defRPr kumimoji="1">
           <a:solidFill>
             <a:schemeClr val="tx2"/>
           </a:solidFill>
         </a:defRPr>
       </a:lvl2pPr>
       <a:lvl3pPr eaLnBrk="1" hangingPunct="1">
-        <a:defRPr>
+        <a:defRPr kumimoji="1">
           <a:solidFill>
             <a:schemeClr val="tx2"/>
           </a:solidFill>
         </a:defRPr>
       </a:lvl3pPr>
       <a:lvl4pPr eaLnBrk="1" hangingPunct="1">
-        <a:defRPr>
+        <a:defRPr kumimoji="1">
           <a:solidFill>
             <a:schemeClr val="tx2"/>
           </a:solidFill>
         </a:defRPr>
       </a:lvl4pPr>
       <a:lvl5pPr eaLnBrk="1" hangingPunct="1">
-        <a:defRPr>
+        <a:defRPr kumimoji="1">
           <a:solidFill>
             <a:schemeClr val="tx2"/>
           </a:solidFill>
         </a:defRPr>
       </a:lvl5pPr>
       <a:lvl6pPr eaLnBrk="1" hangingPunct="1">
-        <a:defRPr>
+        <a:defRPr kumimoji="1">
           <a:solidFill>
             <a:schemeClr val="tx2"/>
           </a:solidFill>
         </a:defRPr>
       </a:lvl6pPr>
       <a:lvl7pPr eaLnBrk="1" hangingPunct="1">
-        <a:defRPr>
+        <a:defRPr kumimoji="1">
           <a:solidFill>
             <a:schemeClr val="tx2"/>
           </a:solidFill>
         </a:defRPr>
       </a:lvl7pPr>
       <a:lvl8pPr eaLnBrk="1" hangingPunct="1">
-        <a:defRPr>
+        <a:defRPr kumimoji="1">
           <a:solidFill>
             <a:schemeClr val="tx2"/>
           </a:solidFill>
         </a:defRPr>
       </a:lvl8pPr>
       <a:lvl9pPr eaLnBrk="1" hangingPunct="1">
-        <a:defRPr>
+        <a:defRPr kumimoji="1">
           <a:solidFill>
             <a:schemeClr val="tx2"/>
           </a:solidFill>
@@ -3686,7 +3975,7 @@
         </a:spcBef>
         <a:buFont typeface="Arial" pitchFamily="34" charset="0"/>
         <a:buChar char="•"/>
-        <a:defRPr sz="3200" kern="1200">
+        <a:defRPr kumimoji="1" sz="3200" kern="1200">
           <a:solidFill>
             <a:schemeClr val="tx1"/>
           </a:solidFill>
@@ -3704,7 +3993,7 @@
         </a:spcBef>
         <a:buFont typeface="Arial" pitchFamily="34" charset="0"/>
         <a:buChar char="–"/>
-        <a:defRPr sz="2800" kern="1200">
+        <a:defRPr kumimoji="1" sz="2800" kern="1200">
           <a:solidFill>
             <a:schemeClr val="tx1"/>
           </a:solidFill>
@@ -3722,7 +4011,7 @@
         </a:spcBef>
         <a:buFont typeface="Arial" pitchFamily="34" charset="0"/>
         <a:buChar char="•"/>
-        <a:defRPr sz="2400" kern="1200">
+        <a:defRPr kumimoji="1" sz="2400" kern="1200">
           <a:solidFill>
             <a:schemeClr val="tx1"/>
           </a:solidFill>
@@ -3740,7 +4029,7 @@
         </a:spcBef>
         <a:buFont typeface="Arial" pitchFamily="34" charset="0"/>
         <a:buChar char="–"/>
-        <a:defRPr sz="2000" kern="1200">
+        <a:defRPr kumimoji="1" sz="2000" kern="1200">
           <a:solidFill>
             <a:schemeClr val="tx1"/>
           </a:solidFill>
@@ -3758,7 +4047,7 @@
         </a:spcBef>
         <a:buFont typeface="Arial" pitchFamily="34" charset="0"/>
         <a:buChar char="»"/>
-        <a:defRPr sz="2000" kern="1200">
+        <a:defRPr kumimoji="1" sz="2000" kern="1200">
           <a:solidFill>
             <a:schemeClr val="tx1"/>
           </a:solidFill>
@@ -3773,7 +4062,7 @@
         </a:spcBef>
         <a:buFont typeface="Arial" pitchFamily="34" charset="0"/>
         <a:buChar char="•"/>
-        <a:defRPr sz="2000" kern="1200">
+        <a:defRPr kumimoji="1" sz="2000" kern="1200">
           <a:solidFill>
             <a:schemeClr val="tx1"/>
           </a:solidFill>
@@ -3788,7 +4077,7 @@
         </a:spcBef>
         <a:buFont typeface="Arial" pitchFamily="34" charset="0"/>
         <a:buChar char="•"/>
-        <a:defRPr sz="2000" kern="1200">
+        <a:defRPr kumimoji="1" sz="2000" kern="1200">
           <a:solidFill>
             <a:schemeClr val="tx1"/>
           </a:solidFill>
@@ -3803,7 +4092,7 @@
         </a:spcBef>
         <a:buFont typeface="Arial" pitchFamily="34" charset="0"/>
         <a:buChar char="•"/>
-        <a:defRPr sz="2000" kern="1200">
+        <a:defRPr kumimoji="1" sz="2000" kern="1200">
           <a:solidFill>
             <a:schemeClr val="tx1"/>
           </a:solidFill>
@@ -3818,7 +4107,7 @@
         </a:spcBef>
         <a:buFont typeface="Arial" pitchFamily="34" charset="0"/>
         <a:buChar char="•"/>
-        <a:defRPr sz="2000" kern="1200">
+        <a:defRPr kumimoji="1" sz="2000" kern="1200">
           <a:solidFill>
             <a:schemeClr val="tx1"/>
           </a:solidFill>
@@ -3833,7 +4122,7 @@
         <a:defRPr lang="en-US"/>
       </a:defPPr>
       <a:lvl1pPr marL="0" algn="l" defTabSz="914400" rtl="0" eaLnBrk="1" latinLnBrk="0" hangingPunct="1">
-        <a:defRPr sz="1800" kern="1200">
+        <a:defRPr kumimoji="1" sz="1800" kern="1200">
           <a:solidFill>
             <a:schemeClr val="tx1"/>
           </a:solidFill>
@@ -3843,7 +4132,7 @@
         </a:defRPr>
       </a:lvl1pPr>
       <a:lvl2pPr marL="457200" algn="l" defTabSz="914400" rtl="0" eaLnBrk="1" latinLnBrk="0" hangingPunct="1">
-        <a:defRPr sz="1800" kern="1200">
+        <a:defRPr kumimoji="1" sz="1800" kern="1200">
           <a:solidFill>
             <a:schemeClr val="tx1"/>
           </a:solidFill>
@@ -3853,7 +4142,7 @@
         </a:defRPr>
       </a:lvl2pPr>
       <a:lvl3pPr marL="914400" algn="l" defTabSz="914400" rtl="0" eaLnBrk="1" latinLnBrk="0" hangingPunct="1">
-        <a:defRPr sz="1800" kern="1200">
+        <a:defRPr kumimoji="1" sz="1800" kern="1200">
           <a:solidFill>
             <a:schemeClr val="tx1"/>
           </a:solidFill>
@@ -3863,7 +4152,7 @@
         </a:defRPr>
       </a:lvl3pPr>
       <a:lvl4pPr marL="1371600" algn="l" defTabSz="914400" rtl="0" eaLnBrk="1" latinLnBrk="0" hangingPunct="1">
-        <a:defRPr sz="1800" kern="1200">
+        <a:defRPr kumimoji="1" sz="1800" kern="1200">
           <a:solidFill>
             <a:schemeClr val="tx1"/>
           </a:solidFill>
@@ -3873,7 +4162,7 @@
         </a:defRPr>
       </a:lvl4pPr>
       <a:lvl5pPr marL="1828800" algn="l" defTabSz="914400" rtl="0" eaLnBrk="1" latinLnBrk="0" hangingPunct="1">
-        <a:defRPr sz="1800" kern="1200">
+        <a:defRPr kumimoji="1" sz="1800" kern="1200">
           <a:solidFill>
             <a:schemeClr val="tx1"/>
           </a:solidFill>
@@ -3883,7 +4172,7 @@
         </a:defRPr>
       </a:lvl5pPr>
       <a:lvl6pPr marL="2286000" algn="l" defTabSz="914400" rtl="0" eaLnBrk="1" latinLnBrk="0" hangingPunct="1">
-        <a:defRPr sz="1800" kern="1200">
+        <a:defRPr kumimoji="1" sz="1800" kern="1200">
           <a:solidFill>
             <a:schemeClr val="tx1"/>
           </a:solidFill>
@@ -3893,7 +4182,7 @@
         </a:defRPr>
       </a:lvl6pPr>
       <a:lvl7pPr marL="2743200" algn="l" defTabSz="914400" rtl="0" eaLnBrk="1" latinLnBrk="0" hangingPunct="1">
-        <a:defRPr sz="1800" kern="1200">
+        <a:defRPr kumimoji="1" sz="1800" kern="1200">
           <a:solidFill>
             <a:schemeClr val="tx1"/>
           </a:solidFill>
@@ -3903,7 +4192,7 @@
         </a:defRPr>
       </a:lvl7pPr>
       <a:lvl8pPr marL="3200400" algn="l" defTabSz="914400" rtl="0" eaLnBrk="1" latinLnBrk="0" hangingPunct="1">
-        <a:defRPr sz="1800" kern="1200">
+        <a:defRPr kumimoji="1" sz="1800" kern="1200">
           <a:solidFill>
             <a:schemeClr val="tx1"/>
           </a:solidFill>
@@ -3913,7 +4202,7 @@
         </a:defRPr>
       </a:lvl8pPr>
       <a:lvl9pPr marL="3657600" algn="l" defTabSz="914400" rtl="0" eaLnBrk="1" latinLnBrk="0" hangingPunct="1">
-        <a:defRPr sz="1800" kern="1200">
+        <a:defRPr kumimoji="1" sz="1800" kern="1200">
           <a:solidFill>
             <a:schemeClr val="tx1"/>
           </a:solidFill>
@@ -4308,6 +4597,607 @@
 </file>
 
 <file path=ppt/slides/slide10.xml><?xml version="1.0" encoding="utf-8"?>
+<p:sld xmlns:a="http://schemas.openxmlformats.org/drawingml/2006/main" xmlns:r="http://schemas.openxmlformats.org/officeDocument/2006/relationships" xmlns:p="http://schemas.openxmlformats.org/presentationml/2006/main">
+  <p:cSld>
+    <p:spTree>
+      <p:nvGrpSpPr>
+        <p:cNvPr id="1" name=""/>
+        <p:cNvGrpSpPr/>
+        <p:nvPr/>
+      </p:nvGrpSpPr>
+      <p:grpSpPr>
+        <a:xfrm>
+          <a:off x="0" y="0"/>
+          <a:ext cx="0" cy="0"/>
+          <a:chOff x="0" y="0"/>
+          <a:chExt cx="0" cy="0"/>
+        </a:xfrm>
+      </p:grpSpPr>
+      <p:pic>
+        <p:nvPicPr>
+          <p:cNvPr id="4" name="図 3" descr="65643.jpg"/>
+          <p:cNvPicPr>
+            <a:picLocks noChangeAspect="1"/>
+          </p:cNvPicPr>
+          <p:nvPr/>
+        </p:nvPicPr>
+        <p:blipFill>
+          <a:blip r:embed="rId2" cstate="print">
+            <a:extLst>
+              <a:ext uri="{28A0092B-C50C-407E-A947-70E740481C1C}">
+                <a14:useLocalDpi xmlns:a14="http://schemas.microsoft.com/office/drawing/2010/main" val="0"/>
+              </a:ext>
+            </a:extLst>
+          </a:blip>
+          <a:stretch>
+            <a:fillRect/>
+          </a:stretch>
+        </p:blipFill>
+        <p:spPr>
+          <a:xfrm>
+            <a:off x="1" y="1521972"/>
+            <a:ext cx="2594585" cy="1934935"/>
+          </a:xfrm>
+          <a:prstGeom prst="rect">
+            <a:avLst/>
+          </a:prstGeom>
+        </p:spPr>
+      </p:pic>
+      <p:sp>
+        <p:nvSpPr>
+          <p:cNvPr id="2" name="タイトル 1"/>
+          <p:cNvSpPr>
+            <a:spLocks noGrp="1"/>
+          </p:cNvSpPr>
+          <p:nvPr>
+            <p:ph type="title"/>
+          </p:nvPr>
+        </p:nvSpPr>
+        <p:spPr>
+          <a:xfrm>
+            <a:off x="1" y="342900"/>
+            <a:ext cx="3678399" cy="857250"/>
+          </a:xfrm>
+        </p:spPr>
+        <p:txBody>
+          <a:bodyPr>
+            <a:normAutofit/>
+          </a:bodyPr>
+          <a:lstStyle/>
+          <a:p>
+            <a:r>
+              <a:rPr kumimoji="1" lang="ja-JP" altLang="en-US" dirty="0" smtClean="0">
+                <a:latin typeface="ヒラギノ角ゴ Std W8"/>
+                <a:ea typeface="ヒラギノ角ゴ Std W8"/>
+                <a:cs typeface="ヒラギノ角ゴ Std W8"/>
+              </a:rPr>
+              <a:t>今後の展望</a:t>
+            </a:r>
+            <a:endParaRPr kumimoji="1" lang="ja-JP" altLang="en-US" dirty="0">
+              <a:latin typeface="ヒラギノ角ゴ Std W8"/>
+              <a:ea typeface="ヒラギノ角ゴ Std W8"/>
+              <a:cs typeface="ヒラギノ角ゴ Std W8"/>
+            </a:endParaRPr>
+          </a:p>
+        </p:txBody>
+      </p:sp>
+      <p:sp>
+        <p:nvSpPr>
+          <p:cNvPr id="3" name="コンテンツ プレースホルダー 2"/>
+          <p:cNvSpPr>
+            <a:spLocks noGrp="1"/>
+          </p:cNvSpPr>
+          <p:nvPr>
+            <p:ph idx="1"/>
+          </p:nvPr>
+        </p:nvSpPr>
+        <p:spPr>
+          <a:xfrm>
+            <a:off x="2594586" y="328487"/>
+            <a:ext cx="6549414" cy="4237433"/>
+          </a:xfrm>
+        </p:spPr>
+        <p:txBody>
+          <a:bodyPr>
+            <a:normAutofit/>
+          </a:bodyPr>
+          <a:lstStyle/>
+          <a:p>
+            <a:pPr marL="0" indent="0">
+              <a:buNone/>
+            </a:pPr>
+            <a:r>
+              <a:rPr kumimoji="1" lang="ja-JP" altLang="en-US" sz="2800" dirty="0" smtClean="0">
+                <a:latin typeface="ヒラギノ角ゴ Std W8"/>
+                <a:ea typeface="ヒラギノ角ゴ Std W8"/>
+                <a:cs typeface="ヒラギノ角ゴ Std W8"/>
+              </a:rPr>
+              <a:t>・ユーザー人口</a:t>
+            </a:r>
+            <a:r>
+              <a:rPr kumimoji="1" lang="en-US" altLang="ja-JP" sz="2800" dirty="0" smtClean="0">
+                <a:latin typeface="ヒラギノ角ゴ Std W8"/>
+                <a:ea typeface="ヒラギノ角ゴ Std W8"/>
+                <a:cs typeface="ヒラギノ角ゴ Std W8"/>
+              </a:rPr>
+              <a:t>100</a:t>
+            </a:r>
+            <a:r>
+              <a:rPr kumimoji="1" lang="ja-JP" altLang="en-US" sz="2800" dirty="0" smtClean="0">
+                <a:latin typeface="ヒラギノ角ゴ Std W8"/>
+                <a:ea typeface="ヒラギノ角ゴ Std W8"/>
+                <a:cs typeface="ヒラギノ角ゴ Std W8"/>
+              </a:rPr>
+              <a:t>万人</a:t>
+            </a:r>
+            <a:endParaRPr kumimoji="1" lang="en-US" altLang="ja-JP" sz="2800" dirty="0" smtClean="0">
+              <a:latin typeface="ヒラギノ角ゴ Std W8"/>
+              <a:ea typeface="ヒラギノ角ゴ Std W8"/>
+              <a:cs typeface="ヒラギノ角ゴ Std W8"/>
+            </a:endParaRPr>
+          </a:p>
+          <a:p>
+            <a:pPr marL="0" indent="0">
+              <a:buNone/>
+            </a:pPr>
+            <a:r>
+              <a:rPr kumimoji="1" lang="ja-JP" altLang="en-US" sz="2800" dirty="0" smtClean="0">
+                <a:latin typeface="ヒラギノ角ゴ Std W8"/>
+                <a:ea typeface="ヒラギノ角ゴ Std W8"/>
+                <a:cs typeface="ヒラギノ角ゴ Std W8"/>
+              </a:rPr>
+              <a:t>・</a:t>
+            </a:r>
+            <a:r>
+              <a:rPr kumimoji="1" lang="en-US" altLang="ja-JP" sz="2800" dirty="0" smtClean="0">
+                <a:latin typeface="ヒラギノ角ゴ Std W8"/>
+                <a:ea typeface="ヒラギノ角ゴ Std W8"/>
+                <a:cs typeface="ヒラギノ角ゴ Std W8"/>
+              </a:rPr>
+              <a:t>e</a:t>
+            </a:r>
+            <a:r>
+              <a:rPr kumimoji="1" lang="ja-JP" altLang="en-US" sz="2800" dirty="0" smtClean="0">
+                <a:latin typeface="ヒラギノ角ゴ Std W8"/>
+                <a:ea typeface="ヒラギノ角ゴ Std W8"/>
+                <a:cs typeface="ヒラギノ角ゴ Std W8"/>
+              </a:rPr>
+              <a:t>スポーツ推奨ゲームを目指していく</a:t>
+            </a:r>
+            <a:endParaRPr kumimoji="1" lang="ja-JP" altLang="en-US" sz="2800" dirty="0">
+              <a:latin typeface="ヒラギノ角ゴ Std W8"/>
+              <a:ea typeface="ヒラギノ角ゴ Std W8"/>
+              <a:cs typeface="ヒラギノ角ゴ Std W8"/>
+            </a:endParaRPr>
+          </a:p>
+        </p:txBody>
+      </p:sp>
+    </p:spTree>
+    <p:extLst>
+      <p:ext uri="{BB962C8B-B14F-4D97-AF65-F5344CB8AC3E}">
+        <p14:creationId xmlns:p14="http://schemas.microsoft.com/office/powerpoint/2010/main" val="2161773861"/>
+      </p:ext>
+    </p:extLst>
+  </p:cSld>
+  <p:clrMapOvr>
+    <a:masterClrMapping/>
+  </p:clrMapOvr>
+  <p:timing>
+    <p:tnLst>
+      <p:par>
+        <p:cTn xmlns:p14="http://schemas.microsoft.com/office/powerpoint/2010/main" id="1" dur="indefinite" restart="never" nodeType="tmRoot">
+          <p:childTnLst>
+            <p:seq concurrent="1" nextAc="seek">
+              <p:cTn id="2" dur="indefinite" nodeType="mainSeq">
+                <p:childTnLst>
+                  <p:par>
+                    <p:cTn id="3" fill="hold">
+                      <p:stCondLst>
+                        <p:cond delay="indefinite"/>
+                      </p:stCondLst>
+                      <p:childTnLst>
+                        <p:par>
+                          <p:cTn id="4" fill="hold">
+                            <p:stCondLst>
+                              <p:cond delay="0"/>
+                            </p:stCondLst>
+                            <p:childTnLst>
+                              <p:par>
+                                <p:cTn id="5" presetID="53" presetClass="entr" presetSubtype="16" fill="hold" grpId="0" nodeType="clickEffect">
+                                  <p:stCondLst>
+                                    <p:cond delay="0"/>
+                                  </p:stCondLst>
+                                  <p:childTnLst>
+                                    <p:set>
+                                      <p:cBhvr>
+                                        <p:cTn id="6" dur="1" fill="hold">
+                                          <p:stCondLst>
+                                            <p:cond delay="0"/>
+                                          </p:stCondLst>
+                                        </p:cTn>
+                                        <p:tgtEl>
+                                          <p:spTgt spid="2"/>
+                                        </p:tgtEl>
+                                        <p:attrNameLst>
+                                          <p:attrName>style.visibility</p:attrName>
+                                        </p:attrNameLst>
+                                      </p:cBhvr>
+                                      <p:to>
+                                        <p:strVal val="visible"/>
+                                      </p:to>
+                                    </p:set>
+                                    <p:anim calcmode="lin" valueType="num">
+                                      <p:cBhvr>
+                                        <p:cTn id="7" dur="500" fill="hold"/>
+                                        <p:tgtEl>
+                                          <p:spTgt spid="2"/>
+                                        </p:tgtEl>
+                                        <p:attrNameLst>
+                                          <p:attrName>ppt_w</p:attrName>
+                                        </p:attrNameLst>
+                                      </p:cBhvr>
+                                      <p:tavLst>
+                                        <p:tav tm="0">
+                                          <p:val>
+                                            <p:fltVal val="0"/>
+                                          </p:val>
+                                        </p:tav>
+                                        <p:tav tm="100000">
+                                          <p:val>
+                                            <p:strVal val="#ppt_w"/>
+                                          </p:val>
+                                        </p:tav>
+                                      </p:tavLst>
+                                    </p:anim>
+                                    <p:anim calcmode="lin" valueType="num">
+                                      <p:cBhvr>
+                                        <p:cTn id="8" dur="500" fill="hold"/>
+                                        <p:tgtEl>
+                                          <p:spTgt spid="2"/>
+                                        </p:tgtEl>
+                                        <p:attrNameLst>
+                                          <p:attrName>ppt_h</p:attrName>
+                                        </p:attrNameLst>
+                                      </p:cBhvr>
+                                      <p:tavLst>
+                                        <p:tav tm="0">
+                                          <p:val>
+                                            <p:fltVal val="0"/>
+                                          </p:val>
+                                        </p:tav>
+                                        <p:tav tm="100000">
+                                          <p:val>
+                                            <p:strVal val="#ppt_h"/>
+                                          </p:val>
+                                        </p:tav>
+                                      </p:tavLst>
+                                    </p:anim>
+                                    <p:animEffect transition="in" filter="fade">
+                                      <p:cBhvr>
+                                        <p:cTn id="9" dur="500"/>
+                                        <p:tgtEl>
+                                          <p:spTgt spid="2"/>
+                                        </p:tgtEl>
+                                      </p:cBhvr>
+                                    </p:animEffect>
+                                  </p:childTnLst>
+                                </p:cTn>
+                              </p:par>
+                            </p:childTnLst>
+                          </p:cTn>
+                        </p:par>
+                      </p:childTnLst>
+                    </p:cTn>
+                  </p:par>
+                  <p:par>
+                    <p:cTn id="10" fill="hold">
+                      <p:stCondLst>
+                        <p:cond delay="indefinite"/>
+                      </p:stCondLst>
+                      <p:childTnLst>
+                        <p:par>
+                          <p:cTn id="11" fill="hold">
+                            <p:stCondLst>
+                              <p:cond delay="0"/>
+                            </p:stCondLst>
+                            <p:childTnLst>
+                              <p:par>
+                                <p:cTn id="12" presetID="2" presetClass="entr" presetSubtype="4" fill="hold" grpId="0" nodeType="clickEffect">
+                                  <p:stCondLst>
+                                    <p:cond delay="0"/>
+                                  </p:stCondLst>
+                                  <p:childTnLst>
+                                    <p:set>
+                                      <p:cBhvr>
+                                        <p:cTn id="13" dur="1" fill="hold">
+                                          <p:stCondLst>
+                                            <p:cond delay="0"/>
+                                          </p:stCondLst>
+                                        </p:cTn>
+                                        <p:tgtEl>
+                                          <p:spTgt spid="3">
+                                            <p:txEl>
+                                              <p:pRg st="0" end="0"/>
+                                            </p:txEl>
+                                          </p:spTgt>
+                                        </p:tgtEl>
+                                        <p:attrNameLst>
+                                          <p:attrName>style.visibility</p:attrName>
+                                        </p:attrNameLst>
+                                      </p:cBhvr>
+                                      <p:to>
+                                        <p:strVal val="visible"/>
+                                      </p:to>
+                                    </p:set>
+                                    <p:anim calcmode="lin" valueType="num">
+                                      <p:cBhvr additive="base">
+                                        <p:cTn id="14" dur="500" fill="hold"/>
+                                        <p:tgtEl>
+                                          <p:spTgt spid="3">
+                                            <p:txEl>
+                                              <p:pRg st="0" end="0"/>
+                                            </p:txEl>
+                                          </p:spTgt>
+                                        </p:tgtEl>
+                                        <p:attrNameLst>
+                                          <p:attrName>ppt_x</p:attrName>
+                                        </p:attrNameLst>
+                                      </p:cBhvr>
+                                      <p:tavLst>
+                                        <p:tav tm="0">
+                                          <p:val>
+                                            <p:strVal val="#ppt_x"/>
+                                          </p:val>
+                                        </p:tav>
+                                        <p:tav tm="100000">
+                                          <p:val>
+                                            <p:strVal val="#ppt_x"/>
+                                          </p:val>
+                                        </p:tav>
+                                      </p:tavLst>
+                                    </p:anim>
+                                    <p:anim calcmode="lin" valueType="num">
+                                      <p:cBhvr additive="base">
+                                        <p:cTn id="15" dur="500" fill="hold"/>
+                                        <p:tgtEl>
+                                          <p:spTgt spid="3">
+                                            <p:txEl>
+                                              <p:pRg st="0" end="0"/>
+                                            </p:txEl>
+                                          </p:spTgt>
+                                        </p:tgtEl>
+                                        <p:attrNameLst>
+                                          <p:attrName>ppt_y</p:attrName>
+                                        </p:attrNameLst>
+                                      </p:cBhvr>
+                                      <p:tavLst>
+                                        <p:tav tm="0">
+                                          <p:val>
+                                            <p:strVal val="1+#ppt_h/2"/>
+                                          </p:val>
+                                        </p:tav>
+                                        <p:tav tm="100000">
+                                          <p:val>
+                                            <p:strVal val="#ppt_y"/>
+                                          </p:val>
+                                        </p:tav>
+                                      </p:tavLst>
+                                    </p:anim>
+                                  </p:childTnLst>
+                                </p:cTn>
+                              </p:par>
+                              <p:par>
+                                <p:cTn id="16" presetID="2" presetClass="entr" presetSubtype="4" fill="hold" nodeType="withEffect">
+                                  <p:stCondLst>
+                                    <p:cond delay="0"/>
+                                  </p:stCondLst>
+                                  <p:childTnLst>
+                                    <p:set>
+                                      <p:cBhvr>
+                                        <p:cTn id="17" dur="1" fill="hold">
+                                          <p:stCondLst>
+                                            <p:cond delay="0"/>
+                                          </p:stCondLst>
+                                        </p:cTn>
+                                        <p:tgtEl>
+                                          <p:spTgt spid="4"/>
+                                        </p:tgtEl>
+                                        <p:attrNameLst>
+                                          <p:attrName>style.visibility</p:attrName>
+                                        </p:attrNameLst>
+                                      </p:cBhvr>
+                                      <p:to>
+                                        <p:strVal val="visible"/>
+                                      </p:to>
+                                    </p:set>
+                                    <p:anim calcmode="lin" valueType="num">
+                                      <p:cBhvr additive="base">
+                                        <p:cTn id="18" dur="500" fill="hold"/>
+                                        <p:tgtEl>
+                                          <p:spTgt spid="4"/>
+                                        </p:tgtEl>
+                                        <p:attrNameLst>
+                                          <p:attrName>ppt_x</p:attrName>
+                                        </p:attrNameLst>
+                                      </p:cBhvr>
+                                      <p:tavLst>
+                                        <p:tav tm="0">
+                                          <p:val>
+                                            <p:strVal val="#ppt_x"/>
+                                          </p:val>
+                                        </p:tav>
+                                        <p:tav tm="100000">
+                                          <p:val>
+                                            <p:strVal val="#ppt_x"/>
+                                          </p:val>
+                                        </p:tav>
+                                      </p:tavLst>
+                                    </p:anim>
+                                    <p:anim calcmode="lin" valueType="num">
+                                      <p:cBhvr additive="base">
+                                        <p:cTn id="19" dur="500" fill="hold"/>
+                                        <p:tgtEl>
+                                          <p:spTgt spid="4"/>
+                                        </p:tgtEl>
+                                        <p:attrNameLst>
+                                          <p:attrName>ppt_y</p:attrName>
+                                        </p:attrNameLst>
+                                      </p:cBhvr>
+                                      <p:tavLst>
+                                        <p:tav tm="0">
+                                          <p:val>
+                                            <p:strVal val="1+#ppt_h/2"/>
+                                          </p:val>
+                                        </p:tav>
+                                        <p:tav tm="100000">
+                                          <p:val>
+                                            <p:strVal val="#ppt_y"/>
+                                          </p:val>
+                                        </p:tav>
+                                      </p:tavLst>
+                                    </p:anim>
+                                  </p:childTnLst>
+                                </p:cTn>
+                              </p:par>
+                            </p:childTnLst>
+                          </p:cTn>
+                        </p:par>
+                      </p:childTnLst>
+                    </p:cTn>
+                  </p:par>
+                  <p:par>
+                    <p:cTn id="20" fill="hold">
+                      <p:stCondLst>
+                        <p:cond delay="indefinite"/>
+                      </p:stCondLst>
+                      <p:childTnLst>
+                        <p:par>
+                          <p:cTn id="21" fill="hold">
+                            <p:stCondLst>
+                              <p:cond delay="0"/>
+                            </p:stCondLst>
+                            <p:childTnLst>
+                              <p:par>
+                                <p:cTn id="22" presetID="2" presetClass="entr" presetSubtype="4" fill="hold" grpId="0" nodeType="clickEffect">
+                                  <p:stCondLst>
+                                    <p:cond delay="0"/>
+                                  </p:stCondLst>
+                                  <p:childTnLst>
+                                    <p:set>
+                                      <p:cBhvr>
+                                        <p:cTn id="23" dur="1" fill="hold">
+                                          <p:stCondLst>
+                                            <p:cond delay="0"/>
+                                          </p:stCondLst>
+                                        </p:cTn>
+                                        <p:tgtEl>
+                                          <p:spTgt spid="3">
+                                            <p:txEl>
+                                              <p:pRg st="1" end="1"/>
+                                            </p:txEl>
+                                          </p:spTgt>
+                                        </p:tgtEl>
+                                        <p:attrNameLst>
+                                          <p:attrName>style.visibility</p:attrName>
+                                        </p:attrNameLst>
+                                      </p:cBhvr>
+                                      <p:to>
+                                        <p:strVal val="visible"/>
+                                      </p:to>
+                                    </p:set>
+                                    <p:anim calcmode="lin" valueType="num">
+                                      <p:cBhvr additive="base">
+                                        <p:cTn id="24" dur="500" fill="hold"/>
+                                        <p:tgtEl>
+                                          <p:spTgt spid="3">
+                                            <p:txEl>
+                                              <p:pRg st="1" end="1"/>
+                                            </p:txEl>
+                                          </p:spTgt>
+                                        </p:tgtEl>
+                                        <p:attrNameLst>
+                                          <p:attrName>ppt_x</p:attrName>
+                                        </p:attrNameLst>
+                                      </p:cBhvr>
+                                      <p:tavLst>
+                                        <p:tav tm="0">
+                                          <p:val>
+                                            <p:strVal val="#ppt_x"/>
+                                          </p:val>
+                                        </p:tav>
+                                        <p:tav tm="100000">
+                                          <p:val>
+                                            <p:strVal val="#ppt_x"/>
+                                          </p:val>
+                                        </p:tav>
+                                      </p:tavLst>
+                                    </p:anim>
+                                    <p:anim calcmode="lin" valueType="num">
+                                      <p:cBhvr additive="base">
+                                        <p:cTn id="25" dur="500" fill="hold"/>
+                                        <p:tgtEl>
+                                          <p:spTgt spid="3">
+                                            <p:txEl>
+                                              <p:pRg st="1" end="1"/>
+                                            </p:txEl>
+                                          </p:spTgt>
+                                        </p:tgtEl>
+                                        <p:attrNameLst>
+                                          <p:attrName>ppt_y</p:attrName>
+                                        </p:attrNameLst>
+                                      </p:cBhvr>
+                                      <p:tavLst>
+                                        <p:tav tm="0">
+                                          <p:val>
+                                            <p:strVal val="1+#ppt_h/2"/>
+                                          </p:val>
+                                        </p:tav>
+                                        <p:tav tm="100000">
+                                          <p:val>
+                                            <p:strVal val="#ppt_y"/>
+                                          </p:val>
+                                        </p:tav>
+                                      </p:tavLst>
+                                    </p:anim>
+                                  </p:childTnLst>
+                                </p:cTn>
+                              </p:par>
+                            </p:childTnLst>
+                          </p:cTn>
+                        </p:par>
+                      </p:childTnLst>
+                    </p:cTn>
+                  </p:par>
+                </p:childTnLst>
+              </p:cTn>
+              <p:prevCondLst>
+                <p:cond evt="onPrev" delay="0">
+                  <p:tgtEl>
+                    <p:sldTgt/>
+                  </p:tgtEl>
+                </p:cond>
+              </p:prevCondLst>
+              <p:nextCondLst>
+                <p:cond evt="onNext" delay="0">
+                  <p:tgtEl>
+                    <p:sldTgt/>
+                  </p:tgtEl>
+                </p:cond>
+              </p:nextCondLst>
+            </p:seq>
+          </p:childTnLst>
+        </p:cTn>
+      </p:par>
+    </p:tnLst>
+    <p:bldLst>
+      <p:bldP spid="2" grpId="0"/>
+      <p:bldP spid="3" grpId="0" uiExpand="1" build="p"/>
+    </p:bldLst>
+  </p:timing>
+</p:sld>
+</file>
+
+<file path=ppt/slides/slide11.xml><?xml version="1.0" encoding="utf-8"?>
 <p:sld xmlns:a="http://schemas.openxmlformats.org/drawingml/2006/main" xmlns:r="http://schemas.openxmlformats.org/officeDocument/2006/relationships" xmlns:p="http://schemas.openxmlformats.org/presentationml/2006/main">
   <p:cSld>
     <p:spTree>
@@ -7142,6 +8032,679 @@
 </file>
 
 <file path=ppt/slides/slide8.xml><?xml version="1.0" encoding="utf-8"?>
+<p:sld xmlns:a="http://schemas.openxmlformats.org/drawingml/2006/main" xmlns:r="http://schemas.openxmlformats.org/officeDocument/2006/relationships" xmlns:p="http://schemas.openxmlformats.org/presentationml/2006/main">
+  <p:cSld>
+    <p:spTree>
+      <p:nvGrpSpPr>
+        <p:cNvPr id="1" name=""/>
+        <p:cNvGrpSpPr/>
+        <p:nvPr/>
+      </p:nvGrpSpPr>
+      <p:grpSpPr>
+        <a:xfrm>
+          <a:off x="0" y="0"/>
+          <a:ext cx="0" cy="0"/>
+          <a:chOff x="0" y="0"/>
+          <a:chExt cx="0" cy="0"/>
+        </a:xfrm>
+      </p:grpSpPr>
+      <p:sp>
+        <p:nvSpPr>
+          <p:cNvPr id="2" name="タイトル 1"/>
+          <p:cNvSpPr>
+            <a:spLocks noGrp="1"/>
+          </p:cNvSpPr>
+          <p:nvPr>
+            <p:ph type="title"/>
+          </p:nvPr>
+        </p:nvSpPr>
+        <p:spPr/>
+        <p:txBody>
+          <a:bodyPr/>
+          <a:lstStyle/>
+          <a:p>
+            <a:r>
+              <a:rPr lang="en-US" altLang="ja-JP" dirty="0" smtClean="0"/>
+              <a:t>New</a:t>
+            </a:r>
+            <a:r>
+              <a:rPr kumimoji="1" lang="ja-JP" altLang="en-US" dirty="0" smtClean="0"/>
+              <a:t>タイトル</a:t>
+            </a:r>
+            <a:endParaRPr kumimoji="1" lang="ja-JP" altLang="en-US" dirty="0"/>
+          </a:p>
+        </p:txBody>
+      </p:sp>
+      <p:sp>
+        <p:nvSpPr>
+          <p:cNvPr id="3" name="コンテンツ プレースホルダー 2"/>
+          <p:cNvSpPr>
+            <a:spLocks noGrp="1"/>
+          </p:cNvSpPr>
+          <p:nvPr>
+            <p:ph idx="1"/>
+          </p:nvPr>
+        </p:nvSpPr>
+        <p:spPr>
+          <a:xfrm>
+            <a:off x="5331490" y="1106458"/>
+            <a:ext cx="3355309" cy="3394471"/>
+          </a:xfrm>
+        </p:spPr>
+        <p:txBody>
+          <a:bodyPr/>
+          <a:lstStyle/>
+          <a:p>
+            <a:pPr marL="0" indent="0">
+              <a:buNone/>
+            </a:pPr>
+            <a:r>
+              <a:rPr kumimoji="1" lang="en-US" altLang="ja-JP" dirty="0" smtClean="0"/>
+              <a:t>ZOMBIE ATTCK</a:t>
+            </a:r>
+          </a:p>
+          <a:p>
+            <a:pPr marL="0" indent="0">
+              <a:buNone/>
+            </a:pPr>
+            <a:r>
+              <a:rPr lang="ja-JP" altLang="en-US" sz="1800" dirty="0" smtClean="0"/>
+              <a:t>レトロ感を感じさせる</a:t>
+            </a:r>
+            <a:endParaRPr lang="en-US" altLang="ja-JP" sz="1800" dirty="0" smtClean="0"/>
+          </a:p>
+          <a:p>
+            <a:pPr marL="0" indent="0">
+              <a:buNone/>
+            </a:pPr>
+            <a:r>
+              <a:rPr lang="ja-JP" altLang="en-US" sz="1800" dirty="0" smtClean="0"/>
+              <a:t>ホラーゲームタイトル</a:t>
+            </a:r>
+            <a:endParaRPr lang="en-US" altLang="ja-JP" sz="1800" dirty="0" smtClean="0"/>
+          </a:p>
+        </p:txBody>
+      </p:sp>
+      <p:pic>
+        <p:nvPicPr>
+          <p:cNvPr id="4" name="図 3" descr="スクリーンショット 2019-10-03 10.16.32.png"/>
+          <p:cNvPicPr>
+            <a:picLocks noChangeAspect="1"/>
+          </p:cNvPicPr>
+          <p:nvPr/>
+        </p:nvPicPr>
+        <p:blipFill>
+          <a:blip r:embed="rId2" cstate="print">
+            <a:extLst>
+              <a:ext uri="{28A0092B-C50C-407E-A947-70E740481C1C}">
+                <a14:useLocalDpi xmlns:a14="http://schemas.microsoft.com/office/drawing/2010/main" val="0"/>
+              </a:ext>
+            </a:extLst>
+          </a:blip>
+          <a:stretch>
+            <a:fillRect/>
+          </a:stretch>
+        </p:blipFill>
+        <p:spPr>
+          <a:xfrm>
+            <a:off x="2989013" y="1212241"/>
+            <a:ext cx="2168744" cy="2844117"/>
+          </a:xfrm>
+          <a:prstGeom prst="rect">
+            <a:avLst/>
+          </a:prstGeom>
+        </p:spPr>
+      </p:pic>
+      <p:pic>
+        <p:nvPicPr>
+          <p:cNvPr id="5" name="図 4" descr="スクリーンショット 2019-10-03 10.16.14.png"/>
+          <p:cNvPicPr>
+            <a:picLocks noChangeAspect="1"/>
+          </p:cNvPicPr>
+          <p:nvPr/>
+        </p:nvPicPr>
+        <p:blipFill>
+          <a:blip r:embed="rId3" cstate="print">
+            <a:extLst>
+              <a:ext uri="{28A0092B-C50C-407E-A947-70E740481C1C}">
+                <a14:useLocalDpi xmlns:a14="http://schemas.microsoft.com/office/drawing/2010/main" val="0"/>
+              </a:ext>
+            </a:extLst>
+          </a:blip>
+          <a:stretch>
+            <a:fillRect/>
+          </a:stretch>
+        </p:blipFill>
+        <p:spPr>
+          <a:xfrm>
+            <a:off x="457200" y="1200151"/>
+            <a:ext cx="2166201" cy="2856207"/>
+          </a:xfrm>
+          <a:prstGeom prst="rect">
+            <a:avLst/>
+          </a:prstGeom>
+        </p:spPr>
+      </p:pic>
+      <p:sp>
+        <p:nvSpPr>
+          <p:cNvPr id="6" name="テキスト ボックス 5"/>
+          <p:cNvSpPr txBox="1"/>
+          <p:nvPr/>
+        </p:nvSpPr>
+        <p:spPr>
+          <a:xfrm>
+            <a:off x="6491939" y="700764"/>
+            <a:ext cx="184666" cy="369332"/>
+          </a:xfrm>
+          <a:prstGeom prst="rect">
+            <a:avLst/>
+          </a:prstGeom>
+          <a:noFill/>
+        </p:spPr>
+        <p:txBody>
+          <a:bodyPr wrap="none" rtlCol="0">
+            <a:spAutoFit/>
+          </a:bodyPr>
+          <a:lstStyle/>
+          <a:p>
+            <a:endParaRPr kumimoji="1" lang="ja-JP" altLang="en-US" dirty="0"/>
+          </a:p>
+        </p:txBody>
+      </p:sp>
+    </p:spTree>
+    <p:extLst>
+      <p:ext uri="{BB962C8B-B14F-4D97-AF65-F5344CB8AC3E}">
+        <p14:creationId xmlns:p14="http://schemas.microsoft.com/office/powerpoint/2010/main" val="3457443739"/>
+      </p:ext>
+    </p:extLst>
+  </p:cSld>
+  <p:clrMapOvr>
+    <a:masterClrMapping/>
+  </p:clrMapOvr>
+  <p:timing>
+    <p:tnLst>
+      <p:par>
+        <p:cTn xmlns:p14="http://schemas.microsoft.com/office/powerpoint/2010/main" id="1" dur="indefinite" restart="never" nodeType="tmRoot">
+          <p:childTnLst>
+            <p:seq concurrent="1" nextAc="seek">
+              <p:cTn id="2" dur="indefinite" nodeType="mainSeq">
+                <p:childTnLst>
+                  <p:par>
+                    <p:cTn id="3" fill="hold">
+                      <p:stCondLst>
+                        <p:cond delay="indefinite"/>
+                      </p:stCondLst>
+                      <p:childTnLst>
+                        <p:par>
+                          <p:cTn id="4" fill="hold">
+                            <p:stCondLst>
+                              <p:cond delay="0"/>
+                            </p:stCondLst>
+                            <p:childTnLst>
+                              <p:par>
+                                <p:cTn id="5" presetID="55" presetClass="entr" presetSubtype="0" fill="hold" grpId="0" nodeType="clickEffect">
+                                  <p:stCondLst>
+                                    <p:cond delay="0"/>
+                                  </p:stCondLst>
+                                  <p:childTnLst>
+                                    <p:set>
+                                      <p:cBhvr>
+                                        <p:cTn id="6" dur="1" fill="hold">
+                                          <p:stCondLst>
+                                            <p:cond delay="0"/>
+                                          </p:stCondLst>
+                                        </p:cTn>
+                                        <p:tgtEl>
+                                          <p:spTgt spid="2"/>
+                                        </p:tgtEl>
+                                        <p:attrNameLst>
+                                          <p:attrName>style.visibility</p:attrName>
+                                        </p:attrNameLst>
+                                      </p:cBhvr>
+                                      <p:to>
+                                        <p:strVal val="visible"/>
+                                      </p:to>
+                                    </p:set>
+                                    <p:anim calcmode="lin" valueType="num">
+                                      <p:cBhvr>
+                                        <p:cTn id="7" dur="1000" fill="hold"/>
+                                        <p:tgtEl>
+                                          <p:spTgt spid="2"/>
+                                        </p:tgtEl>
+                                        <p:attrNameLst>
+                                          <p:attrName>ppt_w</p:attrName>
+                                        </p:attrNameLst>
+                                      </p:cBhvr>
+                                      <p:tavLst>
+                                        <p:tav tm="0">
+                                          <p:val>
+                                            <p:strVal val="#ppt_w*0.70"/>
+                                          </p:val>
+                                        </p:tav>
+                                        <p:tav tm="100000">
+                                          <p:val>
+                                            <p:strVal val="#ppt_w"/>
+                                          </p:val>
+                                        </p:tav>
+                                      </p:tavLst>
+                                    </p:anim>
+                                    <p:anim calcmode="lin" valueType="num">
+                                      <p:cBhvr>
+                                        <p:cTn id="8" dur="1000" fill="hold"/>
+                                        <p:tgtEl>
+                                          <p:spTgt spid="2"/>
+                                        </p:tgtEl>
+                                        <p:attrNameLst>
+                                          <p:attrName>ppt_h</p:attrName>
+                                        </p:attrNameLst>
+                                      </p:cBhvr>
+                                      <p:tavLst>
+                                        <p:tav tm="0">
+                                          <p:val>
+                                            <p:strVal val="#ppt_h"/>
+                                          </p:val>
+                                        </p:tav>
+                                        <p:tav tm="100000">
+                                          <p:val>
+                                            <p:strVal val="#ppt_h"/>
+                                          </p:val>
+                                        </p:tav>
+                                      </p:tavLst>
+                                    </p:anim>
+                                    <p:animEffect transition="in" filter="fade">
+                                      <p:cBhvr>
+                                        <p:cTn id="9" dur="1000"/>
+                                        <p:tgtEl>
+                                          <p:spTgt spid="2"/>
+                                        </p:tgtEl>
+                                      </p:cBhvr>
+                                    </p:animEffect>
+                                  </p:childTnLst>
+                                </p:cTn>
+                              </p:par>
+                            </p:childTnLst>
+                          </p:cTn>
+                        </p:par>
+                      </p:childTnLst>
+                    </p:cTn>
+                  </p:par>
+                  <p:par>
+                    <p:cTn id="10" fill="hold">
+                      <p:stCondLst>
+                        <p:cond delay="indefinite"/>
+                      </p:stCondLst>
+                      <p:childTnLst>
+                        <p:par>
+                          <p:cTn id="11" fill="hold">
+                            <p:stCondLst>
+                              <p:cond delay="0"/>
+                            </p:stCondLst>
+                            <p:childTnLst>
+                              <p:par>
+                                <p:cTn id="12" presetID="23" presetClass="entr" presetSubtype="16" fill="hold" nodeType="clickEffect">
+                                  <p:stCondLst>
+                                    <p:cond delay="0"/>
+                                  </p:stCondLst>
+                                  <p:childTnLst>
+                                    <p:set>
+                                      <p:cBhvr>
+                                        <p:cTn id="13" dur="1" fill="hold">
+                                          <p:stCondLst>
+                                            <p:cond delay="0"/>
+                                          </p:stCondLst>
+                                        </p:cTn>
+                                        <p:tgtEl>
+                                          <p:spTgt spid="5"/>
+                                        </p:tgtEl>
+                                        <p:attrNameLst>
+                                          <p:attrName>style.visibility</p:attrName>
+                                        </p:attrNameLst>
+                                      </p:cBhvr>
+                                      <p:to>
+                                        <p:strVal val="visible"/>
+                                      </p:to>
+                                    </p:set>
+                                    <p:anim calcmode="lin" valueType="num">
+                                      <p:cBhvr>
+                                        <p:cTn id="14" dur="500" fill="hold"/>
+                                        <p:tgtEl>
+                                          <p:spTgt spid="5"/>
+                                        </p:tgtEl>
+                                        <p:attrNameLst>
+                                          <p:attrName>ppt_w</p:attrName>
+                                        </p:attrNameLst>
+                                      </p:cBhvr>
+                                      <p:tavLst>
+                                        <p:tav tm="0">
+                                          <p:val>
+                                            <p:fltVal val="0"/>
+                                          </p:val>
+                                        </p:tav>
+                                        <p:tav tm="100000">
+                                          <p:val>
+                                            <p:strVal val="#ppt_w"/>
+                                          </p:val>
+                                        </p:tav>
+                                      </p:tavLst>
+                                    </p:anim>
+                                    <p:anim calcmode="lin" valueType="num">
+                                      <p:cBhvr>
+                                        <p:cTn id="15" dur="500" fill="hold"/>
+                                        <p:tgtEl>
+                                          <p:spTgt spid="5"/>
+                                        </p:tgtEl>
+                                        <p:attrNameLst>
+                                          <p:attrName>ppt_h</p:attrName>
+                                        </p:attrNameLst>
+                                      </p:cBhvr>
+                                      <p:tavLst>
+                                        <p:tav tm="0">
+                                          <p:val>
+                                            <p:fltVal val="0"/>
+                                          </p:val>
+                                        </p:tav>
+                                        <p:tav tm="100000">
+                                          <p:val>
+                                            <p:strVal val="#ppt_h"/>
+                                          </p:val>
+                                        </p:tav>
+                                      </p:tavLst>
+                                    </p:anim>
+                                  </p:childTnLst>
+                                </p:cTn>
+                              </p:par>
+                              <p:par>
+                                <p:cTn id="16" presetID="23" presetClass="entr" presetSubtype="16" fill="hold" nodeType="withEffect">
+                                  <p:stCondLst>
+                                    <p:cond delay="0"/>
+                                  </p:stCondLst>
+                                  <p:childTnLst>
+                                    <p:set>
+                                      <p:cBhvr>
+                                        <p:cTn id="17" dur="1" fill="hold">
+                                          <p:stCondLst>
+                                            <p:cond delay="0"/>
+                                          </p:stCondLst>
+                                        </p:cTn>
+                                        <p:tgtEl>
+                                          <p:spTgt spid="4"/>
+                                        </p:tgtEl>
+                                        <p:attrNameLst>
+                                          <p:attrName>style.visibility</p:attrName>
+                                        </p:attrNameLst>
+                                      </p:cBhvr>
+                                      <p:to>
+                                        <p:strVal val="visible"/>
+                                      </p:to>
+                                    </p:set>
+                                    <p:anim calcmode="lin" valueType="num">
+                                      <p:cBhvr>
+                                        <p:cTn id="18" dur="500" fill="hold"/>
+                                        <p:tgtEl>
+                                          <p:spTgt spid="4"/>
+                                        </p:tgtEl>
+                                        <p:attrNameLst>
+                                          <p:attrName>ppt_w</p:attrName>
+                                        </p:attrNameLst>
+                                      </p:cBhvr>
+                                      <p:tavLst>
+                                        <p:tav tm="0">
+                                          <p:val>
+                                            <p:fltVal val="0"/>
+                                          </p:val>
+                                        </p:tav>
+                                        <p:tav tm="100000">
+                                          <p:val>
+                                            <p:strVal val="#ppt_w"/>
+                                          </p:val>
+                                        </p:tav>
+                                      </p:tavLst>
+                                    </p:anim>
+                                    <p:anim calcmode="lin" valueType="num">
+                                      <p:cBhvr>
+                                        <p:cTn id="19" dur="500" fill="hold"/>
+                                        <p:tgtEl>
+                                          <p:spTgt spid="4"/>
+                                        </p:tgtEl>
+                                        <p:attrNameLst>
+                                          <p:attrName>ppt_h</p:attrName>
+                                        </p:attrNameLst>
+                                      </p:cBhvr>
+                                      <p:tavLst>
+                                        <p:tav tm="0">
+                                          <p:val>
+                                            <p:fltVal val="0"/>
+                                          </p:val>
+                                        </p:tav>
+                                        <p:tav tm="100000">
+                                          <p:val>
+                                            <p:strVal val="#ppt_h"/>
+                                          </p:val>
+                                        </p:tav>
+                                      </p:tavLst>
+                                    </p:anim>
+                                  </p:childTnLst>
+                                </p:cTn>
+                              </p:par>
+                            </p:childTnLst>
+                          </p:cTn>
+                        </p:par>
+                      </p:childTnLst>
+                    </p:cTn>
+                  </p:par>
+                  <p:par>
+                    <p:cTn id="20" fill="hold">
+                      <p:stCondLst>
+                        <p:cond delay="indefinite"/>
+                      </p:stCondLst>
+                      <p:childTnLst>
+                        <p:par>
+                          <p:cTn id="21" fill="hold">
+                            <p:stCondLst>
+                              <p:cond delay="0"/>
+                            </p:stCondLst>
+                            <p:childTnLst>
+                              <p:par>
+                                <p:cTn id="22" presetID="16" presetClass="entr" presetSubtype="21" fill="hold" grpId="0" nodeType="clickEffect">
+                                  <p:stCondLst>
+                                    <p:cond delay="0"/>
+                                  </p:stCondLst>
+                                  <p:childTnLst>
+                                    <p:set>
+                                      <p:cBhvr>
+                                        <p:cTn id="23" dur="1" fill="hold">
+                                          <p:stCondLst>
+                                            <p:cond delay="0"/>
+                                          </p:stCondLst>
+                                        </p:cTn>
+                                        <p:tgtEl>
+                                          <p:spTgt spid="3">
+                                            <p:txEl>
+                                              <p:pRg st="0" end="0"/>
+                                            </p:txEl>
+                                          </p:spTgt>
+                                        </p:tgtEl>
+                                        <p:attrNameLst>
+                                          <p:attrName>style.visibility</p:attrName>
+                                        </p:attrNameLst>
+                                      </p:cBhvr>
+                                      <p:to>
+                                        <p:strVal val="visible"/>
+                                      </p:to>
+                                    </p:set>
+                                    <p:animEffect transition="in" filter="barn(inVertical)">
+                                      <p:cBhvr>
+                                        <p:cTn id="24" dur="500"/>
+                                        <p:tgtEl>
+                                          <p:spTgt spid="3">
+                                            <p:txEl>
+                                              <p:pRg st="0" end="0"/>
+                                            </p:txEl>
+                                          </p:spTgt>
+                                        </p:tgtEl>
+                                      </p:cBhvr>
+                                    </p:animEffect>
+                                  </p:childTnLst>
+                                </p:cTn>
+                              </p:par>
+                            </p:childTnLst>
+                          </p:cTn>
+                        </p:par>
+                      </p:childTnLst>
+                    </p:cTn>
+                  </p:par>
+                  <p:par>
+                    <p:cTn id="25" fill="hold">
+                      <p:stCondLst>
+                        <p:cond delay="indefinite"/>
+                      </p:stCondLst>
+                      <p:childTnLst>
+                        <p:par>
+                          <p:cTn id="26" fill="hold">
+                            <p:stCondLst>
+                              <p:cond delay="0"/>
+                            </p:stCondLst>
+                            <p:childTnLst>
+                              <p:par>
+                                <p:cTn id="27" presetID="16" presetClass="entr" presetSubtype="21" fill="hold" grpId="0" nodeType="clickEffect">
+                                  <p:stCondLst>
+                                    <p:cond delay="0"/>
+                                  </p:stCondLst>
+                                  <p:childTnLst>
+                                    <p:set>
+                                      <p:cBhvr>
+                                        <p:cTn id="28" dur="1" fill="hold">
+                                          <p:stCondLst>
+                                            <p:cond delay="0"/>
+                                          </p:stCondLst>
+                                        </p:cTn>
+                                        <p:tgtEl>
+                                          <p:spTgt spid="3">
+                                            <p:txEl>
+                                              <p:pRg st="1" end="1"/>
+                                            </p:txEl>
+                                          </p:spTgt>
+                                        </p:tgtEl>
+                                        <p:attrNameLst>
+                                          <p:attrName>style.visibility</p:attrName>
+                                        </p:attrNameLst>
+                                      </p:cBhvr>
+                                      <p:to>
+                                        <p:strVal val="visible"/>
+                                      </p:to>
+                                    </p:set>
+                                    <p:animEffect transition="in" filter="barn(inVertical)">
+                                      <p:cBhvr>
+                                        <p:cTn id="29" dur="500"/>
+                                        <p:tgtEl>
+                                          <p:spTgt spid="3">
+                                            <p:txEl>
+                                              <p:pRg st="1" end="1"/>
+                                            </p:txEl>
+                                          </p:spTgt>
+                                        </p:tgtEl>
+                                      </p:cBhvr>
+                                    </p:animEffect>
+                                  </p:childTnLst>
+                                </p:cTn>
+                              </p:par>
+                            </p:childTnLst>
+                          </p:cTn>
+                        </p:par>
+                      </p:childTnLst>
+                    </p:cTn>
+                  </p:par>
+                  <p:par>
+                    <p:cTn id="30" fill="hold">
+                      <p:stCondLst>
+                        <p:cond delay="indefinite"/>
+                      </p:stCondLst>
+                      <p:childTnLst>
+                        <p:par>
+                          <p:cTn id="31" fill="hold">
+                            <p:stCondLst>
+                              <p:cond delay="0"/>
+                            </p:stCondLst>
+                            <p:childTnLst>
+                              <p:par>
+                                <p:cTn id="32" presetID="16" presetClass="entr" presetSubtype="21" fill="hold" grpId="0" nodeType="clickEffect">
+                                  <p:stCondLst>
+                                    <p:cond delay="0"/>
+                                  </p:stCondLst>
+                                  <p:childTnLst>
+                                    <p:set>
+                                      <p:cBhvr>
+                                        <p:cTn id="33" dur="1" fill="hold">
+                                          <p:stCondLst>
+                                            <p:cond delay="0"/>
+                                          </p:stCondLst>
+                                        </p:cTn>
+                                        <p:tgtEl>
+                                          <p:spTgt spid="3">
+                                            <p:txEl>
+                                              <p:pRg st="2" end="2"/>
+                                            </p:txEl>
+                                          </p:spTgt>
+                                        </p:tgtEl>
+                                        <p:attrNameLst>
+                                          <p:attrName>style.visibility</p:attrName>
+                                        </p:attrNameLst>
+                                      </p:cBhvr>
+                                      <p:to>
+                                        <p:strVal val="visible"/>
+                                      </p:to>
+                                    </p:set>
+                                    <p:animEffect transition="in" filter="barn(inVertical)">
+                                      <p:cBhvr>
+                                        <p:cTn id="34" dur="500"/>
+                                        <p:tgtEl>
+                                          <p:spTgt spid="3">
+                                            <p:txEl>
+                                              <p:pRg st="2" end="2"/>
+                                            </p:txEl>
+                                          </p:spTgt>
+                                        </p:tgtEl>
+                                      </p:cBhvr>
+                                    </p:animEffect>
+                                  </p:childTnLst>
+                                </p:cTn>
+                              </p:par>
+                            </p:childTnLst>
+                          </p:cTn>
+                        </p:par>
+                      </p:childTnLst>
+                    </p:cTn>
+                  </p:par>
+                </p:childTnLst>
+              </p:cTn>
+              <p:prevCondLst>
+                <p:cond evt="onPrev" delay="0">
+                  <p:tgtEl>
+                    <p:sldTgt/>
+                  </p:tgtEl>
+                </p:cond>
+              </p:prevCondLst>
+              <p:nextCondLst>
+                <p:cond evt="onNext" delay="0">
+                  <p:tgtEl>
+                    <p:sldTgt/>
+                  </p:tgtEl>
+                </p:cond>
+              </p:nextCondLst>
+            </p:seq>
+          </p:childTnLst>
+        </p:cTn>
+      </p:par>
+    </p:tnLst>
+    <p:bldLst>
+      <p:bldP spid="2" grpId="0"/>
+      <p:bldP spid="3" grpId="0" build="p"/>
+    </p:bldLst>
+  </p:timing>
+</p:sld>
+</file>
+
+<file path=ppt/slides/slide9.xml><?xml version="1.0" encoding="utf-8"?>
 <p:sld xmlns:a="http://schemas.openxmlformats.org/drawingml/2006/main" xmlns:r="http://schemas.openxmlformats.org/officeDocument/2006/relationships" xmlns:p="http://schemas.openxmlformats.org/presentationml/2006/main">
   <p:cSld>
     <p:spTree>
@@ -8509,609 +10072,8 @@
 </p:sld>
 </file>
 
-<file path=ppt/slides/slide9.xml><?xml version="1.0" encoding="utf-8"?>
-<p:sld xmlns:a="http://schemas.openxmlformats.org/drawingml/2006/main" xmlns:r="http://schemas.openxmlformats.org/officeDocument/2006/relationships" xmlns:p="http://schemas.openxmlformats.org/presentationml/2006/main">
-  <p:cSld>
-    <p:spTree>
-      <p:nvGrpSpPr>
-        <p:cNvPr id="1" name=""/>
-        <p:cNvGrpSpPr/>
-        <p:nvPr/>
-      </p:nvGrpSpPr>
-      <p:grpSpPr>
-        <a:xfrm>
-          <a:off x="0" y="0"/>
-          <a:ext cx="0" cy="0"/>
-          <a:chOff x="0" y="0"/>
-          <a:chExt cx="0" cy="0"/>
-        </a:xfrm>
-      </p:grpSpPr>
-      <p:pic>
-        <p:nvPicPr>
-          <p:cNvPr id="4" name="図 3" descr="65643.jpg"/>
-          <p:cNvPicPr>
-            <a:picLocks noChangeAspect="1"/>
-          </p:cNvPicPr>
-          <p:nvPr/>
-        </p:nvPicPr>
-        <p:blipFill>
-          <a:blip r:embed="rId2" cstate="print">
-            <a:extLst>
-              <a:ext uri="{28A0092B-C50C-407E-A947-70E740481C1C}">
-                <a14:useLocalDpi xmlns:a14="http://schemas.microsoft.com/office/drawing/2010/main" val="0"/>
-              </a:ext>
-            </a:extLst>
-          </a:blip>
-          <a:stretch>
-            <a:fillRect/>
-          </a:stretch>
-        </p:blipFill>
-        <p:spPr>
-          <a:xfrm>
-            <a:off x="1" y="1521972"/>
-            <a:ext cx="2594585" cy="1934935"/>
-          </a:xfrm>
-          <a:prstGeom prst="rect">
-            <a:avLst/>
-          </a:prstGeom>
-        </p:spPr>
-      </p:pic>
-      <p:sp>
-        <p:nvSpPr>
-          <p:cNvPr id="2" name="タイトル 1"/>
-          <p:cNvSpPr>
-            <a:spLocks noGrp="1"/>
-          </p:cNvSpPr>
-          <p:nvPr>
-            <p:ph type="title"/>
-          </p:nvPr>
-        </p:nvSpPr>
-        <p:spPr>
-          <a:xfrm>
-            <a:off x="1" y="342900"/>
-            <a:ext cx="3678399" cy="857250"/>
-          </a:xfrm>
-        </p:spPr>
-        <p:txBody>
-          <a:bodyPr>
-            <a:normAutofit/>
-          </a:bodyPr>
-          <a:lstStyle/>
-          <a:p>
-            <a:r>
-              <a:rPr kumimoji="1" lang="ja-JP" altLang="en-US" dirty="0" smtClean="0">
-                <a:latin typeface="ヒラギノ角ゴ Std W8"/>
-                <a:ea typeface="ヒラギノ角ゴ Std W8"/>
-                <a:cs typeface="ヒラギノ角ゴ Std W8"/>
-              </a:rPr>
-              <a:t>今後の展望</a:t>
-            </a:r>
-            <a:endParaRPr kumimoji="1" lang="ja-JP" altLang="en-US" dirty="0">
-              <a:latin typeface="ヒラギノ角ゴ Std W8"/>
-              <a:ea typeface="ヒラギノ角ゴ Std W8"/>
-              <a:cs typeface="ヒラギノ角ゴ Std W8"/>
-            </a:endParaRPr>
-          </a:p>
-        </p:txBody>
-      </p:sp>
-      <p:sp>
-        <p:nvSpPr>
-          <p:cNvPr id="3" name="コンテンツ プレースホルダー 2"/>
-          <p:cNvSpPr>
-            <a:spLocks noGrp="1"/>
-          </p:cNvSpPr>
-          <p:nvPr>
-            <p:ph idx="1"/>
-          </p:nvPr>
-        </p:nvSpPr>
-        <p:spPr>
-          <a:xfrm>
-            <a:off x="2594586" y="328487"/>
-            <a:ext cx="6549414" cy="4237433"/>
-          </a:xfrm>
-        </p:spPr>
-        <p:txBody>
-          <a:bodyPr>
-            <a:normAutofit/>
-          </a:bodyPr>
-          <a:lstStyle/>
-          <a:p>
-            <a:pPr marL="0" indent="0">
-              <a:buNone/>
-            </a:pPr>
-            <a:r>
-              <a:rPr kumimoji="1" lang="ja-JP" altLang="en-US" sz="2800" dirty="0" smtClean="0">
-                <a:latin typeface="ヒラギノ角ゴ Std W8"/>
-                <a:ea typeface="ヒラギノ角ゴ Std W8"/>
-                <a:cs typeface="ヒラギノ角ゴ Std W8"/>
-              </a:rPr>
-              <a:t>・ユーザー人口</a:t>
-            </a:r>
-            <a:r>
-              <a:rPr kumimoji="1" lang="en-US" altLang="ja-JP" sz="2800" dirty="0" smtClean="0">
-                <a:latin typeface="ヒラギノ角ゴ Std W8"/>
-                <a:ea typeface="ヒラギノ角ゴ Std W8"/>
-                <a:cs typeface="ヒラギノ角ゴ Std W8"/>
-              </a:rPr>
-              <a:t>100</a:t>
-            </a:r>
-            <a:r>
-              <a:rPr kumimoji="1" lang="ja-JP" altLang="en-US" sz="2800" dirty="0" smtClean="0">
-                <a:latin typeface="ヒラギノ角ゴ Std W8"/>
-                <a:ea typeface="ヒラギノ角ゴ Std W8"/>
-                <a:cs typeface="ヒラギノ角ゴ Std W8"/>
-              </a:rPr>
-              <a:t>万人</a:t>
-            </a:r>
-            <a:endParaRPr kumimoji="1" lang="en-US" altLang="ja-JP" sz="2800" dirty="0" smtClean="0">
-              <a:latin typeface="ヒラギノ角ゴ Std W8"/>
-              <a:ea typeface="ヒラギノ角ゴ Std W8"/>
-              <a:cs typeface="ヒラギノ角ゴ Std W8"/>
-            </a:endParaRPr>
-          </a:p>
-          <a:p>
-            <a:pPr marL="0" indent="0">
-              <a:buNone/>
-            </a:pPr>
-            <a:r>
-              <a:rPr kumimoji="1" lang="ja-JP" altLang="en-US" sz="2800" dirty="0" smtClean="0">
-                <a:latin typeface="ヒラギノ角ゴ Std W8"/>
-                <a:ea typeface="ヒラギノ角ゴ Std W8"/>
-                <a:cs typeface="ヒラギノ角ゴ Std W8"/>
-              </a:rPr>
-              <a:t>・</a:t>
-            </a:r>
-            <a:r>
-              <a:rPr kumimoji="1" lang="en-US" altLang="ja-JP" sz="2800" dirty="0" smtClean="0">
-                <a:latin typeface="ヒラギノ角ゴ Std W8"/>
-                <a:ea typeface="ヒラギノ角ゴ Std W8"/>
-                <a:cs typeface="ヒラギノ角ゴ Std W8"/>
-              </a:rPr>
-              <a:t>e</a:t>
-            </a:r>
-            <a:r>
-              <a:rPr kumimoji="1" lang="ja-JP" altLang="en-US" sz="2800" dirty="0" smtClean="0">
-                <a:latin typeface="ヒラギノ角ゴ Std W8"/>
-                <a:ea typeface="ヒラギノ角ゴ Std W8"/>
-                <a:cs typeface="ヒラギノ角ゴ Std W8"/>
-              </a:rPr>
-              <a:t>スポーツ推奨ゲームを目指していく</a:t>
-            </a:r>
-            <a:endParaRPr kumimoji="1" lang="ja-JP" altLang="en-US" sz="2800" dirty="0">
-              <a:latin typeface="ヒラギノ角ゴ Std W8"/>
-              <a:ea typeface="ヒラギノ角ゴ Std W8"/>
-              <a:cs typeface="ヒラギノ角ゴ Std W8"/>
-            </a:endParaRPr>
-          </a:p>
-        </p:txBody>
-      </p:sp>
-    </p:spTree>
-    <p:extLst>
-      <p:ext uri="{BB962C8B-B14F-4D97-AF65-F5344CB8AC3E}">
-        <p14:creationId xmlns:p14="http://schemas.microsoft.com/office/powerpoint/2010/main" val="2161773861"/>
-      </p:ext>
-    </p:extLst>
-  </p:cSld>
-  <p:clrMapOvr>
-    <a:masterClrMapping/>
-  </p:clrMapOvr>
-  <p:timing>
-    <p:tnLst>
-      <p:par>
-        <p:cTn xmlns:p14="http://schemas.microsoft.com/office/powerpoint/2010/main" id="1" dur="indefinite" restart="never" nodeType="tmRoot">
-          <p:childTnLst>
-            <p:seq concurrent="1" nextAc="seek">
-              <p:cTn id="2" dur="indefinite" nodeType="mainSeq">
-                <p:childTnLst>
-                  <p:par>
-                    <p:cTn id="3" fill="hold">
-                      <p:stCondLst>
-                        <p:cond delay="indefinite"/>
-                      </p:stCondLst>
-                      <p:childTnLst>
-                        <p:par>
-                          <p:cTn id="4" fill="hold">
-                            <p:stCondLst>
-                              <p:cond delay="0"/>
-                            </p:stCondLst>
-                            <p:childTnLst>
-                              <p:par>
-                                <p:cTn id="5" presetID="53" presetClass="entr" presetSubtype="16" fill="hold" grpId="0" nodeType="clickEffect">
-                                  <p:stCondLst>
-                                    <p:cond delay="0"/>
-                                  </p:stCondLst>
-                                  <p:childTnLst>
-                                    <p:set>
-                                      <p:cBhvr>
-                                        <p:cTn id="6" dur="1" fill="hold">
-                                          <p:stCondLst>
-                                            <p:cond delay="0"/>
-                                          </p:stCondLst>
-                                        </p:cTn>
-                                        <p:tgtEl>
-                                          <p:spTgt spid="2"/>
-                                        </p:tgtEl>
-                                        <p:attrNameLst>
-                                          <p:attrName>style.visibility</p:attrName>
-                                        </p:attrNameLst>
-                                      </p:cBhvr>
-                                      <p:to>
-                                        <p:strVal val="visible"/>
-                                      </p:to>
-                                    </p:set>
-                                    <p:anim calcmode="lin" valueType="num">
-                                      <p:cBhvr>
-                                        <p:cTn id="7" dur="500" fill="hold"/>
-                                        <p:tgtEl>
-                                          <p:spTgt spid="2"/>
-                                        </p:tgtEl>
-                                        <p:attrNameLst>
-                                          <p:attrName>ppt_w</p:attrName>
-                                        </p:attrNameLst>
-                                      </p:cBhvr>
-                                      <p:tavLst>
-                                        <p:tav tm="0">
-                                          <p:val>
-                                            <p:fltVal val="0"/>
-                                          </p:val>
-                                        </p:tav>
-                                        <p:tav tm="100000">
-                                          <p:val>
-                                            <p:strVal val="#ppt_w"/>
-                                          </p:val>
-                                        </p:tav>
-                                      </p:tavLst>
-                                    </p:anim>
-                                    <p:anim calcmode="lin" valueType="num">
-                                      <p:cBhvr>
-                                        <p:cTn id="8" dur="500" fill="hold"/>
-                                        <p:tgtEl>
-                                          <p:spTgt spid="2"/>
-                                        </p:tgtEl>
-                                        <p:attrNameLst>
-                                          <p:attrName>ppt_h</p:attrName>
-                                        </p:attrNameLst>
-                                      </p:cBhvr>
-                                      <p:tavLst>
-                                        <p:tav tm="0">
-                                          <p:val>
-                                            <p:fltVal val="0"/>
-                                          </p:val>
-                                        </p:tav>
-                                        <p:tav tm="100000">
-                                          <p:val>
-                                            <p:strVal val="#ppt_h"/>
-                                          </p:val>
-                                        </p:tav>
-                                      </p:tavLst>
-                                    </p:anim>
-                                    <p:animEffect transition="in" filter="fade">
-                                      <p:cBhvr>
-                                        <p:cTn id="9" dur="500"/>
-                                        <p:tgtEl>
-                                          <p:spTgt spid="2"/>
-                                        </p:tgtEl>
-                                      </p:cBhvr>
-                                    </p:animEffect>
-                                  </p:childTnLst>
-                                </p:cTn>
-                              </p:par>
-                            </p:childTnLst>
-                          </p:cTn>
-                        </p:par>
-                      </p:childTnLst>
-                    </p:cTn>
-                  </p:par>
-                  <p:par>
-                    <p:cTn id="10" fill="hold">
-                      <p:stCondLst>
-                        <p:cond delay="indefinite"/>
-                      </p:stCondLst>
-                      <p:childTnLst>
-                        <p:par>
-                          <p:cTn id="11" fill="hold">
-                            <p:stCondLst>
-                              <p:cond delay="0"/>
-                            </p:stCondLst>
-                            <p:childTnLst>
-                              <p:par>
-                                <p:cTn id="12" presetID="2" presetClass="entr" presetSubtype="4" fill="hold" grpId="0" nodeType="clickEffect">
-                                  <p:stCondLst>
-                                    <p:cond delay="0"/>
-                                  </p:stCondLst>
-                                  <p:childTnLst>
-                                    <p:set>
-                                      <p:cBhvr>
-                                        <p:cTn id="13" dur="1" fill="hold">
-                                          <p:stCondLst>
-                                            <p:cond delay="0"/>
-                                          </p:stCondLst>
-                                        </p:cTn>
-                                        <p:tgtEl>
-                                          <p:spTgt spid="3">
-                                            <p:txEl>
-                                              <p:pRg st="0" end="0"/>
-                                            </p:txEl>
-                                          </p:spTgt>
-                                        </p:tgtEl>
-                                        <p:attrNameLst>
-                                          <p:attrName>style.visibility</p:attrName>
-                                        </p:attrNameLst>
-                                      </p:cBhvr>
-                                      <p:to>
-                                        <p:strVal val="visible"/>
-                                      </p:to>
-                                    </p:set>
-                                    <p:anim calcmode="lin" valueType="num">
-                                      <p:cBhvr additive="base">
-                                        <p:cTn id="14" dur="500" fill="hold"/>
-                                        <p:tgtEl>
-                                          <p:spTgt spid="3">
-                                            <p:txEl>
-                                              <p:pRg st="0" end="0"/>
-                                            </p:txEl>
-                                          </p:spTgt>
-                                        </p:tgtEl>
-                                        <p:attrNameLst>
-                                          <p:attrName>ppt_x</p:attrName>
-                                        </p:attrNameLst>
-                                      </p:cBhvr>
-                                      <p:tavLst>
-                                        <p:tav tm="0">
-                                          <p:val>
-                                            <p:strVal val="#ppt_x"/>
-                                          </p:val>
-                                        </p:tav>
-                                        <p:tav tm="100000">
-                                          <p:val>
-                                            <p:strVal val="#ppt_x"/>
-                                          </p:val>
-                                        </p:tav>
-                                      </p:tavLst>
-                                    </p:anim>
-                                    <p:anim calcmode="lin" valueType="num">
-                                      <p:cBhvr additive="base">
-                                        <p:cTn id="15" dur="500" fill="hold"/>
-                                        <p:tgtEl>
-                                          <p:spTgt spid="3">
-                                            <p:txEl>
-                                              <p:pRg st="0" end="0"/>
-                                            </p:txEl>
-                                          </p:spTgt>
-                                        </p:tgtEl>
-                                        <p:attrNameLst>
-                                          <p:attrName>ppt_y</p:attrName>
-                                        </p:attrNameLst>
-                                      </p:cBhvr>
-                                      <p:tavLst>
-                                        <p:tav tm="0">
-                                          <p:val>
-                                            <p:strVal val="1+#ppt_h/2"/>
-                                          </p:val>
-                                        </p:tav>
-                                        <p:tav tm="100000">
-                                          <p:val>
-                                            <p:strVal val="#ppt_y"/>
-                                          </p:val>
-                                        </p:tav>
-                                      </p:tavLst>
-                                    </p:anim>
-                                  </p:childTnLst>
-                                </p:cTn>
-                              </p:par>
-                              <p:par>
-                                <p:cTn id="16" presetID="2" presetClass="entr" presetSubtype="4" fill="hold" nodeType="withEffect">
-                                  <p:stCondLst>
-                                    <p:cond delay="0"/>
-                                  </p:stCondLst>
-                                  <p:childTnLst>
-                                    <p:set>
-                                      <p:cBhvr>
-                                        <p:cTn id="17" dur="1" fill="hold">
-                                          <p:stCondLst>
-                                            <p:cond delay="0"/>
-                                          </p:stCondLst>
-                                        </p:cTn>
-                                        <p:tgtEl>
-                                          <p:spTgt spid="4"/>
-                                        </p:tgtEl>
-                                        <p:attrNameLst>
-                                          <p:attrName>style.visibility</p:attrName>
-                                        </p:attrNameLst>
-                                      </p:cBhvr>
-                                      <p:to>
-                                        <p:strVal val="visible"/>
-                                      </p:to>
-                                    </p:set>
-                                    <p:anim calcmode="lin" valueType="num">
-                                      <p:cBhvr additive="base">
-                                        <p:cTn id="18" dur="500" fill="hold"/>
-                                        <p:tgtEl>
-                                          <p:spTgt spid="4"/>
-                                        </p:tgtEl>
-                                        <p:attrNameLst>
-                                          <p:attrName>ppt_x</p:attrName>
-                                        </p:attrNameLst>
-                                      </p:cBhvr>
-                                      <p:tavLst>
-                                        <p:tav tm="0">
-                                          <p:val>
-                                            <p:strVal val="#ppt_x"/>
-                                          </p:val>
-                                        </p:tav>
-                                        <p:tav tm="100000">
-                                          <p:val>
-                                            <p:strVal val="#ppt_x"/>
-                                          </p:val>
-                                        </p:tav>
-                                      </p:tavLst>
-                                    </p:anim>
-                                    <p:anim calcmode="lin" valueType="num">
-                                      <p:cBhvr additive="base">
-                                        <p:cTn id="19" dur="500" fill="hold"/>
-                                        <p:tgtEl>
-                                          <p:spTgt spid="4"/>
-                                        </p:tgtEl>
-                                        <p:attrNameLst>
-                                          <p:attrName>ppt_y</p:attrName>
-                                        </p:attrNameLst>
-                                      </p:cBhvr>
-                                      <p:tavLst>
-                                        <p:tav tm="0">
-                                          <p:val>
-                                            <p:strVal val="1+#ppt_h/2"/>
-                                          </p:val>
-                                        </p:tav>
-                                        <p:tav tm="100000">
-                                          <p:val>
-                                            <p:strVal val="#ppt_y"/>
-                                          </p:val>
-                                        </p:tav>
-                                      </p:tavLst>
-                                    </p:anim>
-                                  </p:childTnLst>
-                                </p:cTn>
-                              </p:par>
-                            </p:childTnLst>
-                          </p:cTn>
-                        </p:par>
-                      </p:childTnLst>
-                    </p:cTn>
-                  </p:par>
-                  <p:par>
-                    <p:cTn id="20" fill="hold">
-                      <p:stCondLst>
-                        <p:cond delay="indefinite"/>
-                      </p:stCondLst>
-                      <p:childTnLst>
-                        <p:par>
-                          <p:cTn id="21" fill="hold">
-                            <p:stCondLst>
-                              <p:cond delay="0"/>
-                            </p:stCondLst>
-                            <p:childTnLst>
-                              <p:par>
-                                <p:cTn id="22" presetID="2" presetClass="entr" presetSubtype="4" fill="hold" grpId="0" nodeType="clickEffect">
-                                  <p:stCondLst>
-                                    <p:cond delay="0"/>
-                                  </p:stCondLst>
-                                  <p:childTnLst>
-                                    <p:set>
-                                      <p:cBhvr>
-                                        <p:cTn id="23" dur="1" fill="hold">
-                                          <p:stCondLst>
-                                            <p:cond delay="0"/>
-                                          </p:stCondLst>
-                                        </p:cTn>
-                                        <p:tgtEl>
-                                          <p:spTgt spid="3">
-                                            <p:txEl>
-                                              <p:pRg st="1" end="1"/>
-                                            </p:txEl>
-                                          </p:spTgt>
-                                        </p:tgtEl>
-                                        <p:attrNameLst>
-                                          <p:attrName>style.visibility</p:attrName>
-                                        </p:attrNameLst>
-                                      </p:cBhvr>
-                                      <p:to>
-                                        <p:strVal val="visible"/>
-                                      </p:to>
-                                    </p:set>
-                                    <p:anim calcmode="lin" valueType="num">
-                                      <p:cBhvr additive="base">
-                                        <p:cTn id="24" dur="500" fill="hold"/>
-                                        <p:tgtEl>
-                                          <p:spTgt spid="3">
-                                            <p:txEl>
-                                              <p:pRg st="1" end="1"/>
-                                            </p:txEl>
-                                          </p:spTgt>
-                                        </p:tgtEl>
-                                        <p:attrNameLst>
-                                          <p:attrName>ppt_x</p:attrName>
-                                        </p:attrNameLst>
-                                      </p:cBhvr>
-                                      <p:tavLst>
-                                        <p:tav tm="0">
-                                          <p:val>
-                                            <p:strVal val="#ppt_x"/>
-                                          </p:val>
-                                        </p:tav>
-                                        <p:tav tm="100000">
-                                          <p:val>
-                                            <p:strVal val="#ppt_x"/>
-                                          </p:val>
-                                        </p:tav>
-                                      </p:tavLst>
-                                    </p:anim>
-                                    <p:anim calcmode="lin" valueType="num">
-                                      <p:cBhvr additive="base">
-                                        <p:cTn id="25" dur="500" fill="hold"/>
-                                        <p:tgtEl>
-                                          <p:spTgt spid="3">
-                                            <p:txEl>
-                                              <p:pRg st="1" end="1"/>
-                                            </p:txEl>
-                                          </p:spTgt>
-                                        </p:tgtEl>
-                                        <p:attrNameLst>
-                                          <p:attrName>ppt_y</p:attrName>
-                                        </p:attrNameLst>
-                                      </p:cBhvr>
-                                      <p:tavLst>
-                                        <p:tav tm="0">
-                                          <p:val>
-                                            <p:strVal val="1+#ppt_h/2"/>
-                                          </p:val>
-                                        </p:tav>
-                                        <p:tav tm="100000">
-                                          <p:val>
-                                            <p:strVal val="#ppt_y"/>
-                                          </p:val>
-                                        </p:tav>
-                                      </p:tavLst>
-                                    </p:anim>
-                                  </p:childTnLst>
-                                </p:cTn>
-                              </p:par>
-                            </p:childTnLst>
-                          </p:cTn>
-                        </p:par>
-                      </p:childTnLst>
-                    </p:cTn>
-                  </p:par>
-                </p:childTnLst>
-              </p:cTn>
-              <p:prevCondLst>
-                <p:cond evt="onPrev" delay="0">
-                  <p:tgtEl>
-                    <p:sldTgt/>
-                  </p:tgtEl>
-                </p:cond>
-              </p:prevCondLst>
-              <p:nextCondLst>
-                <p:cond evt="onNext" delay="0">
-                  <p:tgtEl>
-                    <p:sldTgt/>
-                  </p:tgtEl>
-                </p:cond>
-              </p:nextCondLst>
-            </p:seq>
-          </p:childTnLst>
-        </p:cTn>
-      </p:par>
-    </p:tnLst>
-    <p:bldLst>
-      <p:bldP spid="2" grpId="0"/>
-      <p:bldP spid="3" grpId="0" uiExpand="1" build="p"/>
-    </p:bldLst>
-  </p:timing>
-</p:sld>
-</file>
-
 <file path=ppt/theme/theme1.xml><?xml version="1.0" encoding="utf-8"?>
-<a:theme xmlns:a="http://schemas.openxmlformats.org/drawingml/2006/main" name="Twilight">
+<a:theme xmlns:a="http://schemas.openxmlformats.org/drawingml/2006/main" name="トワイライト">
   <a:themeElements>
     <a:clrScheme name="Office">
       <a:dk1>
@@ -9151,7 +10113,7 @@
         <a:srgbClr val="800080"/>
       </a:folHlink>
     </a:clrScheme>
-    <a:fontScheme name="Twilight">
+    <a:fontScheme name="トワイライト">
       <a:majorFont>
         <a:latin typeface="Corbel"/>
         <a:ea typeface=""/>
@@ -9223,7 +10185,7 @@
         <a:font script="Geor" typeface="Sylfaen"/>
       </a:minorFont>
     </a:fontScheme>
-    <a:fmtScheme name="Twilight">
+    <a:fmtScheme name="トワイライト">
       <a:fillStyleLst>
         <a:solidFill>
           <a:schemeClr val="phClr"/>
